--- a/Impact of COVID-10 on NYC Taxi Industries.pptx
+++ b/Impact of COVID-10 on NYC Taxi Industries.pptx
@@ -2276,11 +2276,11 @@
         </c:dLbls>
         <c:marker val="1"/>
         <c:smooth val="0"/>
-        <c:axId val="94437760"/>
-        <c:axId val="94439296"/>
+        <c:axId val="113776512"/>
+        <c:axId val="113778048"/>
       </c:lineChart>
       <c:catAx>
-        <c:axId val="94437760"/>
+        <c:axId val="113776512"/>
         <c:scaling>
           <c:orientation val="minMax"/>
         </c:scaling>
@@ -2300,7 +2300,7 @@
             <a:endParaRPr lang="en-US"/>
           </a:p>
         </c:txPr>
-        <c:crossAx val="94439296"/>
+        <c:crossAx val="113778048"/>
         <c:crosses val="autoZero"/>
         <c:auto val="1"/>
         <c:lblAlgn val="ctr"/>
@@ -2308,7 +2308,7 @@
         <c:noMultiLvlLbl val="1"/>
       </c:catAx>
       <c:valAx>
-        <c:axId val="94439296"/>
+        <c:axId val="113778048"/>
         <c:scaling>
           <c:orientation val="minMax"/>
         </c:scaling>
@@ -2319,7 +2319,7 @@
         <c:majorTickMark val="out"/>
         <c:minorTickMark val="none"/>
         <c:tickLblPos val="nextTo"/>
-        <c:crossAx val="94437760"/>
+        <c:crossAx val="113776512"/>
         <c:crosses val="autoZero"/>
         <c:crossBetween val="midCat"/>
         <c:dispUnits>
@@ -2552,11 +2552,11 @@
           <c:showBubbleSize val="0"/>
         </c:dLbls>
         <c:gapWidth val="150"/>
-        <c:axId val="150400384"/>
-        <c:axId val="153008384"/>
+        <c:axId val="102110336"/>
+        <c:axId val="102111872"/>
       </c:barChart>
       <c:catAx>
-        <c:axId val="150400384"/>
+        <c:axId val="102110336"/>
         <c:scaling>
           <c:orientation val="minMax"/>
         </c:scaling>
@@ -2565,7 +2565,7 @@
         <c:majorTickMark val="out"/>
         <c:minorTickMark val="none"/>
         <c:tickLblPos val="nextTo"/>
-        <c:crossAx val="153008384"/>
+        <c:crossAx val="102111872"/>
         <c:crosses val="autoZero"/>
         <c:auto val="1"/>
         <c:lblAlgn val="ctr"/>
@@ -2573,7 +2573,7 @@
         <c:noMultiLvlLbl val="0"/>
       </c:catAx>
       <c:valAx>
-        <c:axId val="153008384"/>
+        <c:axId val="102111872"/>
         <c:scaling>
           <c:orientation val="minMax"/>
         </c:scaling>
@@ -2584,7 +2584,7 @@
         <c:majorTickMark val="out"/>
         <c:minorTickMark val="none"/>
         <c:tickLblPos val="nextTo"/>
-        <c:crossAx val="150400384"/>
+        <c:crossAx val="102110336"/>
         <c:crosses val="autoZero"/>
         <c:crossBetween val="between"/>
       </c:valAx>
@@ -3442,11 +3442,11 @@
           <c:showPercent val="0"/>
           <c:showBubbleSize val="0"/>
         </c:dLbls>
-        <c:axId val="48458752"/>
-        <c:axId val="48546560"/>
+        <c:axId val="102138240"/>
+        <c:axId val="102140160"/>
       </c:scatterChart>
       <c:valAx>
-        <c:axId val="48458752"/>
+        <c:axId val="102138240"/>
         <c:scaling>
           <c:orientation val="minMax"/>
         </c:scaling>
@@ -3475,12 +3475,12 @@
         <c:majorTickMark val="out"/>
         <c:minorTickMark val="none"/>
         <c:tickLblPos val="nextTo"/>
-        <c:crossAx val="48546560"/>
+        <c:crossAx val="102140160"/>
         <c:crosses val="autoZero"/>
         <c:crossBetween val="midCat"/>
       </c:valAx>
       <c:valAx>
-        <c:axId val="48546560"/>
+        <c:axId val="102140160"/>
         <c:scaling>
           <c:orientation val="minMax"/>
         </c:scaling>
@@ -3491,7 +3491,7 @@
         <c:majorTickMark val="out"/>
         <c:minorTickMark val="none"/>
         <c:tickLblPos val="nextTo"/>
-        <c:crossAx val="48458752"/>
+        <c:crossAx val="102138240"/>
         <c:crosses val="autoZero"/>
         <c:crossBetween val="midCat"/>
       </c:valAx>
@@ -4354,11 +4354,11 @@
           <c:showPercent val="0"/>
           <c:showBubbleSize val="0"/>
         </c:dLbls>
-        <c:axId val="48659456"/>
-        <c:axId val="48665344"/>
+        <c:axId val="113840896"/>
+        <c:axId val="113842432"/>
       </c:scatterChart>
       <c:valAx>
-        <c:axId val="48659456"/>
+        <c:axId val="113840896"/>
         <c:scaling>
           <c:orientation val="minMax"/>
         </c:scaling>
@@ -4369,12 +4369,12 @@
         <c:majorTickMark val="out"/>
         <c:minorTickMark val="none"/>
         <c:tickLblPos val="nextTo"/>
-        <c:crossAx val="48665344"/>
+        <c:crossAx val="113842432"/>
         <c:crosses val="autoZero"/>
         <c:crossBetween val="midCat"/>
       </c:valAx>
       <c:valAx>
-        <c:axId val="48665344"/>
+        <c:axId val="113842432"/>
         <c:scaling>
           <c:orientation val="minMax"/>
         </c:scaling>
@@ -4385,7 +4385,7 @@
         <c:majorTickMark val="out"/>
         <c:minorTickMark val="none"/>
         <c:tickLblPos val="nextTo"/>
-        <c:crossAx val="48659456"/>
+        <c:crossAx val="113840896"/>
         <c:crosses val="autoZero"/>
         <c:crossBetween val="midCat"/>
       </c:valAx>
@@ -4647,11 +4647,11 @@
         </c:dLbls>
         <c:gapWidth val="150"/>
         <c:overlap val="19"/>
-        <c:axId val="97159424"/>
-        <c:axId val="97170944"/>
+        <c:axId val="113880448"/>
+        <c:axId val="113886336"/>
       </c:barChart>
       <c:catAx>
-        <c:axId val="97159424"/>
+        <c:axId val="113880448"/>
         <c:scaling>
           <c:orientation val="minMax"/>
         </c:scaling>
@@ -4660,7 +4660,7 @@
         <c:majorTickMark val="out"/>
         <c:minorTickMark val="none"/>
         <c:tickLblPos val="nextTo"/>
-        <c:crossAx val="97170944"/>
+        <c:crossAx val="113886336"/>
         <c:crosses val="autoZero"/>
         <c:auto val="1"/>
         <c:lblAlgn val="ctr"/>
@@ -4668,7 +4668,7 @@
         <c:noMultiLvlLbl val="0"/>
       </c:catAx>
       <c:valAx>
-        <c:axId val="97170944"/>
+        <c:axId val="113886336"/>
         <c:scaling>
           <c:orientation val="minMax"/>
         </c:scaling>
@@ -4679,7 +4679,7 @@
         <c:majorTickMark val="out"/>
         <c:minorTickMark val="none"/>
         <c:tickLblPos val="nextTo"/>
-        <c:crossAx val="97159424"/>
+        <c:crossAx val="113880448"/>
         <c:crosses val="autoZero"/>
         <c:crossBetween val="between"/>
       </c:valAx>
@@ -4949,11 +4949,11 @@
           <c:showBubbleSize val="0"/>
         </c:dLbls>
         <c:gapWidth val="150"/>
-        <c:axId val="108100992"/>
-        <c:axId val="136344704"/>
+        <c:axId val="113996544"/>
+        <c:axId val="113998080"/>
       </c:barChart>
       <c:catAx>
-        <c:axId val="108100992"/>
+        <c:axId val="113996544"/>
         <c:scaling>
           <c:orientation val="minMax"/>
         </c:scaling>
@@ -4962,7 +4962,7 @@
         <c:majorTickMark val="out"/>
         <c:minorTickMark val="none"/>
         <c:tickLblPos val="nextTo"/>
-        <c:crossAx val="136344704"/>
+        <c:crossAx val="113998080"/>
         <c:crosses val="autoZero"/>
         <c:auto val="1"/>
         <c:lblAlgn val="ctr"/>
@@ -4970,7 +4970,7 @@
         <c:noMultiLvlLbl val="0"/>
       </c:catAx>
       <c:valAx>
-        <c:axId val="136344704"/>
+        <c:axId val="113998080"/>
         <c:scaling>
           <c:orientation val="minMax"/>
         </c:scaling>
@@ -4981,7 +4981,7 @@
         <c:majorTickMark val="out"/>
         <c:minorTickMark val="none"/>
         <c:tickLblPos val="nextTo"/>
-        <c:crossAx val="108100992"/>
+        <c:crossAx val="113996544"/>
         <c:crosses val="autoZero"/>
         <c:crossBetween val="between"/>
       </c:valAx>
@@ -5094,7 +5094,7 @@
           <a:p>
             <a:fld id="{E2A7046D-4E9F-45A4-BF83-770049B9000C}" type="datetimeFigureOut">
               <a:rPr lang="en-US" smtClean="0"/>
-              <a:t>2/14/2021</a:t>
+              <a:t>2/16/2021</a:t>
             </a:fld>
             <a:endParaRPr lang="en-US"/>
           </a:p>
@@ -5627,7 +5627,7 @@
           <a:p>
             <a:fld id="{074442F3-905A-4A7F-B9B5-4C41ECF1CCEC}" type="datetimeFigureOut">
               <a:rPr lang="en-US" smtClean="0"/>
-              <a:t>2/14/2021</a:t>
+              <a:t>2/16/2021</a:t>
             </a:fld>
             <a:endParaRPr lang="en-US"/>
           </a:p>
@@ -5797,7 +5797,7 @@
           <a:p>
             <a:fld id="{074442F3-905A-4A7F-B9B5-4C41ECF1CCEC}" type="datetimeFigureOut">
               <a:rPr lang="en-US" smtClean="0"/>
-              <a:t>2/14/2021</a:t>
+              <a:t>2/16/2021</a:t>
             </a:fld>
             <a:endParaRPr lang="en-US"/>
           </a:p>
@@ -5977,7 +5977,7 @@
           <a:p>
             <a:fld id="{074442F3-905A-4A7F-B9B5-4C41ECF1CCEC}" type="datetimeFigureOut">
               <a:rPr lang="en-US" smtClean="0"/>
-              <a:t>2/14/2021</a:t>
+              <a:t>2/16/2021</a:t>
             </a:fld>
             <a:endParaRPr lang="en-US"/>
           </a:p>
@@ -6147,7 +6147,7 @@
           <a:p>
             <a:fld id="{074442F3-905A-4A7F-B9B5-4C41ECF1CCEC}" type="datetimeFigureOut">
               <a:rPr lang="en-US" smtClean="0"/>
-              <a:t>2/14/2021</a:t>
+              <a:t>2/16/2021</a:t>
             </a:fld>
             <a:endParaRPr lang="en-US"/>
           </a:p>
@@ -6393,7 +6393,7 @@
           <a:p>
             <a:fld id="{074442F3-905A-4A7F-B9B5-4C41ECF1CCEC}" type="datetimeFigureOut">
               <a:rPr lang="en-US" smtClean="0"/>
-              <a:t>2/14/2021</a:t>
+              <a:t>2/16/2021</a:t>
             </a:fld>
             <a:endParaRPr lang="en-US"/>
           </a:p>
@@ -6681,7 +6681,7 @@
           <a:p>
             <a:fld id="{074442F3-905A-4A7F-B9B5-4C41ECF1CCEC}" type="datetimeFigureOut">
               <a:rPr lang="en-US" smtClean="0"/>
-              <a:t>2/14/2021</a:t>
+              <a:t>2/16/2021</a:t>
             </a:fld>
             <a:endParaRPr lang="en-US"/>
           </a:p>
@@ -7103,7 +7103,7 @@
           <a:p>
             <a:fld id="{074442F3-905A-4A7F-B9B5-4C41ECF1CCEC}" type="datetimeFigureOut">
               <a:rPr lang="en-US" smtClean="0"/>
-              <a:t>2/14/2021</a:t>
+              <a:t>2/16/2021</a:t>
             </a:fld>
             <a:endParaRPr lang="en-US"/>
           </a:p>
@@ -7221,7 +7221,7 @@
           <a:p>
             <a:fld id="{074442F3-905A-4A7F-B9B5-4C41ECF1CCEC}" type="datetimeFigureOut">
               <a:rPr lang="en-US" smtClean="0"/>
-              <a:t>2/14/2021</a:t>
+              <a:t>2/16/2021</a:t>
             </a:fld>
             <a:endParaRPr lang="en-US"/>
           </a:p>
@@ -7316,7 +7316,7 @@
           <a:p>
             <a:fld id="{074442F3-905A-4A7F-B9B5-4C41ECF1CCEC}" type="datetimeFigureOut">
               <a:rPr lang="en-US" smtClean="0"/>
-              <a:t>2/14/2021</a:t>
+              <a:t>2/16/2021</a:t>
             </a:fld>
             <a:endParaRPr lang="en-US"/>
           </a:p>
@@ -7593,7 +7593,7 @@
           <a:p>
             <a:fld id="{074442F3-905A-4A7F-B9B5-4C41ECF1CCEC}" type="datetimeFigureOut">
               <a:rPr lang="en-US" smtClean="0"/>
-              <a:t>2/14/2021</a:t>
+              <a:t>2/16/2021</a:t>
             </a:fld>
             <a:endParaRPr lang="en-US"/>
           </a:p>
@@ -7846,7 +7846,7 @@
           <a:p>
             <a:fld id="{074442F3-905A-4A7F-B9B5-4C41ECF1CCEC}" type="datetimeFigureOut">
               <a:rPr lang="en-US" smtClean="0"/>
-              <a:t>2/14/2021</a:t>
+              <a:t>2/16/2021</a:t>
             </a:fld>
             <a:endParaRPr lang="en-US"/>
           </a:p>
@@ -8059,7 +8059,7 @@
           <a:p>
             <a:fld id="{074442F3-905A-4A7F-B9B5-4C41ECF1CCEC}" type="datetimeFigureOut">
               <a:rPr lang="en-US" smtClean="0"/>
-              <a:t>2/14/2021</a:t>
+              <a:t>2/16/2021</a:t>
             </a:fld>
             <a:endParaRPr lang="en-US"/>
           </a:p>
@@ -8852,7 +8852,45 @@
         </p:nvSpPr>
         <p:spPr>
           <a:xfrm>
-            <a:off x="1022647" y="1400579"/>
+            <a:off x="685800" y="1399648"/>
+            <a:ext cx="6609664" cy="369332"/>
+          </a:xfrm>
+          <a:prstGeom prst="rect">
+            <a:avLst/>
+          </a:prstGeom>
+          <a:noFill/>
+        </p:spPr>
+        <p:txBody>
+          <a:bodyPr wrap="square" rtlCol="0">
+            <a:spAutoFit/>
+          </a:bodyPr>
+          <a:lstStyle/>
+          <a:p>
+            <a:r>
+              <a:rPr lang="en-US" dirty="0" smtClean="0"/>
+              <a:t>Take Data from 1</a:t>
+            </a:r>
+            <a:r>
+              <a:rPr lang="en-US" baseline="30000" dirty="0" smtClean="0"/>
+              <a:t>st</a:t>
+            </a:r>
+            <a:r>
+              <a:rPr lang="en-US" dirty="0" smtClean="0"/>
+              <a:t> March at the time of Pandemic break out</a:t>
+            </a:r>
+            <a:endParaRPr lang="en-US" dirty="0"/>
+          </a:p>
+        </p:txBody>
+      </p:sp>
+      <p:sp>
+        <p:nvSpPr>
+          <p:cNvPr id="7" name="TextBox 6"/>
+          <p:cNvSpPr txBox="1"/>
+          <p:nvPr/>
+        </p:nvSpPr>
+        <p:spPr>
+          <a:xfrm>
+            <a:off x="707165" y="2462613"/>
             <a:ext cx="6781800" cy="369332"/>
           </a:xfrm>
           <a:prstGeom prst="rect">
@@ -8868,15 +8906,7 @@
           <a:p>
             <a:r>
               <a:rPr lang="en-US" dirty="0" smtClean="0"/>
-              <a:t>Take Data from 1</a:t>
-            </a:r>
-            <a:r>
-              <a:rPr lang="en-US" baseline="30000" dirty="0" smtClean="0"/>
-              <a:t>st</a:t>
-            </a:r>
-            <a:r>
-              <a:rPr lang="en-US" dirty="0" smtClean="0"/>
-              <a:t> March at the time of Pandemic break out</a:t>
+              <a:t>Create an array of Matrix of time series as   features  of RNN input</a:t>
             </a:r>
             <a:endParaRPr lang="en-US" dirty="0"/>
           </a:p>
@@ -8884,13 +8914,13 @@
       </p:sp>
       <p:sp>
         <p:nvSpPr>
-          <p:cNvPr id="7" name="TextBox 6"/>
+          <p:cNvPr id="8" name="TextBox 7"/>
           <p:cNvSpPr txBox="1"/>
           <p:nvPr/>
         </p:nvSpPr>
         <p:spPr>
           <a:xfrm>
-            <a:off x="1108104" y="2461901"/>
+            <a:off x="757728" y="2140175"/>
             <a:ext cx="6781800" cy="369332"/>
           </a:xfrm>
           <a:prstGeom prst="rect">
@@ -8906,7 +8936,7 @@
           <a:p>
             <a:r>
               <a:rPr lang="en-US" dirty="0" smtClean="0"/>
-              <a:t>Create an array of Matrix of time series as   features  of RNN input</a:t>
+              <a:t>Process the data train and test set</a:t>
             </a:r>
             <a:endParaRPr lang="en-US" dirty="0"/>
           </a:p>
@@ -8914,13 +8944,13 @@
       </p:sp>
       <p:sp>
         <p:nvSpPr>
-          <p:cNvPr id="8" name="TextBox 7"/>
+          <p:cNvPr id="9" name="TextBox 8"/>
           <p:cNvSpPr txBox="1"/>
           <p:nvPr/>
         </p:nvSpPr>
         <p:spPr>
           <a:xfrm>
-            <a:off x="1156327" y="2133600"/>
+            <a:off x="707165" y="3227864"/>
             <a:ext cx="6781800" cy="369332"/>
           </a:xfrm>
           <a:prstGeom prst="rect">
@@ -8936,7 +8966,7 @@
           <a:p>
             <a:r>
               <a:rPr lang="en-US" dirty="0" smtClean="0"/>
-              <a:t>Process the data train and test set</a:t>
+              <a:t>Create LTSM stacked layers model </a:t>
             </a:r>
             <a:endParaRPr lang="en-US" dirty="0"/>
           </a:p>
@@ -8944,13 +8974,55 @@
       </p:sp>
       <p:sp>
         <p:nvSpPr>
-          <p:cNvPr id="9" name="TextBox 8"/>
+          <p:cNvPr id="10" name="TextBox 9"/>
           <p:cNvSpPr txBox="1"/>
           <p:nvPr/>
         </p:nvSpPr>
         <p:spPr>
           <a:xfrm>
-            <a:off x="1153621" y="3244334"/>
+            <a:off x="685800" y="1794617"/>
+            <a:ext cx="7924799" cy="369332"/>
+          </a:xfrm>
+          <a:prstGeom prst="rect">
+            <a:avLst/>
+          </a:prstGeom>
+          <a:noFill/>
+        </p:spPr>
+        <p:txBody>
+          <a:bodyPr wrap="square" rtlCol="0">
+            <a:spAutoFit/>
+          </a:bodyPr>
+          <a:lstStyle/>
+          <a:p>
+            <a:r>
+              <a:rPr lang="en-US" dirty="0" smtClean="0"/>
+              <a:t>Decide of number of days to look back and training your model </a:t>
+            </a:r>
+            <a:r>
+              <a:rPr lang="en-US" dirty="0" err="1" smtClean="0"/>
+              <a:t>timesteps</a:t>
+            </a:r>
+            <a:r>
+              <a:rPr lang="en-US" dirty="0" smtClean="0"/>
+              <a:t>= </a:t>
+            </a:r>
+            <a:r>
+              <a:rPr lang="en-US" dirty="0" smtClean="0"/>
+              <a:t>30</a:t>
+            </a:r>
+            <a:endParaRPr lang="en-US" dirty="0"/>
+          </a:p>
+        </p:txBody>
+      </p:sp>
+      <p:sp>
+        <p:nvSpPr>
+          <p:cNvPr id="11" name="TextBox 10"/>
+          <p:cNvSpPr txBox="1"/>
+          <p:nvPr/>
+        </p:nvSpPr>
+        <p:spPr>
+          <a:xfrm>
+            <a:off x="689361" y="2858532"/>
             <a:ext cx="6781800" cy="369332"/>
           </a:xfrm>
           <a:prstGeom prst="rect">
@@ -8966,7 +9038,23 @@
           <a:p>
             <a:r>
               <a:rPr lang="en-US" dirty="0" smtClean="0"/>
-              <a:t>Create LTSM stacked layers model </a:t>
+              <a:t>Create this Matrix for </a:t>
+            </a:r>
+            <a:r>
+              <a:rPr lang="en-US" dirty="0" err="1" smtClean="0"/>
+              <a:t>x_train</a:t>
+            </a:r>
+            <a:r>
+              <a:rPr lang="en-US" dirty="0" smtClean="0"/>
+              <a:t> and </a:t>
+            </a:r>
+            <a:r>
+              <a:rPr lang="en-US" dirty="0" err="1" smtClean="0"/>
+              <a:t>y_train</a:t>
+            </a:r>
+            <a:r>
+              <a:rPr lang="en-US" dirty="0" smtClean="0"/>
+              <a:t> </a:t>
             </a:r>
             <a:endParaRPr lang="en-US" dirty="0"/>
           </a:p>
@@ -8974,13 +9062,13 @@
       </p:sp>
       <p:sp>
         <p:nvSpPr>
-          <p:cNvPr id="10" name="TextBox 9"/>
+          <p:cNvPr id="12" name="TextBox 11"/>
           <p:cNvSpPr txBox="1"/>
           <p:nvPr/>
         </p:nvSpPr>
         <p:spPr>
           <a:xfrm>
-            <a:off x="1194783" y="1794616"/>
+            <a:off x="757728" y="3654517"/>
             <a:ext cx="6781800" cy="369332"/>
           </a:xfrm>
           <a:prstGeom prst="rect">
@@ -8996,7 +9084,7 @@
           <a:p>
             <a:r>
               <a:rPr lang="en-US" dirty="0" smtClean="0"/>
-              <a:t>Decide of number of days to look back and training your model = 30</a:t>
+              <a:t>Train the Model </a:t>
             </a:r>
             <a:endParaRPr lang="en-US" dirty="0"/>
           </a:p>
@@ -9004,13 +9092,13 @@
       </p:sp>
       <p:sp>
         <p:nvSpPr>
-          <p:cNvPr id="11" name="TextBox 10"/>
+          <p:cNvPr id="13" name="TextBox 12"/>
           <p:cNvSpPr txBox="1"/>
           <p:nvPr/>
         </p:nvSpPr>
         <p:spPr>
           <a:xfrm>
-            <a:off x="1127495" y="2858532"/>
+            <a:off x="731378" y="4023849"/>
             <a:ext cx="6781800" cy="369332"/>
           </a:xfrm>
           <a:prstGeom prst="rect">
@@ -9026,23 +9114,7 @@
           <a:p>
             <a:r>
               <a:rPr lang="en-US" dirty="0" smtClean="0"/>
-              <a:t>Create this Matrix for </a:t>
-            </a:r>
-            <a:r>
-              <a:rPr lang="en-US" dirty="0" err="1" smtClean="0"/>
-              <a:t>x_train</a:t>
-            </a:r>
-            <a:r>
-              <a:rPr lang="en-US" dirty="0" smtClean="0"/>
-              <a:t> and </a:t>
-            </a:r>
-            <a:r>
-              <a:rPr lang="en-US" dirty="0" err="1" smtClean="0"/>
-              <a:t>y_train</a:t>
-            </a:r>
-            <a:r>
-              <a:rPr lang="en-US" dirty="0" smtClean="0"/>
-              <a:t> </a:t>
+              <a:t>Predict the future 365 days </a:t>
             </a:r>
             <a:endParaRPr lang="en-US" dirty="0"/>
           </a:p>
@@ -9050,13 +9122,13 @@
       </p:sp>
       <p:sp>
         <p:nvSpPr>
-          <p:cNvPr id="12" name="TextBox 11"/>
+          <p:cNvPr id="14" name="TextBox 13"/>
           <p:cNvSpPr txBox="1"/>
           <p:nvPr/>
         </p:nvSpPr>
         <p:spPr>
           <a:xfrm>
-            <a:off x="1184101" y="3668877"/>
+            <a:off x="741348" y="4445730"/>
             <a:ext cx="6781800" cy="369332"/>
           </a:xfrm>
           <a:prstGeom prst="rect">
@@ -9072,66 +9144,6 @@
           <a:p>
             <a:r>
               <a:rPr lang="en-US" dirty="0" smtClean="0"/>
-              <a:t>Train the Model </a:t>
-            </a:r>
-            <a:endParaRPr lang="en-US" dirty="0"/>
-          </a:p>
-        </p:txBody>
-      </p:sp>
-      <p:sp>
-        <p:nvSpPr>
-          <p:cNvPr id="13" name="TextBox 12"/>
-          <p:cNvSpPr txBox="1"/>
-          <p:nvPr/>
-        </p:nvSpPr>
-        <p:spPr>
-          <a:xfrm>
-            <a:off x="1155798" y="4050268"/>
-            <a:ext cx="6781800" cy="369332"/>
-          </a:xfrm>
-          <a:prstGeom prst="rect">
-            <a:avLst/>
-          </a:prstGeom>
-          <a:noFill/>
-        </p:spPr>
-        <p:txBody>
-          <a:bodyPr wrap="square" rtlCol="0">
-            <a:spAutoFit/>
-          </a:bodyPr>
-          <a:lstStyle/>
-          <a:p>
-            <a:r>
-              <a:rPr lang="en-US" dirty="0" smtClean="0"/>
-              <a:t>Output the data for the next 365 days</a:t>
-            </a:r>
-            <a:endParaRPr lang="en-US" dirty="0"/>
-          </a:p>
-        </p:txBody>
-      </p:sp>
-      <p:sp>
-        <p:nvSpPr>
-          <p:cNvPr id="14" name="TextBox 13"/>
-          <p:cNvSpPr txBox="1"/>
-          <p:nvPr/>
-        </p:nvSpPr>
-        <p:spPr>
-          <a:xfrm>
-            <a:off x="1131850" y="4648200"/>
-            <a:ext cx="6781800" cy="369332"/>
-          </a:xfrm>
-          <a:prstGeom prst="rect">
-            <a:avLst/>
-          </a:prstGeom>
-          <a:noFill/>
-        </p:spPr>
-        <p:txBody>
-          <a:bodyPr wrap="square" rtlCol="0">
-            <a:spAutoFit/>
-          </a:bodyPr>
-          <a:lstStyle/>
-          <a:p>
-            <a:r>
-              <a:rPr lang="en-US" dirty="0" smtClean="0"/>
               <a:t>Create data set from Jan 2020 – June 2021 and save it on file</a:t>
             </a:r>
             <a:endParaRPr lang="en-US" dirty="0"/>
@@ -9146,7 +9158,7 @@
         </p:nvSpPr>
         <p:spPr>
           <a:xfrm>
-            <a:off x="1138381" y="5181600"/>
+            <a:off x="757728" y="4837851"/>
             <a:ext cx="6781800" cy="369332"/>
           </a:xfrm>
           <a:prstGeom prst="rect">
@@ -9208,14 +9220,19 @@
             <p:ph type="title"/>
           </p:nvPr>
         </p:nvSpPr>
-        <p:spPr/>
+        <p:spPr>
+          <a:xfrm>
+            <a:off x="457200" y="228600"/>
+            <a:ext cx="7772400" cy="868362"/>
+          </a:xfrm>
+        </p:spPr>
         <p:txBody>
           <a:bodyPr/>
           <a:lstStyle/>
           <a:p>
             <a:r>
               <a:rPr lang="en-US" dirty="0" smtClean="0"/>
-              <a:t>Source Code</a:t>
+              <a:t>Model Summary</a:t>
             </a:r>
             <a:endParaRPr lang="en-US" dirty="0"/>
           </a:p>
@@ -9233,8 +9250,8 @@
         </p:nvSpPr>
         <p:spPr>
           <a:xfrm>
-            <a:off x="457200" y="1600201"/>
-            <a:ext cx="8077200" cy="4038600"/>
+            <a:off x="685800" y="1066799"/>
+            <a:ext cx="7772400" cy="2590801"/>
           </a:xfrm>
         </p:spPr>
         <p:txBody>
@@ -9245,80 +9262,8 @@
           <a:p>
             <a:r>
               <a:rPr lang="en-US" dirty="0" smtClean="0"/>
-              <a:t># Building the RNN Model </a:t>
-            </a:r>
-          </a:p>
-          <a:p>
-            <a:r>
-              <a:rPr lang="en-US" dirty="0" smtClean="0"/>
-              <a:t># Importing the </a:t>
-            </a:r>
-            <a:r>
-              <a:rPr lang="en-US" dirty="0" err="1" smtClean="0"/>
-              <a:t>Keras</a:t>
-            </a:r>
-            <a:r>
-              <a:rPr lang="en-US" dirty="0" smtClean="0"/>
-              <a:t> libraries and packages</a:t>
-            </a:r>
-          </a:p>
-          <a:p>
-            <a:r>
-              <a:rPr lang="en-US" dirty="0" smtClean="0"/>
-              <a:t>from </a:t>
-            </a:r>
-            <a:r>
-              <a:rPr lang="en-US" dirty="0" err="1" smtClean="0"/>
-              <a:t>keras.models</a:t>
-            </a:r>
-            <a:r>
-              <a:rPr lang="en-US" dirty="0" smtClean="0"/>
-              <a:t> import Sequential</a:t>
-            </a:r>
-          </a:p>
-          <a:p>
-            <a:r>
-              <a:rPr lang="en-US" dirty="0" smtClean="0"/>
-              <a:t>from </a:t>
-            </a:r>
-            <a:r>
-              <a:rPr lang="en-US" dirty="0" err="1" smtClean="0"/>
-              <a:t>keras.layers</a:t>
-            </a:r>
-            <a:r>
-              <a:rPr lang="en-US" dirty="0" smtClean="0"/>
-              <a:t> import Dense</a:t>
-            </a:r>
-          </a:p>
-          <a:p>
-            <a:r>
-              <a:rPr lang="en-US" dirty="0" smtClean="0"/>
-              <a:t>from </a:t>
-            </a:r>
-            <a:r>
-              <a:rPr lang="en-US" dirty="0" err="1" smtClean="0"/>
-              <a:t>keras.layers</a:t>
-            </a:r>
-            <a:r>
-              <a:rPr lang="en-US" dirty="0" smtClean="0"/>
-              <a:t> import LSTM</a:t>
-            </a:r>
-          </a:p>
-          <a:p>
-            <a:r>
-              <a:rPr lang="en-US" dirty="0" smtClean="0"/>
-              <a:t>from </a:t>
-            </a:r>
-            <a:r>
-              <a:rPr lang="en-US" dirty="0" err="1" smtClean="0"/>
-              <a:t>keras.layers</a:t>
-            </a:r>
-            <a:r>
-              <a:rPr lang="en-US" dirty="0" smtClean="0"/>
-              <a:t> import Dropout</a:t>
-            </a:r>
-          </a:p>
-          <a:p>
+              <a:t>## Model Consist of 3 hidden layers and one output layer</a:t>
+            </a:r>
             <a:endParaRPr lang="en-US" dirty="0" smtClean="0"/>
           </a:p>
           <a:p>
@@ -9409,36 +9354,6 @@
           </a:p>
           <a:p>
             <a:r>
-              <a:rPr lang="en-US" dirty="0" smtClean="0"/>
-              <a:t>#</a:t>
-            </a:r>
-            <a:r>
-              <a:rPr lang="en-US" dirty="0" err="1" smtClean="0"/>
-              <a:t>model.compile</a:t>
-            </a:r>
-            <a:r>
-              <a:rPr lang="en-US" dirty="0" smtClean="0"/>
-              <a:t>(loss='</a:t>
-            </a:r>
-            <a:r>
-              <a:rPr lang="en-US" dirty="0" err="1" smtClean="0"/>
-              <a:t>mean_squared_error',optimizer</a:t>
-            </a:r>
-            <a:r>
-              <a:rPr lang="en-US" dirty="0" smtClean="0"/>
-              <a:t>='</a:t>
-            </a:r>
-            <a:r>
-              <a:rPr lang="en-US" dirty="0" err="1" smtClean="0"/>
-              <a:t>rmsprop</a:t>
-            </a:r>
-            <a:r>
-              <a:rPr lang="en-US" dirty="0" smtClean="0"/>
-              <a:t>')</a:t>
-            </a:r>
-          </a:p>
-          <a:p>
-            <a:r>
               <a:rPr lang="en-US" dirty="0" err="1" smtClean="0"/>
               <a:t>model.fit</a:t>
             </a:r>
@@ -9465,6 +9380,142 @@
           </a:p>
           <a:p>
             <a:endParaRPr lang="en-US" dirty="0"/>
+          </a:p>
+        </p:txBody>
+      </p:sp>
+      <p:sp>
+        <p:nvSpPr>
+          <p:cNvPr id="4" name="TextBox 3"/>
+          <p:cNvSpPr txBox="1"/>
+          <p:nvPr/>
+        </p:nvSpPr>
+        <p:spPr>
+          <a:xfrm>
+            <a:off x="685800" y="3505200"/>
+            <a:ext cx="6705600" cy="2677656"/>
+          </a:xfrm>
+          <a:prstGeom prst="rect">
+            <a:avLst/>
+          </a:prstGeom>
+          <a:noFill/>
+        </p:spPr>
+        <p:txBody>
+          <a:bodyPr wrap="square" rtlCol="0">
+            <a:spAutoFit/>
+          </a:bodyPr>
+          <a:lstStyle/>
+          <a:p>
+            <a:endParaRPr lang="en-US" sz="1200" dirty="0"/>
+          </a:p>
+          <a:p>
+            <a:r>
+              <a:rPr lang="en-US" sz="1200" dirty="0"/>
+              <a:t>Layer (type)                 Output Shape              </a:t>
+            </a:r>
+            <a:r>
+              <a:rPr lang="en-US" sz="1200" dirty="0" err="1"/>
+              <a:t>Param</a:t>
+            </a:r>
+            <a:r>
+              <a:rPr lang="en-US" sz="1200" dirty="0"/>
+              <a:t> #   </a:t>
+            </a:r>
+          </a:p>
+          <a:p>
+            <a:r>
+              <a:rPr lang="en-US" sz="1200" dirty="0"/>
+              <a:t>=================================================================</a:t>
+            </a:r>
+          </a:p>
+          <a:p>
+            <a:r>
+              <a:rPr lang="en-US" sz="1200" dirty="0"/>
+              <a:t>lstm_37 (LSTM)               (None, 30, 50)            10400     </a:t>
+            </a:r>
+          </a:p>
+          <a:p>
+            <a:r>
+              <a:rPr lang="en-US" sz="1200" dirty="0"/>
+              <a:t>_________________________________________________________________</a:t>
+            </a:r>
+          </a:p>
+          <a:p>
+            <a:r>
+              <a:rPr lang="en-US" sz="1200" dirty="0"/>
+              <a:t>lstm_38 (LSTM)               (None, 30, 50)            20200     </a:t>
+            </a:r>
+          </a:p>
+          <a:p>
+            <a:r>
+              <a:rPr lang="en-US" sz="1200" dirty="0"/>
+              <a:t>_________________________________________________________________</a:t>
+            </a:r>
+          </a:p>
+          <a:p>
+            <a:r>
+              <a:rPr lang="en-US" sz="1200" dirty="0"/>
+              <a:t>lstm_39 (LSTM)               (None, 50)                20200     </a:t>
+            </a:r>
+          </a:p>
+          <a:p>
+            <a:r>
+              <a:rPr lang="en-US" sz="1200" dirty="0"/>
+              <a:t>_________________________________________________________________</a:t>
+            </a:r>
+          </a:p>
+          <a:p>
+            <a:r>
+              <a:rPr lang="en-US" sz="1200" dirty="0"/>
+              <a:t>dense_13 (Dense)             (None, 1)                 51        </a:t>
+            </a:r>
+          </a:p>
+          <a:p>
+            <a:r>
+              <a:rPr lang="en-US" sz="1200" dirty="0"/>
+              <a:t>=================================================================</a:t>
+            </a:r>
+          </a:p>
+          <a:p>
+            <a:r>
+              <a:rPr lang="en-US" sz="1200" dirty="0"/>
+              <a:t>Total </a:t>
+            </a:r>
+            <a:r>
+              <a:rPr lang="en-US" sz="1200" dirty="0" err="1"/>
+              <a:t>params</a:t>
+            </a:r>
+            <a:r>
+              <a:rPr lang="en-US" sz="1200" dirty="0"/>
+              <a:t>: 50,851</a:t>
+            </a:r>
+          </a:p>
+          <a:p>
+            <a:r>
+              <a:rPr lang="en-US" sz="1200" dirty="0"/>
+              <a:t>Trainable </a:t>
+            </a:r>
+            <a:r>
+              <a:rPr lang="en-US" sz="1200" dirty="0" err="1"/>
+              <a:t>params</a:t>
+            </a:r>
+            <a:r>
+              <a:rPr lang="en-US" sz="1200" dirty="0"/>
+              <a:t>: 50,851</a:t>
+            </a:r>
+          </a:p>
+          <a:p>
+            <a:r>
+              <a:rPr lang="en-US" sz="1200" dirty="0"/>
+              <a:t>Non-trainable </a:t>
+            </a:r>
+            <a:r>
+              <a:rPr lang="en-US" sz="1200" dirty="0" err="1"/>
+              <a:t>params</a:t>
+            </a:r>
+            <a:r>
+              <a:rPr lang="en-US" sz="1200" dirty="0"/>
+              <a:t>: 0</a:t>
+            </a:r>
           </a:p>
         </p:txBody>
       </p:sp>
@@ -15951,7 +16002,12 @@
             <p:ph type="title"/>
           </p:nvPr>
         </p:nvSpPr>
-        <p:spPr/>
+        <p:spPr>
+          <a:xfrm>
+            <a:off x="444737" y="152400"/>
+            <a:ext cx="8229600" cy="1143000"/>
+          </a:xfrm>
+        </p:spPr>
         <p:txBody>
           <a:bodyPr>
             <a:normAutofit fontScale="90000"/>
@@ -15968,35 +16024,6 @@
             <a:r>
               <a:rPr lang="en-US" dirty="0" smtClean="0"/>
               <a:t>Under COVID-19 restrictions</a:t>
-            </a:r>
-            <a:endParaRPr lang="en-US" dirty="0"/>
-          </a:p>
-        </p:txBody>
-      </p:sp>
-      <p:sp>
-        <p:nvSpPr>
-          <p:cNvPr id="4" name="Rectangle 3"/>
-          <p:cNvSpPr/>
-          <p:nvPr/>
-        </p:nvSpPr>
-        <p:spPr>
-          <a:xfrm>
-            <a:off x="1600200" y="1715869"/>
-            <a:ext cx="6019800" cy="369332"/>
-          </a:xfrm>
-          <a:prstGeom prst="rect">
-            <a:avLst/>
-          </a:prstGeom>
-        </p:spPr>
-        <p:txBody>
-          <a:bodyPr wrap="square">
-            <a:spAutoFit/>
-          </a:bodyPr>
-          <a:lstStyle/>
-          <a:p>
-            <a:r>
-              <a:rPr lang="en-US" dirty="0" smtClean="0"/>
-              <a:t>Best solved by RNN LSTM</a:t>
             </a:r>
             <a:endParaRPr lang="en-US" dirty="0"/>
           </a:p>
@@ -16010,7 +16037,7 @@
         </p:nvSpPr>
         <p:spPr>
           <a:xfrm>
-            <a:off x="1447800" y="2209800"/>
+            <a:off x="1476642" y="1447800"/>
             <a:ext cx="6172200" cy="1200329"/>
           </a:xfrm>
           <a:prstGeom prst="rect">
@@ -16063,8 +16090,8 @@
         </p:blipFill>
         <p:spPr bwMode="auto">
           <a:xfrm>
-            <a:off x="1295400" y="3386005"/>
-            <a:ext cx="6019800" cy="3146349"/>
+            <a:off x="1600199" y="2648129"/>
+            <a:ext cx="5410201" cy="2827732"/>
           </a:xfrm>
           <a:prstGeom prst="rect">
             <a:avLst/>
@@ -16094,6 +16121,73 @@
           </a:extLst>
         </p:spPr>
       </p:pic>
+      <p:sp>
+        <p:nvSpPr>
+          <p:cNvPr id="3" name="TextBox 2"/>
+          <p:cNvSpPr txBox="1"/>
+          <p:nvPr/>
+        </p:nvSpPr>
+        <p:spPr>
+          <a:xfrm>
+            <a:off x="762000" y="6043291"/>
+            <a:ext cx="7620000" cy="646331"/>
+          </a:xfrm>
+          <a:prstGeom prst="rect">
+            <a:avLst/>
+          </a:prstGeom>
+          <a:noFill/>
+        </p:spPr>
+        <p:txBody>
+          <a:bodyPr wrap="square" rtlCol="0">
+            <a:spAutoFit/>
+          </a:bodyPr>
+          <a:lstStyle/>
+          <a:p>
+            <a:r>
+              <a:rPr lang="en-US" dirty="0"/>
+              <a:t>https://www.superdatascience.com/blogs/the-ultimate-guide-to-artificial-neural-networks-ann</a:t>
+            </a:r>
+          </a:p>
+        </p:txBody>
+      </p:sp>
+      <p:sp>
+        <p:nvSpPr>
+          <p:cNvPr id="6" name="TextBox 5"/>
+          <p:cNvSpPr txBox="1"/>
+          <p:nvPr/>
+        </p:nvSpPr>
+        <p:spPr>
+          <a:xfrm>
+            <a:off x="828942" y="5636045"/>
+            <a:ext cx="7467600" cy="369332"/>
+          </a:xfrm>
+          <a:prstGeom prst="rect">
+            <a:avLst/>
+          </a:prstGeom>
+          <a:noFill/>
+        </p:spPr>
+        <p:txBody>
+          <a:bodyPr wrap="square" rtlCol="0">
+            <a:spAutoFit/>
+          </a:bodyPr>
+          <a:lstStyle/>
+          <a:p>
+            <a:r>
+              <a:rPr lang="en-US" dirty="0"/>
+              <a:t>If you want to add more value to </a:t>
+            </a:r>
+            <a:r>
+              <a:rPr lang="en-US" dirty="0" smtClean="0"/>
+              <a:t>RNN,  </a:t>
+            </a:r>
+            <a:r>
+              <a:rPr lang="en-US" dirty="0"/>
+              <a:t>recommend checking out:</a:t>
+            </a:r>
+            <a:endParaRPr lang="en-US" dirty="0"/>
+          </a:p>
+        </p:txBody>
+      </p:sp>
     </p:spTree>
     <p:extLst>
       <p:ext uri="{BB962C8B-B14F-4D97-AF65-F5344CB8AC3E}">

--- a/Impact of COVID-10 on NYC Taxi Industries.pptx
+++ b/Impact of COVID-10 on NYC Taxi Industries.pptx
@@ -5,7 +5,7 @@
     <p:sldMasterId id="2147483648" r:id="rId1"/>
   </p:sldMasterIdLst>
   <p:notesMasterIdLst>
-    <p:notesMasterId r:id="rId16"/>
+    <p:notesMasterId r:id="rId17"/>
   </p:notesMasterIdLst>
   <p:sldIdLst>
     <p:sldId id="256" r:id="rId2"/>
@@ -22,6 +22,7 @@
     <p:sldId id="268" r:id="rId13"/>
     <p:sldId id="270" r:id="rId14"/>
     <p:sldId id="272" r:id="rId15"/>
+    <p:sldId id="273" r:id="rId16"/>
   </p:sldIdLst>
   <p:sldSz cx="9144000" cy="6858000" type="screen4x3"/>
   <p:notesSz cx="6858000" cy="9144000"/>
@@ -4444,7 +4445,7 @@
           <c:xMode val="edge"/>
           <c:yMode val="edge"/>
           <c:x val="0.29878481442205729"/>
-          <c:y val="5.2016386465205365E-2"/>
+          <c:y val="2.949386394268284E-2"/>
         </c:manualLayout>
       </c:layout>
       <c:overlay val="0"/>
@@ -9642,13 +9643,13 @@
           <p:nvPr>
             <p:extLst>
               <p:ext uri="{D42A27DB-BD31-4B8C-83A1-F6EECF244321}">
-                <p14:modId xmlns:p14="http://schemas.microsoft.com/office/powerpoint/2010/main" val="401204400"/>
+                <p14:modId xmlns:p14="http://schemas.microsoft.com/office/powerpoint/2010/main" val="47146038"/>
               </p:ext>
             </p:extLst>
           </p:nvPr>
         </p:nvGraphicFramePr>
         <p:xfrm>
-          <a:off x="2590800" y="3429000"/>
+          <a:off x="2590800" y="3352800"/>
           <a:ext cx="5893750" cy="2819400"/>
         </p:xfrm>
         <a:graphic>
@@ -12369,6 +12370,12 @@
             <a:pPr marL="0" indent="0">
               <a:buNone/>
             </a:pPr>
+            <a:endParaRPr lang="en-US" dirty="0" smtClean="0"/>
+          </a:p>
+          <a:p>
+            <a:pPr marL="0" indent="0">
+              <a:buNone/>
+            </a:pPr>
             <a:endParaRPr lang="en-US" dirty="0"/>
           </a:p>
         </p:txBody>
@@ -12377,6 +12384,183 @@
     <p:extLst>
       <p:ext uri="{BB962C8B-B14F-4D97-AF65-F5344CB8AC3E}">
         <p14:creationId xmlns:p14="http://schemas.microsoft.com/office/powerpoint/2010/main" val="1121143777"/>
+      </p:ext>
+    </p:extLst>
+  </p:cSld>
+  <p:clrMapOvr>
+    <a:masterClrMapping/>
+  </p:clrMapOvr>
+</p:sld>
+</file>
+
+<file path=ppt/slides/slide15.xml><?xml version="1.0" encoding="utf-8"?>
+<p:sld xmlns:a="http://schemas.openxmlformats.org/drawingml/2006/main" xmlns:r="http://schemas.openxmlformats.org/officeDocument/2006/relationships" xmlns:p="http://schemas.openxmlformats.org/presentationml/2006/main">
+  <p:cSld>
+    <p:spTree>
+      <p:nvGrpSpPr>
+        <p:cNvPr id="1" name=""/>
+        <p:cNvGrpSpPr/>
+        <p:nvPr/>
+      </p:nvGrpSpPr>
+      <p:grpSpPr>
+        <a:xfrm>
+          <a:off x="0" y="0"/>
+          <a:ext cx="0" cy="0"/>
+          <a:chOff x="0" y="0"/>
+          <a:chExt cx="0" cy="0"/>
+        </a:xfrm>
+      </p:grpSpPr>
+      <p:sp>
+        <p:nvSpPr>
+          <p:cNvPr id="2" name="Title 1"/>
+          <p:cNvSpPr>
+            <a:spLocks noGrp="1"/>
+          </p:cNvSpPr>
+          <p:nvPr>
+            <p:ph type="title"/>
+          </p:nvPr>
+        </p:nvSpPr>
+        <p:spPr/>
+        <p:txBody>
+          <a:bodyPr/>
+          <a:lstStyle/>
+          <a:p>
+            <a:r>
+              <a:rPr lang="en-US" dirty="0" smtClean="0"/>
+              <a:t>Thank You</a:t>
+            </a:r>
+            <a:endParaRPr lang="en-US" dirty="0"/>
+          </a:p>
+        </p:txBody>
+      </p:sp>
+      <p:sp>
+        <p:nvSpPr>
+          <p:cNvPr id="3" name="Content Placeholder 2"/>
+          <p:cNvSpPr>
+            <a:spLocks noGrp="1"/>
+          </p:cNvSpPr>
+          <p:nvPr>
+            <p:ph idx="1"/>
+          </p:nvPr>
+        </p:nvSpPr>
+        <p:spPr>
+          <a:xfrm>
+            <a:off x="609600" y="3048000"/>
+            <a:ext cx="8229600" cy="2620963"/>
+          </a:xfrm>
+        </p:spPr>
+        <p:txBody>
+          <a:bodyPr/>
+          <a:lstStyle/>
+          <a:p>
+            <a:endParaRPr lang="en-US" dirty="0"/>
+          </a:p>
+        </p:txBody>
+      </p:sp>
+      <p:sp>
+        <p:nvSpPr>
+          <p:cNvPr id="4" name="TextBox 3"/>
+          <p:cNvSpPr txBox="1"/>
+          <p:nvPr/>
+        </p:nvSpPr>
+        <p:spPr>
+          <a:xfrm>
+            <a:off x="990600" y="2129764"/>
+            <a:ext cx="6248400" cy="369332"/>
+          </a:xfrm>
+          <a:prstGeom prst="rect">
+            <a:avLst/>
+          </a:prstGeom>
+          <a:noFill/>
+        </p:spPr>
+        <p:txBody>
+          <a:bodyPr wrap="square" rtlCol="0">
+            <a:spAutoFit/>
+          </a:bodyPr>
+          <a:lstStyle/>
+          <a:p>
+            <a:r>
+              <a:rPr lang="en-US" dirty="0"/>
+              <a:t>https://github.com/ziadmohd/NYCYellowTaxi</a:t>
+            </a:r>
+          </a:p>
+        </p:txBody>
+      </p:sp>
+      <p:sp>
+        <p:nvSpPr>
+          <p:cNvPr id="5" name="TextBox 4"/>
+          <p:cNvSpPr txBox="1"/>
+          <p:nvPr/>
+        </p:nvSpPr>
+        <p:spPr>
+          <a:xfrm>
+            <a:off x="1019086" y="1600200"/>
+            <a:ext cx="2514600" cy="369332"/>
+          </a:xfrm>
+          <a:prstGeom prst="rect">
+            <a:avLst/>
+          </a:prstGeom>
+          <a:noFill/>
+        </p:spPr>
+        <p:txBody>
+          <a:bodyPr wrap="square" rtlCol="0">
+            <a:spAutoFit/>
+          </a:bodyPr>
+          <a:lstStyle/>
+          <a:p>
+            <a:r>
+              <a:rPr lang="en-US" dirty="0" smtClean="0"/>
+              <a:t>Code / Data Repository</a:t>
+            </a:r>
+            <a:endParaRPr lang="en-US" dirty="0"/>
+          </a:p>
+        </p:txBody>
+      </p:sp>
+      <p:pic>
+        <p:nvPicPr>
+          <p:cNvPr id="1026" name="Picture 2" descr="Image result for shovel snow funny"/>
+          <p:cNvPicPr>
+            <a:picLocks noChangeAspect="1" noChangeArrowheads="1"/>
+          </p:cNvPicPr>
+          <p:nvPr/>
+        </p:nvPicPr>
+        <p:blipFill>
+          <a:blip r:embed="rId2">
+            <a:extLst>
+              <a:ext uri="{28A0092B-C50C-407E-A947-70E740481C1C}">
+                <a14:useLocalDpi xmlns:a14="http://schemas.microsoft.com/office/drawing/2010/main" val="0"/>
+              </a:ext>
+            </a:extLst>
+          </a:blip>
+          <a:srcRect/>
+          <a:stretch>
+            <a:fillRect/>
+          </a:stretch>
+        </p:blipFill>
+        <p:spPr bwMode="auto">
+          <a:xfrm>
+            <a:off x="685800" y="2705456"/>
+            <a:ext cx="4876800" cy="3652965"/>
+          </a:xfrm>
+          <a:prstGeom prst="rect">
+            <a:avLst/>
+          </a:prstGeom>
+          <a:noFill/>
+          <a:extLst>
+            <a:ext uri="{909E8E84-426E-40DD-AFC4-6F175D3DCCD1}">
+              <a14:hiddenFill xmlns:a14="http://schemas.microsoft.com/office/drawing/2010/main">
+                <a:solidFill>
+                  <a:srgbClr val="FFFFFF"/>
+                </a:solidFill>
+              </a14:hiddenFill>
+            </a:ext>
+          </a:extLst>
+        </p:spPr>
+      </p:pic>
+    </p:spTree>
+    <p:extLst>
+      <p:ext uri="{BB962C8B-B14F-4D97-AF65-F5344CB8AC3E}">
+        <p14:creationId xmlns:p14="http://schemas.microsoft.com/office/powerpoint/2010/main" val="508246640"/>
       </p:ext>
     </p:extLst>
   </p:cSld>

--- a/Impact of COVID-10 on NYC Taxi Industries.pptx
+++ b/Impact of COVID-10 on NYC Taxi Industries.pptx
@@ -2,27 +2,28 @@
 <file path=ppt/presentation.xml><?xml version="1.0" encoding="utf-8"?>
 <p:presentation xmlns:a="http://schemas.openxmlformats.org/drawingml/2006/main" xmlns:r="http://schemas.openxmlformats.org/officeDocument/2006/relationships" xmlns:p="http://schemas.openxmlformats.org/presentationml/2006/main" saveSubsetFonts="1">
   <p:sldMasterIdLst>
-    <p:sldMasterId id="2147483648" r:id="rId1"/>
+    <p:sldMasterId id="2147483660" r:id="rId1"/>
   </p:sldMasterIdLst>
   <p:notesMasterIdLst>
-    <p:notesMasterId r:id="rId17"/>
+    <p:notesMasterId r:id="rId18"/>
   </p:notesMasterIdLst>
   <p:sldIdLst>
     <p:sldId id="256" r:id="rId2"/>
     <p:sldId id="260" r:id="rId3"/>
-    <p:sldId id="257" r:id="rId4"/>
-    <p:sldId id="266" r:id="rId5"/>
-    <p:sldId id="258" r:id="rId6"/>
-    <p:sldId id="262" r:id="rId7"/>
-    <p:sldId id="263" r:id="rId8"/>
-    <p:sldId id="264" r:id="rId9"/>
-    <p:sldId id="265" r:id="rId10"/>
-    <p:sldId id="267" r:id="rId11"/>
-    <p:sldId id="271" r:id="rId12"/>
-    <p:sldId id="268" r:id="rId13"/>
-    <p:sldId id="270" r:id="rId14"/>
-    <p:sldId id="272" r:id="rId15"/>
-    <p:sldId id="273" r:id="rId16"/>
+    <p:sldId id="274" r:id="rId4"/>
+    <p:sldId id="257" r:id="rId5"/>
+    <p:sldId id="266" r:id="rId6"/>
+    <p:sldId id="258" r:id="rId7"/>
+    <p:sldId id="262" r:id="rId8"/>
+    <p:sldId id="263" r:id="rId9"/>
+    <p:sldId id="264" r:id="rId10"/>
+    <p:sldId id="265" r:id="rId11"/>
+    <p:sldId id="267" r:id="rId12"/>
+    <p:sldId id="271" r:id="rId13"/>
+    <p:sldId id="268" r:id="rId14"/>
+    <p:sldId id="270" r:id="rId15"/>
+    <p:sldId id="272" r:id="rId16"/>
+    <p:sldId id="273" r:id="rId17"/>
   </p:sldIdLst>
   <p:sldSz cx="9144000" cy="6858000" type="screen4x3"/>
   <p:notesSz cx="6858000" cy="9144000"/>
@@ -2277,11 +2278,11 @@
         </c:dLbls>
         <c:marker val="1"/>
         <c:smooth val="0"/>
-        <c:axId val="113776512"/>
-        <c:axId val="113778048"/>
+        <c:axId val="102889344"/>
+        <c:axId val="102890880"/>
       </c:lineChart>
       <c:catAx>
-        <c:axId val="113776512"/>
+        <c:axId val="102889344"/>
         <c:scaling>
           <c:orientation val="minMax"/>
         </c:scaling>
@@ -2301,7 +2302,7 @@
             <a:endParaRPr lang="en-US"/>
           </a:p>
         </c:txPr>
-        <c:crossAx val="113778048"/>
+        <c:crossAx val="102890880"/>
         <c:crosses val="autoZero"/>
         <c:auto val="1"/>
         <c:lblAlgn val="ctr"/>
@@ -2309,7 +2310,7 @@
         <c:noMultiLvlLbl val="1"/>
       </c:catAx>
       <c:valAx>
-        <c:axId val="113778048"/>
+        <c:axId val="102890880"/>
         <c:scaling>
           <c:orientation val="minMax"/>
         </c:scaling>
@@ -2320,7 +2321,7 @@
         <c:majorTickMark val="out"/>
         <c:minorTickMark val="none"/>
         <c:tickLblPos val="nextTo"/>
-        <c:crossAx val="113776512"/>
+        <c:crossAx val="102889344"/>
         <c:crosses val="autoZero"/>
         <c:crossBetween val="midCat"/>
         <c:dispUnits>
@@ -2553,11 +2554,11 @@
           <c:showBubbleSize val="0"/>
         </c:dLbls>
         <c:gapWidth val="150"/>
-        <c:axId val="102110336"/>
-        <c:axId val="102111872"/>
+        <c:axId val="101770368"/>
+        <c:axId val="101771904"/>
       </c:barChart>
       <c:catAx>
-        <c:axId val="102110336"/>
+        <c:axId val="101770368"/>
         <c:scaling>
           <c:orientation val="minMax"/>
         </c:scaling>
@@ -2566,7 +2567,7 @@
         <c:majorTickMark val="out"/>
         <c:minorTickMark val="none"/>
         <c:tickLblPos val="nextTo"/>
-        <c:crossAx val="102111872"/>
+        <c:crossAx val="101771904"/>
         <c:crosses val="autoZero"/>
         <c:auto val="1"/>
         <c:lblAlgn val="ctr"/>
@@ -2574,7 +2575,7 @@
         <c:noMultiLvlLbl val="0"/>
       </c:catAx>
       <c:valAx>
-        <c:axId val="102111872"/>
+        <c:axId val="101771904"/>
         <c:scaling>
           <c:orientation val="minMax"/>
         </c:scaling>
@@ -2585,7 +2586,7 @@
         <c:majorTickMark val="out"/>
         <c:minorTickMark val="none"/>
         <c:tickLblPos val="nextTo"/>
-        <c:crossAx val="102110336"/>
+        <c:crossAx val="101770368"/>
         <c:crosses val="autoZero"/>
         <c:crossBetween val="between"/>
       </c:valAx>
@@ -3443,11 +3444,11 @@
           <c:showPercent val="0"/>
           <c:showBubbleSize val="0"/>
         </c:dLbls>
-        <c:axId val="102138240"/>
-        <c:axId val="102140160"/>
+        <c:axId val="105279872"/>
+        <c:axId val="105281792"/>
       </c:scatterChart>
       <c:valAx>
-        <c:axId val="102138240"/>
+        <c:axId val="105279872"/>
         <c:scaling>
           <c:orientation val="minMax"/>
         </c:scaling>
@@ -3476,12 +3477,12 @@
         <c:majorTickMark val="out"/>
         <c:minorTickMark val="none"/>
         <c:tickLblPos val="nextTo"/>
-        <c:crossAx val="102140160"/>
+        <c:crossAx val="105281792"/>
         <c:crosses val="autoZero"/>
         <c:crossBetween val="midCat"/>
       </c:valAx>
       <c:valAx>
-        <c:axId val="102140160"/>
+        <c:axId val="105281792"/>
         <c:scaling>
           <c:orientation val="minMax"/>
         </c:scaling>
@@ -3492,7 +3493,7 @@
         <c:majorTickMark val="out"/>
         <c:minorTickMark val="none"/>
         <c:tickLblPos val="nextTo"/>
-        <c:crossAx val="102138240"/>
+        <c:crossAx val="105279872"/>
         <c:crosses val="autoZero"/>
         <c:crossBetween val="midCat"/>
       </c:valAx>
@@ -4355,11 +4356,11 @@
           <c:showPercent val="0"/>
           <c:showBubbleSize val="0"/>
         </c:dLbls>
-        <c:axId val="113840896"/>
-        <c:axId val="113842432"/>
+        <c:axId val="124723968"/>
+        <c:axId val="124725504"/>
       </c:scatterChart>
       <c:valAx>
-        <c:axId val="113840896"/>
+        <c:axId val="124723968"/>
         <c:scaling>
           <c:orientation val="minMax"/>
         </c:scaling>
@@ -4370,12 +4371,12 @@
         <c:majorTickMark val="out"/>
         <c:minorTickMark val="none"/>
         <c:tickLblPos val="nextTo"/>
-        <c:crossAx val="113842432"/>
+        <c:crossAx val="124725504"/>
         <c:crosses val="autoZero"/>
         <c:crossBetween val="midCat"/>
       </c:valAx>
       <c:valAx>
-        <c:axId val="113842432"/>
+        <c:axId val="124725504"/>
         <c:scaling>
           <c:orientation val="minMax"/>
         </c:scaling>
@@ -4386,7 +4387,7 @@
         <c:majorTickMark val="out"/>
         <c:minorTickMark val="none"/>
         <c:tickLblPos val="nextTo"/>
-        <c:crossAx val="113840896"/>
+        <c:crossAx val="124723968"/>
         <c:crosses val="autoZero"/>
         <c:crossBetween val="midCat"/>
       </c:valAx>
@@ -4444,8 +4445,8 @@
         <c:manualLayout>
           <c:xMode val="edge"/>
           <c:yMode val="edge"/>
-          <c:x val="0.29878481442205729"/>
-          <c:y val="2.949386394268284E-2"/>
+          <c:x val="0.29447516436903498"/>
+          <c:y val="5.2016386465205365E-2"/>
         </c:manualLayout>
       </c:layout>
       <c:overlay val="0"/>
@@ -4477,8 +4478,8 @@
           <c:layoutTarget val="inner"/>
           <c:xMode val="edge"/>
           <c:yMode val="edge"/>
-          <c:x val="0.10019354615101207"/>
-          <c:y val="1.7599193894877324E-2"/>
+          <c:x val="0.18190591728525982"/>
+          <c:y val="5.1239121425611274E-2"/>
           <c:w val="0.80774751972257353"/>
           <c:h val="0.67856295513675779"/>
         </c:manualLayout>
@@ -4648,11 +4649,11 @@
         </c:dLbls>
         <c:gapWidth val="150"/>
         <c:overlap val="19"/>
-        <c:axId val="113880448"/>
-        <c:axId val="113886336"/>
+        <c:axId val="124766848"/>
+        <c:axId val="124772736"/>
       </c:barChart>
       <c:catAx>
-        <c:axId val="113880448"/>
+        <c:axId val="124766848"/>
         <c:scaling>
           <c:orientation val="minMax"/>
         </c:scaling>
@@ -4661,7 +4662,7 @@
         <c:majorTickMark val="out"/>
         <c:minorTickMark val="none"/>
         <c:tickLblPos val="nextTo"/>
-        <c:crossAx val="113886336"/>
+        <c:crossAx val="124772736"/>
         <c:crosses val="autoZero"/>
         <c:auto val="1"/>
         <c:lblAlgn val="ctr"/>
@@ -4669,7 +4670,7 @@
         <c:noMultiLvlLbl val="0"/>
       </c:catAx>
       <c:valAx>
-        <c:axId val="113886336"/>
+        <c:axId val="124772736"/>
         <c:scaling>
           <c:orientation val="minMax"/>
         </c:scaling>
@@ -4680,7 +4681,7 @@
         <c:majorTickMark val="out"/>
         <c:minorTickMark val="none"/>
         <c:tickLblPos val="nextTo"/>
-        <c:crossAx val="113880448"/>
+        <c:crossAx val="124766848"/>
         <c:crosses val="autoZero"/>
         <c:crossBetween val="between"/>
       </c:valAx>
@@ -4950,11 +4951,11 @@
           <c:showBubbleSize val="0"/>
         </c:dLbls>
         <c:gapWidth val="150"/>
-        <c:axId val="113996544"/>
-        <c:axId val="113998080"/>
+        <c:axId val="125191680"/>
+        <c:axId val="125193216"/>
       </c:barChart>
       <c:catAx>
-        <c:axId val="113996544"/>
+        <c:axId val="125191680"/>
         <c:scaling>
           <c:orientation val="minMax"/>
         </c:scaling>
@@ -4963,7 +4964,7 @@
         <c:majorTickMark val="out"/>
         <c:minorTickMark val="none"/>
         <c:tickLblPos val="nextTo"/>
-        <c:crossAx val="113998080"/>
+        <c:crossAx val="125193216"/>
         <c:crosses val="autoZero"/>
         <c:auto val="1"/>
         <c:lblAlgn val="ctr"/>
@@ -4971,7 +4972,7 @@
         <c:noMultiLvlLbl val="0"/>
       </c:catAx>
       <c:valAx>
-        <c:axId val="113998080"/>
+        <c:axId val="125193216"/>
         <c:scaling>
           <c:orientation val="minMax"/>
         </c:scaling>
@@ -4982,7 +4983,7 @@
         <c:majorTickMark val="out"/>
         <c:minorTickMark val="none"/>
         <c:tickLblPos val="nextTo"/>
-        <c:crossAx val="113996544"/>
+        <c:crossAx val="125191680"/>
         <c:crosses val="autoZero"/>
         <c:crossBetween val="between"/>
       </c:valAx>
@@ -5448,7 +5449,7 @@
 </file>
 
 <file path=ppt/slideLayouts/slideLayout1.xml><?xml version="1.0" encoding="utf-8"?>
-<p:sldLayout xmlns:a="http://schemas.openxmlformats.org/drawingml/2006/main" xmlns:r="http://schemas.openxmlformats.org/officeDocument/2006/relationships" xmlns:p="http://schemas.openxmlformats.org/presentationml/2006/main" type="title" preserve="1">
+<p:sldLayout xmlns:a="http://schemas.openxmlformats.org/drawingml/2006/main" xmlns:r="http://schemas.openxmlformats.org/officeDocument/2006/relationships" xmlns:p="http://schemas.openxmlformats.org/presentationml/2006/main" showMasterSp="0" type="title" preserve="1">
   <p:cSld name="Title Slide">
     <p:spTree>
       <p:nvGrpSpPr>
@@ -5466,7 +5467,79 @@
       </p:grpSpPr>
       <p:sp>
         <p:nvSpPr>
-          <p:cNvPr id="2" name="Title 1"/>
+          <p:cNvPr id="10" name="Right Triangle 9"/>
+          <p:cNvSpPr/>
+          <p:nvPr/>
+        </p:nvSpPr>
+        <p:spPr>
+          <a:xfrm>
+            <a:off x="-2" y="4664147"/>
+            <a:ext cx="9151089" cy="0"/>
+          </a:xfrm>
+          <a:prstGeom prst="rtTriangle">
+            <a:avLst/>
+          </a:prstGeom>
+          <a:gradFill flip="none" rotWithShape="1">
+            <a:gsLst>
+              <a:gs pos="0">
+                <a:schemeClr val="accent1">
+                  <a:shade val="35000"/>
+                  <a:satMod val="170000"/>
+                  <a:alpha val="100000"/>
+                </a:schemeClr>
+              </a:gs>
+              <a:gs pos="55000">
+                <a:schemeClr val="accent1">
+                  <a:tint val="90000"/>
+                  <a:satMod val="150000"/>
+                  <a:alpha val="100000"/>
+                </a:schemeClr>
+              </a:gs>
+              <a:gs pos="100000">
+                <a:schemeClr val="accent1">
+                  <a:shade val="35000"/>
+                  <a:satMod val="170000"/>
+                  <a:alpha val="100000"/>
+                </a:schemeClr>
+              </a:gs>
+            </a:gsLst>
+            <a:lin ang="3000000" scaled="1"/>
+            <a:tileRect/>
+          </a:gradFill>
+          <a:ln w="12700" cap="rnd" cmpd="thickThin" algn="ctr">
+            <a:noFill/>
+            <a:prstDash val="solid"/>
+          </a:ln>
+          <a:effectLst/>
+        </p:spPr>
+        <p:style>
+          <a:lnRef idx="3">
+            <a:schemeClr val="lt1"/>
+          </a:lnRef>
+          <a:fillRef idx="1">
+            <a:schemeClr val="accent1"/>
+          </a:fillRef>
+          <a:effectRef idx="1">
+            <a:schemeClr val="accent1"/>
+          </a:effectRef>
+          <a:fontRef idx="minor">
+            <a:schemeClr val="lt1"/>
+          </a:fontRef>
+        </p:style>
+        <p:txBody>
+          <a:bodyPr anchor="ctr"/>
+          <a:lstStyle>
+            <a:extLst/>
+          </a:lstStyle>
+          <a:p>
+            <a:pPr algn="ctr" eaLnBrk="1" latinLnBrk="0" hangingPunct="1"/>
+            <a:endParaRPr kumimoji="0" lang="en-US"/>
+          </a:p>
+        </p:txBody>
+      </p:sp>
+      <p:sp>
+        <p:nvSpPr>
+          <p:cNvPr id="9" name="Title 8"/>
           <p:cNvSpPr>
             <a:spLocks noGrp="1"/>
           </p:cNvSpPr>
@@ -5476,25 +5549,50 @@
         </p:nvSpPr>
         <p:spPr>
           <a:xfrm>
-            <a:off x="685800" y="2130425"/>
-            <a:ext cx="7772400" cy="1470025"/>
+            <a:off x="685800" y="1752601"/>
+            <a:ext cx="7772400" cy="1829761"/>
           </a:xfrm>
         </p:spPr>
         <p:txBody>
-          <a:bodyPr/>
-          <a:lstStyle/>
-          <a:p>
-            <a:r>
-              <a:rPr lang="en-US" smtClean="0"/>
+          <a:bodyPr vert="horz" anchor="b">
+            <a:normAutofit/>
+            <a:scene3d>
+              <a:camera prst="orthographicFront"/>
+              <a:lightRig rig="soft" dir="t"/>
+            </a:scene3d>
+            <a:sp3d prstMaterial="softEdge">
+              <a:bevelT w="25400" h="25400"/>
+            </a:sp3d>
+          </a:bodyPr>
+          <a:lstStyle>
+            <a:lvl1pPr algn="r">
+              <a:defRPr sz="4800" b="1">
+                <a:solidFill>
+                  <a:schemeClr val="tx2"/>
+                </a:solidFill>
+                <a:effectLst>
+                  <a:outerShdw blurRad="31750" dist="25400" dir="5400000" algn="tl" rotWithShape="0">
+                    <a:srgbClr val="000000">
+                      <a:alpha val="25000"/>
+                    </a:srgbClr>
+                  </a:outerShdw>
+                </a:effectLst>
+              </a:defRPr>
+            </a:lvl1pPr>
+            <a:extLst/>
+          </a:lstStyle>
+          <a:p>
+            <a:r>
+              <a:rPr kumimoji="0" lang="en-US" smtClean="0"/>
               <a:t>Click to edit Master title style</a:t>
             </a:r>
-            <a:endParaRPr lang="en-US"/>
+            <a:endParaRPr kumimoji="0" lang="en-US"/>
           </a:p>
         </p:txBody>
       </p:sp>
       <p:sp>
         <p:nvSpPr>
-          <p:cNvPr id="3" name="Subtitle 2"/>
+          <p:cNvPr id="17" name="Subtitle 16"/>
           <p:cNvSpPr>
             <a:spLocks noGrp="1"/>
           </p:cNvSpPr>
@@ -5504,116 +5602,454 @@
         </p:nvSpPr>
         <p:spPr>
           <a:xfrm>
-            <a:off x="1371600" y="3886200"/>
-            <a:ext cx="6400800" cy="1752600"/>
+            <a:off x="685800" y="3611607"/>
+            <a:ext cx="7772400" cy="1199704"/>
           </a:xfrm>
         </p:spPr>
         <p:txBody>
-          <a:bodyPr/>
+          <a:bodyPr lIns="45720" rIns="45720"/>
           <a:lstStyle>
-            <a:lvl1pPr marL="0" indent="0" algn="ctr">
+            <a:lvl1pPr marL="0" marR="64008" indent="0" algn="r">
               <a:buNone/>
               <a:defRPr>
                 <a:solidFill>
-                  <a:schemeClr val="tx1">
-                    <a:tint val="75000"/>
-                  </a:schemeClr>
+                  <a:schemeClr val="tx2"/>
                 </a:solidFill>
               </a:defRPr>
             </a:lvl1pPr>
             <a:lvl2pPr marL="457200" indent="0" algn="ctr">
               <a:buNone/>
-              <a:defRPr>
-                <a:solidFill>
-                  <a:schemeClr val="tx1">
-                    <a:tint val="75000"/>
-                  </a:schemeClr>
-                </a:solidFill>
-              </a:defRPr>
             </a:lvl2pPr>
             <a:lvl3pPr marL="914400" indent="0" algn="ctr">
               <a:buNone/>
-              <a:defRPr>
-                <a:solidFill>
-                  <a:schemeClr val="tx1">
-                    <a:tint val="75000"/>
-                  </a:schemeClr>
-                </a:solidFill>
-              </a:defRPr>
             </a:lvl3pPr>
             <a:lvl4pPr marL="1371600" indent="0" algn="ctr">
               <a:buNone/>
-              <a:defRPr>
-                <a:solidFill>
-                  <a:schemeClr val="tx1">
-                    <a:tint val="75000"/>
-                  </a:schemeClr>
-                </a:solidFill>
-              </a:defRPr>
             </a:lvl4pPr>
             <a:lvl5pPr marL="1828800" indent="0" algn="ctr">
               <a:buNone/>
-              <a:defRPr>
-                <a:solidFill>
-                  <a:schemeClr val="tx1">
-                    <a:tint val="75000"/>
-                  </a:schemeClr>
-                </a:solidFill>
-              </a:defRPr>
             </a:lvl5pPr>
             <a:lvl6pPr marL="2286000" indent="0" algn="ctr">
               <a:buNone/>
-              <a:defRPr>
-                <a:solidFill>
-                  <a:schemeClr val="tx1">
-                    <a:tint val="75000"/>
-                  </a:schemeClr>
-                </a:solidFill>
-              </a:defRPr>
             </a:lvl6pPr>
             <a:lvl7pPr marL="2743200" indent="0" algn="ctr">
               <a:buNone/>
-              <a:defRPr>
-                <a:solidFill>
-                  <a:schemeClr val="tx1">
-                    <a:tint val="75000"/>
-                  </a:schemeClr>
-                </a:solidFill>
-              </a:defRPr>
             </a:lvl7pPr>
             <a:lvl8pPr marL="3200400" indent="0" algn="ctr">
               <a:buNone/>
-              <a:defRPr>
-                <a:solidFill>
-                  <a:schemeClr val="tx1">
-                    <a:tint val="75000"/>
-                  </a:schemeClr>
-                </a:solidFill>
-              </a:defRPr>
             </a:lvl8pPr>
             <a:lvl9pPr marL="3657600" indent="0" algn="ctr">
               <a:buNone/>
-              <a:defRPr>
-                <a:solidFill>
-                  <a:schemeClr val="tx1">
-                    <a:tint val="75000"/>
-                  </a:schemeClr>
-                </a:solidFill>
-              </a:defRPr>
             </a:lvl9pPr>
+            <a:extLst/>
           </a:lstStyle>
           <a:p>
             <a:r>
-              <a:rPr lang="en-US" smtClean="0"/>
+              <a:rPr kumimoji="0" lang="en-US" smtClean="0"/>
               <a:t>Click to edit Master subtitle style</a:t>
             </a:r>
-            <a:endParaRPr lang="en-US"/>
+            <a:endParaRPr kumimoji="0" lang="en-US"/>
           </a:p>
         </p:txBody>
       </p:sp>
+      <p:grpSp>
+        <p:nvGrpSpPr>
+          <p:cNvPr id="2" name="Group 1"/>
+          <p:cNvGrpSpPr/>
+          <p:nvPr/>
+        </p:nvGrpSpPr>
+        <p:grpSpPr>
+          <a:xfrm>
+            <a:off x="-3765" y="4953000"/>
+            <a:ext cx="9147765" cy="1912088"/>
+            <a:chOff x="-3765" y="4832896"/>
+            <a:chExt cx="9147765" cy="2032192"/>
+          </a:xfrm>
+        </p:grpSpPr>
+        <p:sp>
+          <p:nvSpPr>
+            <p:cNvPr id="7" name="Freeform 6"/>
+            <p:cNvSpPr>
+              <a:spLocks/>
+            </p:cNvSpPr>
+            <p:nvPr/>
+          </p:nvSpPr>
+          <p:spPr bwMode="auto">
+            <a:xfrm>
+              <a:off x="1687513" y="4832896"/>
+              <a:ext cx="7456487" cy="518816"/>
+            </a:xfrm>
+            <a:custGeom>
+              <a:avLst>
+                <a:gd name="A1" fmla="val 0"/>
+                <a:gd name="A2" fmla="val 0"/>
+                <a:gd name="A3" fmla="val 0"/>
+                <a:gd name="A4" fmla="val 0"/>
+                <a:gd name="A5" fmla="val 0"/>
+                <a:gd name="A6" fmla="val 0"/>
+                <a:gd name="A7" fmla="val 0"/>
+                <a:gd name="A8" fmla="val 0"/>
+              </a:avLst>
+              <a:gdLst/>
+              <a:ahLst/>
+              <a:cxnLst>
+                <a:cxn ang="0">
+                  <a:pos x="4697" y="0"/>
+                </a:cxn>
+                <a:cxn ang="0">
+                  <a:pos x="4697" y="367"/>
+                </a:cxn>
+                <a:cxn ang="0">
+                  <a:pos x="0" y="218"/>
+                </a:cxn>
+                <a:cxn ang="0">
+                  <a:pos x="4697" y="0"/>
+                </a:cxn>
+              </a:cxnLst>
+              <a:rect l="0" t="0" r="0" b="0"/>
+              <a:pathLst>
+                <a:path w="4697" h="367">
+                  <a:moveTo>
+                    <a:pt x="4697" y="0"/>
+                  </a:moveTo>
+                  <a:lnTo>
+                    <a:pt x="4697" y="367"/>
+                  </a:lnTo>
+                  <a:lnTo>
+                    <a:pt x="0" y="218"/>
+                  </a:lnTo>
+                  <a:lnTo>
+                    <a:pt x="4697" y="0"/>
+                  </a:lnTo>
+                  <a:close/>
+                </a:path>
+              </a:pathLst>
+            </a:custGeom>
+            <a:solidFill>
+              <a:schemeClr val="accent1">
+                <a:tint val="65000"/>
+                <a:satMod val="115000"/>
+                <a:alpha val="40000"/>
+              </a:schemeClr>
+            </a:solidFill>
+            <a:ln w="9525" cap="flat" cmpd="sng" algn="ctr">
+              <a:noFill/>
+              <a:prstDash val="solid"/>
+              <a:round/>
+              <a:headEnd type="none" w="med" len="med"/>
+              <a:tailEnd type="none" w="med" len="med"/>
+            </a:ln>
+            <a:effectLst/>
+          </p:spPr>
+          <p:txBody>
+            <a:bodyPr vert="horz" wrap="square" lIns="91440" tIns="45720" rIns="91440" bIns="45720" anchor="t" compatLnSpc="1"/>
+            <a:lstStyle>
+              <a:extLst/>
+            </a:lstStyle>
+            <a:p>
+              <a:endParaRPr kumimoji="0" lang="en-US"/>
+            </a:p>
+          </p:txBody>
+        </p:sp>
+        <p:sp>
+          <p:nvSpPr>
+            <p:cNvPr id="8" name="Freeform 7"/>
+            <p:cNvSpPr>
+              <a:spLocks/>
+            </p:cNvSpPr>
+            <p:nvPr/>
+          </p:nvSpPr>
+          <p:spPr bwMode="auto">
+            <a:xfrm>
+              <a:off x="35443" y="5135526"/>
+              <a:ext cx="9108557" cy="838200"/>
+            </a:xfrm>
+            <a:custGeom>
+              <a:avLst>
+                <a:gd name="A1" fmla="val 0"/>
+                <a:gd name="A2" fmla="val 0"/>
+                <a:gd name="A3" fmla="val 0"/>
+                <a:gd name="A4" fmla="val 0"/>
+                <a:gd name="A5" fmla="val 0"/>
+                <a:gd name="A6" fmla="val 0"/>
+                <a:gd name="A7" fmla="val 0"/>
+                <a:gd name="A8" fmla="val 0"/>
+              </a:avLst>
+              <a:gdLst/>
+              <a:ahLst/>
+              <a:cxnLst>
+                <a:cxn ang="0">
+                  <a:pos x="0" y="0"/>
+                </a:cxn>
+                <a:cxn ang="0">
+                  <a:pos x="5760" y="0"/>
+                </a:cxn>
+                <a:cxn ang="0">
+                  <a:pos x="5760" y="528"/>
+                </a:cxn>
+                <a:cxn ang="0">
+                  <a:pos x="48" y="0"/>
+                </a:cxn>
+              </a:cxnLst>
+              <a:rect l="0" t="0" r="0" b="0"/>
+              <a:pathLst>
+                <a:path w="5760" h="528">
+                  <a:moveTo>
+                    <a:pt x="0" y="0"/>
+                  </a:moveTo>
+                  <a:lnTo>
+                    <a:pt x="5760" y="0"/>
+                  </a:lnTo>
+                  <a:lnTo>
+                    <a:pt x="5760" y="528"/>
+                  </a:lnTo>
+                  <a:lnTo>
+                    <a:pt x="48" y="0"/>
+                  </a:lnTo>
+                </a:path>
+              </a:pathLst>
+            </a:custGeom>
+            <a:solidFill>
+              <a:srgbClr val="000000">
+                <a:alpha val="100000"/>
+              </a:srgbClr>
+            </a:solidFill>
+            <a:ln w="9525" cap="flat" cmpd="sng" algn="ctr">
+              <a:noFill/>
+              <a:prstDash val="solid"/>
+              <a:round/>
+              <a:headEnd type="none" w="med" len="med"/>
+              <a:tailEnd type="none" w="med" len="med"/>
+            </a:ln>
+            <a:effectLst/>
+          </p:spPr>
+          <p:txBody>
+            <a:bodyPr vert="horz" wrap="square" lIns="91440" tIns="45720" rIns="91440" bIns="45720" anchor="t" compatLnSpc="1"/>
+            <a:lstStyle>
+              <a:extLst/>
+            </a:lstStyle>
+            <a:p>
+              <a:endParaRPr kumimoji="0" lang="en-US"/>
+            </a:p>
+          </p:txBody>
+        </p:sp>
+        <p:sp>
+          <p:nvSpPr>
+            <p:cNvPr id="11" name="Freeform 10"/>
+            <p:cNvSpPr>
+              <a:spLocks/>
+            </p:cNvSpPr>
+            <p:nvPr/>
+          </p:nvSpPr>
+          <p:spPr bwMode="auto">
+            <a:xfrm>
+              <a:off x="0" y="4883888"/>
+              <a:ext cx="9144000" cy="1981200"/>
+            </a:xfrm>
+            <a:custGeom>
+              <a:avLst>
+                <a:gd name="A1" fmla="val 0"/>
+                <a:gd name="A2" fmla="val 0"/>
+                <a:gd name="A3" fmla="val 0"/>
+                <a:gd name="A4" fmla="val 0"/>
+                <a:gd name="A5" fmla="val 0"/>
+                <a:gd name="A6" fmla="val 0"/>
+                <a:gd name="A7" fmla="val 0"/>
+                <a:gd name="A8" fmla="val 0"/>
+              </a:avLst>
+              <a:gdLst/>
+              <a:ahLst/>
+              <a:cxnLst>
+                <a:cxn ang="0">
+                  <a:pos x="0" y="0"/>
+                </a:cxn>
+                <a:cxn ang="0">
+                  <a:pos x="0" y="1248"/>
+                </a:cxn>
+                <a:cxn ang="0">
+                  <a:pos x="5760" y="1248"/>
+                </a:cxn>
+                <a:cxn ang="0">
+                  <a:pos x="5760" y="528"/>
+                </a:cxn>
+                <a:cxn ang="0">
+                  <a:pos x="0" y="0"/>
+                </a:cxn>
+              </a:cxnLst>
+              <a:rect l="0" t="0" r="0" b="0"/>
+              <a:pathLst>
+                <a:path w="5760" h="1248">
+                  <a:moveTo>
+                    <a:pt x="0" y="0"/>
+                  </a:moveTo>
+                  <a:lnTo>
+                    <a:pt x="0" y="1248"/>
+                  </a:lnTo>
+                  <a:lnTo>
+                    <a:pt x="5760" y="1248"/>
+                  </a:lnTo>
+                  <a:lnTo>
+                    <a:pt x="5760" y="528"/>
+                  </a:lnTo>
+                  <a:lnTo>
+                    <a:pt x="0" y="0"/>
+                  </a:lnTo>
+                  <a:close/>
+                </a:path>
+              </a:pathLst>
+            </a:custGeom>
+            <a:blipFill>
+              <a:blip r:embed="rId2">
+                <a:alphaModFix amt="50000"/>
+              </a:blip>
+              <a:tile tx="0" ty="0" sx="50000" sy="50000" flip="none" algn="t"/>
+            </a:blipFill>
+            <a:ln w="12700" cap="rnd" cmpd="thickThin" algn="ctr">
+              <a:noFill/>
+              <a:prstDash val="solid"/>
+            </a:ln>
+            <a:effectLst>
+              <a:fillOverlay blend="mult">
+                <a:gradFill flip="none" rotWithShape="1">
+                  <a:gsLst>
+                    <a:gs pos="0">
+                      <a:schemeClr val="accent1">
+                        <a:shade val="20000"/>
+                        <a:satMod val="176000"/>
+                        <a:alpha val="100000"/>
+                      </a:schemeClr>
+                    </a:gs>
+                    <a:gs pos="18000">
+                      <a:schemeClr val="accent1">
+                        <a:shade val="48000"/>
+                        <a:satMod val="153000"/>
+                        <a:alpha val="100000"/>
+                      </a:schemeClr>
+                    </a:gs>
+                    <a:gs pos="43000">
+                      <a:schemeClr val="accent1">
+                        <a:tint val="86000"/>
+                        <a:satMod val="149000"/>
+                        <a:alpha val="100000"/>
+                      </a:schemeClr>
+                    </a:gs>
+                    <a:gs pos="45000">
+                      <a:schemeClr val="accent1">
+                        <a:tint val="85000"/>
+                        <a:satMod val="150000"/>
+                        <a:alpha val="100000"/>
+                      </a:schemeClr>
+                    </a:gs>
+                    <a:gs pos="50000">
+                      <a:schemeClr val="accent1">
+                        <a:tint val="86000"/>
+                        <a:satMod val="149000"/>
+                        <a:alpha val="100000"/>
+                      </a:schemeClr>
+                    </a:gs>
+                    <a:gs pos="79000">
+                      <a:schemeClr val="accent1">
+                        <a:shade val="53000"/>
+                        <a:satMod val="150000"/>
+                        <a:alpha val="100000"/>
+                      </a:schemeClr>
+                    </a:gs>
+                    <a:gs pos="100000">
+                      <a:schemeClr val="accent1">
+                        <a:shade val="25000"/>
+                        <a:satMod val="170000"/>
+                        <a:alpha val="100000"/>
+                      </a:schemeClr>
+                    </a:gs>
+                  </a:gsLst>
+                  <a:lin ang="450000" scaled="1"/>
+                  <a:tileRect/>
+                </a:gradFill>
+              </a:fillOverlay>
+            </a:effectLst>
+          </p:spPr>
+          <p:style>
+            <a:lnRef idx="3">
+              <a:schemeClr val="lt1"/>
+            </a:lnRef>
+            <a:fillRef idx="1">
+              <a:schemeClr val="accent1"/>
+            </a:fillRef>
+            <a:effectRef idx="1">
+              <a:schemeClr val="accent1"/>
+            </a:effectRef>
+            <a:fontRef idx="minor">
+              <a:schemeClr val="lt1"/>
+            </a:fontRef>
+          </p:style>
+          <p:txBody>
+            <a:bodyPr vert="horz" wrap="square" lIns="91440" tIns="45720" rIns="91440" bIns="45720" anchor="ctr" compatLnSpc="1"/>
+            <a:lstStyle>
+              <a:extLst/>
+            </a:lstStyle>
+            <a:p>
+              <a:pPr algn="ctr" eaLnBrk="1" latinLnBrk="0" hangingPunct="1"/>
+              <a:endParaRPr kumimoji="0" lang="en-US"/>
+            </a:p>
+          </p:txBody>
+        </p:sp>
+        <p:cxnSp>
+          <p:nvCxnSpPr>
+            <p:cNvPr id="12" name="Straight Connector 11"/>
+            <p:cNvCxnSpPr/>
+            <p:nvPr/>
+          </p:nvCxnSpPr>
+          <p:spPr>
+            <a:xfrm>
+              <a:off x="-3765" y="4880373"/>
+              <a:ext cx="9147765" cy="839943"/>
+            </a:xfrm>
+            <a:prstGeom prst="line">
+              <a:avLst/>
+            </a:prstGeom>
+            <a:noFill/>
+            <a:ln w="12065" cap="flat" cmpd="sng" algn="ctr">
+              <a:gradFill>
+                <a:gsLst>
+                  <a:gs pos="45000">
+                    <a:schemeClr val="accent1">
+                      <a:tint val="70000"/>
+                      <a:satMod val="110000"/>
+                    </a:schemeClr>
+                  </a:gs>
+                  <a:gs pos="15000">
+                    <a:schemeClr val="accent1">
+                      <a:shade val="40000"/>
+                      <a:satMod val="110000"/>
+                    </a:schemeClr>
+                  </a:gs>
+                </a:gsLst>
+                <a:lin ang="5400000" scaled="1"/>
+              </a:gradFill>
+              <a:prstDash val="solid"/>
+              <a:miter lim="800000"/>
+            </a:ln>
+            <a:effectLst/>
+          </p:spPr>
+          <p:style>
+            <a:lnRef idx="2">
+              <a:schemeClr val="accent1"/>
+            </a:lnRef>
+            <a:fillRef idx="0">
+              <a:schemeClr val="accent1"/>
+            </a:fillRef>
+            <a:effectRef idx="1">
+              <a:schemeClr val="accent1"/>
+            </a:effectRef>
+            <a:fontRef idx="minor">
+              <a:schemeClr val="tx1"/>
+            </a:fontRef>
+          </p:style>
+        </p:cxnSp>
+      </p:grpSp>
       <p:sp>
         <p:nvSpPr>
-          <p:cNvPr id="4" name="Date Placeholder 3"/>
+          <p:cNvPr id="30" name="Date Placeholder 29"/>
           <p:cNvSpPr>
             <a:spLocks noGrp="1"/>
           </p:cNvSpPr>
@@ -5624,7 +6060,16 @@
         <p:spPr/>
         <p:txBody>
           <a:bodyPr/>
-          <a:lstStyle/>
+          <a:lstStyle>
+            <a:lvl1pPr>
+              <a:defRPr>
+                <a:solidFill>
+                  <a:srgbClr val="FFFFFF"/>
+                </a:solidFill>
+              </a:defRPr>
+            </a:lvl1pPr>
+            <a:extLst/>
+          </a:lstStyle>
           <a:p>
             <a:fld id="{074442F3-905A-4A7F-B9B5-4C41ECF1CCEC}" type="datetimeFigureOut">
               <a:rPr lang="en-US" smtClean="0"/>
@@ -5636,7 +6081,7 @@
       </p:sp>
       <p:sp>
         <p:nvSpPr>
-          <p:cNvPr id="5" name="Footer Placeholder 4"/>
+          <p:cNvPr id="19" name="Footer Placeholder 18"/>
           <p:cNvSpPr>
             <a:spLocks noGrp="1"/>
           </p:cNvSpPr>
@@ -5647,7 +6092,18 @@
         <p:spPr/>
         <p:txBody>
           <a:bodyPr/>
-          <a:lstStyle/>
+          <a:lstStyle>
+            <a:lvl1pPr>
+              <a:defRPr>
+                <a:solidFill>
+                  <a:schemeClr val="accent1">
+                    <a:tint val="20000"/>
+                  </a:schemeClr>
+                </a:solidFill>
+              </a:defRPr>
+            </a:lvl1pPr>
+            <a:extLst/>
+          </a:lstStyle>
           <a:p>
             <a:endParaRPr lang="en-US"/>
           </a:p>
@@ -5655,7 +6111,7 @@
       </p:sp>
       <p:sp>
         <p:nvSpPr>
-          <p:cNvPr id="6" name="Slide Number Placeholder 5"/>
+          <p:cNvPr id="27" name="Slide Number Placeholder 26"/>
           <p:cNvSpPr>
             <a:spLocks noGrp="1"/>
           </p:cNvSpPr>
@@ -5666,7 +6122,16 @@
         <p:spPr/>
         <p:txBody>
           <a:bodyPr/>
-          <a:lstStyle/>
+          <a:lstStyle>
+            <a:lvl1pPr>
+              <a:defRPr>
+                <a:solidFill>
+                  <a:srgbClr val="FFFFFF"/>
+                </a:solidFill>
+              </a:defRPr>
+            </a:lvl1pPr>
+            <a:extLst/>
+          </a:lstStyle>
           <a:p>
             <a:fld id="{9AAF7C5A-6748-4694-9B84-2C76EAF7D27D}" type="slidenum">
               <a:rPr lang="en-US" smtClean="0"/>
@@ -5677,11 +6142,6 @@
         </p:txBody>
       </p:sp>
     </p:spTree>
-    <p:extLst>
-      <p:ext uri="{BB962C8B-B14F-4D97-AF65-F5344CB8AC3E}">
-        <p14:creationId xmlns:p14="http://schemas.microsoft.com/office/powerpoint/2010/main" val="445723478"/>
-      </p:ext>
-    </p:extLst>
   </p:cSld>
   <p:clrMapOvr>
     <a:masterClrMapping/>
@@ -5719,13 +6179,15 @@
         <p:spPr/>
         <p:txBody>
           <a:bodyPr/>
-          <a:lstStyle/>
-          <a:p>
-            <a:r>
-              <a:rPr lang="en-US" smtClean="0"/>
+          <a:lstStyle>
+            <a:extLst/>
+          </a:lstStyle>
+          <a:p>
+            <a:r>
+              <a:rPr kumimoji="0" lang="en-US" smtClean="0"/>
               <a:t>Click to edit Master title style</a:t>
             </a:r>
-            <a:endParaRPr lang="en-US"/>
+            <a:endParaRPr kumimoji="0" lang="en-US"/>
           </a:p>
         </p:txBody>
       </p:sp>
@@ -5739,45 +6201,52 @@
             <p:ph type="body" orient="vert" idx="1"/>
           </p:nvPr>
         </p:nvSpPr>
-        <p:spPr/>
+        <p:spPr>
+          <a:xfrm>
+            <a:off x="457200" y="1481329"/>
+            <a:ext cx="8229600" cy="4386071"/>
+          </a:xfrm>
+        </p:spPr>
         <p:txBody>
           <a:bodyPr vert="eaVert"/>
-          <a:lstStyle/>
-          <a:p>
-            <a:pPr lvl="0"/>
+          <a:lstStyle>
+            <a:extLst/>
+          </a:lstStyle>
+          <a:p>
+            <a:pPr lvl="0" eaLnBrk="1" latinLnBrk="0" hangingPunct="1"/>
             <a:r>
               <a:rPr lang="en-US" smtClean="0"/>
               <a:t>Click to edit Master text styles</a:t>
             </a:r>
           </a:p>
           <a:p>
-            <a:pPr lvl="1"/>
+            <a:pPr lvl="1" eaLnBrk="1" latinLnBrk="0" hangingPunct="1"/>
             <a:r>
               <a:rPr lang="en-US" smtClean="0"/>
               <a:t>Second level</a:t>
             </a:r>
           </a:p>
           <a:p>
-            <a:pPr lvl="2"/>
+            <a:pPr lvl="2" eaLnBrk="1" latinLnBrk="0" hangingPunct="1"/>
             <a:r>
               <a:rPr lang="en-US" smtClean="0"/>
               <a:t>Third level</a:t>
             </a:r>
           </a:p>
           <a:p>
-            <a:pPr lvl="3"/>
+            <a:pPr lvl="3" eaLnBrk="1" latinLnBrk="0" hangingPunct="1"/>
             <a:r>
               <a:rPr lang="en-US" smtClean="0"/>
               <a:t>Fourth level</a:t>
             </a:r>
           </a:p>
           <a:p>
-            <a:pPr lvl="4"/>
+            <a:pPr lvl="4" eaLnBrk="1" latinLnBrk="0" hangingPunct="1"/>
             <a:r>
               <a:rPr lang="en-US" smtClean="0"/>
               <a:t>Fifth level</a:t>
             </a:r>
-            <a:endParaRPr lang="en-US"/>
+            <a:endParaRPr kumimoji="0" lang="en-US"/>
           </a:p>
         </p:txBody>
       </p:sp>
@@ -5794,7 +6263,9 @@
         <p:spPr/>
         <p:txBody>
           <a:bodyPr/>
-          <a:lstStyle/>
+          <a:lstStyle>
+            <a:extLst/>
+          </a:lstStyle>
           <a:p>
             <a:fld id="{074442F3-905A-4A7F-B9B5-4C41ECF1CCEC}" type="datetimeFigureOut">
               <a:rPr lang="en-US" smtClean="0"/>
@@ -5817,7 +6288,9 @@
         <p:spPr/>
         <p:txBody>
           <a:bodyPr/>
-          <a:lstStyle/>
+          <a:lstStyle>
+            <a:extLst/>
+          </a:lstStyle>
           <a:p>
             <a:endParaRPr lang="en-US"/>
           </a:p>
@@ -5836,7 +6309,9 @@
         <p:spPr/>
         <p:txBody>
           <a:bodyPr/>
-          <a:lstStyle/>
+          <a:lstStyle>
+            <a:extLst/>
+          </a:lstStyle>
           <a:p>
             <a:fld id="{9AAF7C5A-6748-4694-9B84-2C76EAF7D27D}" type="slidenum">
               <a:rPr lang="en-US" smtClean="0"/>
@@ -5847,11 +6322,6 @@
         </p:txBody>
       </p:sp>
     </p:spTree>
-    <p:extLst>
-      <p:ext uri="{BB962C8B-B14F-4D97-AF65-F5344CB8AC3E}">
-        <p14:creationId xmlns:p14="http://schemas.microsoft.com/office/powerpoint/2010/main" val="4148486569"/>
-      </p:ext>
-    </p:extLst>
   </p:cSld>
   <p:clrMapOvr>
     <a:masterClrMapping/>
@@ -5888,19 +6358,21 @@
         </p:nvSpPr>
         <p:spPr>
           <a:xfrm>
-            <a:off x="6629400" y="274638"/>
-            <a:ext cx="2057400" cy="5851525"/>
+            <a:off x="6844013" y="274640"/>
+            <a:ext cx="1777470" cy="5592761"/>
           </a:xfrm>
         </p:spPr>
         <p:txBody>
           <a:bodyPr vert="eaVert"/>
-          <a:lstStyle/>
-          <a:p>
-            <a:r>
-              <a:rPr lang="en-US" smtClean="0"/>
+          <a:lstStyle>
+            <a:extLst/>
+          </a:lstStyle>
+          <a:p>
+            <a:r>
+              <a:rPr kumimoji="0" lang="en-US" smtClean="0"/>
               <a:t>Click to edit Master title style</a:t>
             </a:r>
-            <a:endParaRPr lang="en-US"/>
+            <a:endParaRPr kumimoji="0" lang="en-US"/>
           </a:p>
         </p:txBody>
       </p:sp>
@@ -5916,48 +6388,50 @@
         </p:nvSpPr>
         <p:spPr>
           <a:xfrm>
-            <a:off x="457200" y="274638"/>
-            <a:ext cx="6019800" cy="5851525"/>
+            <a:off x="457200" y="274641"/>
+            <a:ext cx="6324600" cy="5592760"/>
           </a:xfrm>
         </p:spPr>
         <p:txBody>
           <a:bodyPr vert="eaVert"/>
-          <a:lstStyle/>
-          <a:p>
-            <a:pPr lvl="0"/>
+          <a:lstStyle>
+            <a:extLst/>
+          </a:lstStyle>
+          <a:p>
+            <a:pPr lvl="0" eaLnBrk="1" latinLnBrk="0" hangingPunct="1"/>
             <a:r>
               <a:rPr lang="en-US" smtClean="0"/>
               <a:t>Click to edit Master text styles</a:t>
             </a:r>
           </a:p>
           <a:p>
-            <a:pPr lvl="1"/>
+            <a:pPr lvl="1" eaLnBrk="1" latinLnBrk="0" hangingPunct="1"/>
             <a:r>
               <a:rPr lang="en-US" smtClean="0"/>
               <a:t>Second level</a:t>
             </a:r>
           </a:p>
           <a:p>
-            <a:pPr lvl="2"/>
+            <a:pPr lvl="2" eaLnBrk="1" latinLnBrk="0" hangingPunct="1"/>
             <a:r>
               <a:rPr lang="en-US" smtClean="0"/>
               <a:t>Third level</a:t>
             </a:r>
           </a:p>
           <a:p>
-            <a:pPr lvl="3"/>
+            <a:pPr lvl="3" eaLnBrk="1" latinLnBrk="0" hangingPunct="1"/>
             <a:r>
               <a:rPr lang="en-US" smtClean="0"/>
               <a:t>Fourth level</a:t>
             </a:r>
           </a:p>
           <a:p>
-            <a:pPr lvl="4"/>
+            <a:pPr lvl="4" eaLnBrk="1" latinLnBrk="0" hangingPunct="1"/>
             <a:r>
               <a:rPr lang="en-US" smtClean="0"/>
               <a:t>Fifth level</a:t>
             </a:r>
-            <a:endParaRPr lang="en-US"/>
+            <a:endParaRPr kumimoji="0" lang="en-US"/>
           </a:p>
         </p:txBody>
       </p:sp>
@@ -5974,7 +6448,9 @@
         <p:spPr/>
         <p:txBody>
           <a:bodyPr/>
-          <a:lstStyle/>
+          <a:lstStyle>
+            <a:extLst/>
+          </a:lstStyle>
           <a:p>
             <a:fld id="{074442F3-905A-4A7F-B9B5-4C41ECF1CCEC}" type="datetimeFigureOut">
               <a:rPr lang="en-US" smtClean="0"/>
@@ -5997,7 +6473,9 @@
         <p:spPr/>
         <p:txBody>
           <a:bodyPr/>
-          <a:lstStyle/>
+          <a:lstStyle>
+            <a:extLst/>
+          </a:lstStyle>
           <a:p>
             <a:endParaRPr lang="en-US"/>
           </a:p>
@@ -6016,7 +6494,9 @@
         <p:spPr/>
         <p:txBody>
           <a:bodyPr/>
-          <a:lstStyle/>
+          <a:lstStyle>
+            <a:extLst/>
+          </a:lstStyle>
           <a:p>
             <a:fld id="{9AAF7C5A-6748-4694-9B84-2C76EAF7D27D}" type="slidenum">
               <a:rPr lang="en-US" smtClean="0"/>
@@ -6027,11 +6507,6 @@
         </p:txBody>
       </p:sp>
     </p:spTree>
-    <p:extLst>
-      <p:ext uri="{BB962C8B-B14F-4D97-AF65-F5344CB8AC3E}">
-        <p14:creationId xmlns:p14="http://schemas.microsoft.com/office/powerpoint/2010/main" val="2681326400"/>
-      </p:ext>
-    </p:extLst>
   </p:cSld>
   <p:clrMapOvr>
     <a:masterClrMapping/>
@@ -6058,29 +6533,6 @@
       </p:grpSpPr>
       <p:sp>
         <p:nvSpPr>
-          <p:cNvPr id="2" name="Title 1"/>
-          <p:cNvSpPr>
-            <a:spLocks noGrp="1"/>
-          </p:cNvSpPr>
-          <p:nvPr>
-            <p:ph type="title"/>
-          </p:nvPr>
-        </p:nvSpPr>
-        <p:spPr/>
-        <p:txBody>
-          <a:bodyPr/>
-          <a:lstStyle/>
-          <a:p>
-            <a:r>
-              <a:rPr lang="en-US" smtClean="0"/>
-              <a:t>Click to edit Master title style</a:t>
-            </a:r>
-            <a:endParaRPr lang="en-US"/>
-          </a:p>
-        </p:txBody>
-      </p:sp>
-      <p:sp>
-        <p:nvSpPr>
           <p:cNvPr id="3" name="Content Placeholder 2"/>
           <p:cNvSpPr>
             <a:spLocks noGrp="1"/>
@@ -6092,42 +6544,44 @@
         <p:spPr/>
         <p:txBody>
           <a:bodyPr/>
-          <a:lstStyle/>
-          <a:p>
-            <a:pPr lvl="0"/>
+          <a:lstStyle>
+            <a:extLst/>
+          </a:lstStyle>
+          <a:p>
+            <a:pPr lvl="0" eaLnBrk="1" latinLnBrk="0" hangingPunct="1"/>
             <a:r>
               <a:rPr lang="en-US" smtClean="0"/>
               <a:t>Click to edit Master text styles</a:t>
             </a:r>
           </a:p>
           <a:p>
-            <a:pPr lvl="1"/>
+            <a:pPr lvl="1" eaLnBrk="1" latinLnBrk="0" hangingPunct="1"/>
             <a:r>
               <a:rPr lang="en-US" smtClean="0"/>
               <a:t>Second level</a:t>
             </a:r>
           </a:p>
           <a:p>
-            <a:pPr lvl="2"/>
+            <a:pPr lvl="2" eaLnBrk="1" latinLnBrk="0" hangingPunct="1"/>
             <a:r>
               <a:rPr lang="en-US" smtClean="0"/>
               <a:t>Third level</a:t>
             </a:r>
           </a:p>
           <a:p>
-            <a:pPr lvl="3"/>
+            <a:pPr lvl="3" eaLnBrk="1" latinLnBrk="0" hangingPunct="1"/>
             <a:r>
               <a:rPr lang="en-US" smtClean="0"/>
               <a:t>Fourth level</a:t>
             </a:r>
           </a:p>
           <a:p>
-            <a:pPr lvl="4"/>
+            <a:pPr lvl="4" eaLnBrk="1" latinLnBrk="0" hangingPunct="1"/>
             <a:r>
               <a:rPr lang="en-US" smtClean="0"/>
               <a:t>Fifth level</a:t>
             </a:r>
-            <a:endParaRPr lang="en-US"/>
+            <a:endParaRPr kumimoji="0" lang="en-US"/>
           </a:p>
         </p:txBody>
       </p:sp>
@@ -6144,7 +6598,9 @@
         <p:spPr/>
         <p:txBody>
           <a:bodyPr/>
-          <a:lstStyle/>
+          <a:lstStyle>
+            <a:extLst/>
+          </a:lstStyle>
           <a:p>
             <a:fld id="{074442F3-905A-4A7F-B9B5-4C41ECF1CCEC}" type="datetimeFigureOut">
               <a:rPr lang="en-US" smtClean="0"/>
@@ -6167,7 +6623,9 @@
         <p:spPr/>
         <p:txBody>
           <a:bodyPr/>
-          <a:lstStyle/>
+          <a:lstStyle>
+            <a:extLst/>
+          </a:lstStyle>
           <a:p>
             <a:endParaRPr lang="en-US"/>
           </a:p>
@@ -6186,7 +6644,9 @@
         <p:spPr/>
         <p:txBody>
           <a:bodyPr/>
-          <a:lstStyle/>
+          <a:lstStyle>
+            <a:extLst/>
+          </a:lstStyle>
           <a:p>
             <a:fld id="{9AAF7C5A-6748-4694-9B84-2C76EAF7D27D}" type="slidenum">
               <a:rPr lang="en-US" smtClean="0"/>
@@ -6196,12 +6656,32 @@
           </a:p>
         </p:txBody>
       </p:sp>
+      <p:sp>
+        <p:nvSpPr>
+          <p:cNvPr id="7" name="Title 6"/>
+          <p:cNvSpPr>
+            <a:spLocks noGrp="1"/>
+          </p:cNvSpPr>
+          <p:nvPr>
+            <p:ph type="title"/>
+          </p:nvPr>
+        </p:nvSpPr>
+        <p:spPr/>
+        <p:txBody>
+          <a:bodyPr rtlCol="0"/>
+          <a:lstStyle>
+            <a:extLst/>
+          </a:lstStyle>
+          <a:p>
+            <a:r>
+              <a:rPr kumimoji="0" lang="en-US" smtClean="0"/>
+              <a:t>Click to edit Master title style</a:t>
+            </a:r>
+            <a:endParaRPr kumimoji="0" lang="en-US"/>
+          </a:p>
+        </p:txBody>
+      </p:sp>
     </p:spTree>
-    <p:extLst>
-      <p:ext uri="{BB962C8B-B14F-4D97-AF65-F5344CB8AC3E}">
-        <p14:creationId xmlns:p14="http://schemas.microsoft.com/office/powerpoint/2010/main" val="1635774182"/>
-      </p:ext>
-    </p:extLst>
   </p:cSld>
   <p:clrMapOvr>
     <a:masterClrMapping/>
@@ -6212,6 +6692,11 @@
 <file path=ppt/slideLayouts/slideLayout3.xml><?xml version="1.0" encoding="utf-8"?>
 <p:sldLayout xmlns:a="http://schemas.openxmlformats.org/drawingml/2006/main" xmlns:r="http://schemas.openxmlformats.org/officeDocument/2006/relationships" xmlns:p="http://schemas.openxmlformats.org/presentationml/2006/main" type="secHead" preserve="1">
   <p:cSld name="Section Header">
+    <p:bg>
+      <p:bgRef idx="1002">
+        <a:schemeClr val="bg1"/>
+      </p:bgRef>
+    </p:bg>
     <p:spTree>
       <p:nvGrpSpPr>
         <p:cNvPr id="1" name=""/>
@@ -6238,23 +6723,42 @@
         </p:nvSpPr>
         <p:spPr>
           <a:xfrm>
-            <a:off x="722313" y="4406900"/>
-            <a:ext cx="7772400" cy="1362075"/>
+            <a:off x="722376" y="1059712"/>
+            <a:ext cx="7772400" cy="1828800"/>
           </a:xfrm>
         </p:spPr>
         <p:txBody>
-          <a:bodyPr anchor="t"/>
+          <a:bodyPr vert="horz" anchor="b">
+            <a:normAutofit/>
+            <a:scene3d>
+              <a:camera prst="orthographicFront"/>
+              <a:lightRig rig="soft" dir="t"/>
+            </a:scene3d>
+            <a:sp3d prstMaterial="softEdge">
+              <a:bevelT w="25400" h="25400"/>
+            </a:sp3d>
+          </a:bodyPr>
           <a:lstStyle>
-            <a:lvl1pPr algn="l">
-              <a:defRPr sz="4000" b="1" cap="all"/>
+            <a:lvl1pPr algn="r">
+              <a:buNone/>
+              <a:defRPr sz="4800" b="1" cap="none" baseline="0">
+                <a:effectLst>
+                  <a:outerShdw blurRad="31750" dist="25400" dir="5400000" algn="tl" rotWithShape="0">
+                    <a:srgbClr val="000000">
+                      <a:alpha val="25000"/>
+                    </a:srgbClr>
+                  </a:outerShdw>
+                </a:effectLst>
+              </a:defRPr>
             </a:lvl1pPr>
+            <a:extLst/>
           </a:lstStyle>
           <a:p>
             <a:r>
-              <a:rPr lang="en-US" smtClean="0"/>
+              <a:rPr kumimoji="0" lang="en-US" smtClean="0"/>
               <a:t>Click to edit Master title style</a:t>
             </a:r>
-            <a:endParaRPr lang="en-US"/>
+            <a:endParaRPr kumimoji="0" lang="en-US"/>
           </a:p>
         </p:txBody>
       </p:sp>
@@ -6270,24 +6774,22 @@
         </p:nvSpPr>
         <p:spPr>
           <a:xfrm>
-            <a:off x="722313" y="2906713"/>
-            <a:ext cx="7772400" cy="1500187"/>
+            <a:off x="3922713" y="2931712"/>
+            <a:ext cx="4572000" cy="1454888"/>
           </a:xfrm>
         </p:spPr>
         <p:txBody>
-          <a:bodyPr anchor="b"/>
+          <a:bodyPr lIns="91440" rIns="91440" anchor="t"/>
           <a:lstStyle>
-            <a:lvl1pPr marL="0" indent="0">
+            <a:lvl1pPr marL="0" indent="0" algn="l">
               <a:buNone/>
-              <a:defRPr sz="2000">
+              <a:defRPr sz="2300">
                 <a:solidFill>
-                  <a:schemeClr val="tx1">
-                    <a:tint val="75000"/>
-                  </a:schemeClr>
+                  <a:schemeClr val="tx1"/>
                 </a:solidFill>
               </a:defRPr>
             </a:lvl1pPr>
-            <a:lvl2pPr marL="457200" indent="0">
+            <a:lvl2pPr>
               <a:buNone/>
               <a:defRPr sz="1800">
                 <a:solidFill>
@@ -6297,7 +6799,7 @@
                 </a:solidFill>
               </a:defRPr>
             </a:lvl2pPr>
-            <a:lvl3pPr marL="914400" indent="0">
+            <a:lvl3pPr>
               <a:buNone/>
               <a:defRPr sz="1600">
                 <a:solidFill>
@@ -6307,7 +6809,7 @@
                 </a:solidFill>
               </a:defRPr>
             </a:lvl3pPr>
-            <a:lvl4pPr marL="1371600" indent="0">
+            <a:lvl4pPr>
               <a:buNone/>
               <a:defRPr sz="1400">
                 <a:solidFill>
@@ -6317,7 +6819,7 @@
                 </a:solidFill>
               </a:defRPr>
             </a:lvl4pPr>
-            <a:lvl5pPr marL="1828800" indent="0">
+            <a:lvl5pPr>
               <a:buNone/>
               <a:defRPr sz="1400">
                 <a:solidFill>
@@ -6327,51 +6829,12 @@
                 </a:solidFill>
               </a:defRPr>
             </a:lvl5pPr>
-            <a:lvl6pPr marL="2286000" indent="0">
-              <a:buNone/>
-              <a:defRPr sz="1400">
-                <a:solidFill>
-                  <a:schemeClr val="tx1">
-                    <a:tint val="75000"/>
-                  </a:schemeClr>
-                </a:solidFill>
-              </a:defRPr>
-            </a:lvl6pPr>
-            <a:lvl7pPr marL="2743200" indent="0">
-              <a:buNone/>
-              <a:defRPr sz="1400">
-                <a:solidFill>
-                  <a:schemeClr val="tx1">
-                    <a:tint val="75000"/>
-                  </a:schemeClr>
-                </a:solidFill>
-              </a:defRPr>
-            </a:lvl7pPr>
-            <a:lvl8pPr marL="3200400" indent="0">
-              <a:buNone/>
-              <a:defRPr sz="1400">
-                <a:solidFill>
-                  <a:schemeClr val="tx1">
-                    <a:tint val="75000"/>
-                  </a:schemeClr>
-                </a:solidFill>
-              </a:defRPr>
-            </a:lvl8pPr>
-            <a:lvl9pPr marL="3657600" indent="0">
-              <a:buNone/>
-              <a:defRPr sz="1400">
-                <a:solidFill>
-                  <a:schemeClr val="tx1">
-                    <a:tint val="75000"/>
-                  </a:schemeClr>
-                </a:solidFill>
-              </a:defRPr>
-            </a:lvl9pPr>
+            <a:extLst/>
           </a:lstStyle>
           <a:p>
-            <a:pPr lvl="0"/>
-            <a:r>
-              <a:rPr lang="en-US" smtClean="0"/>
+            <a:pPr lvl="0" eaLnBrk="1" latinLnBrk="0" hangingPunct="1"/>
+            <a:r>
+              <a:rPr kumimoji="0" lang="en-US" smtClean="0"/>
               <a:t>Click to edit Master text styles</a:t>
             </a:r>
           </a:p>
@@ -6390,7 +6853,9 @@
         <p:spPr/>
         <p:txBody>
           <a:bodyPr/>
-          <a:lstStyle/>
+          <a:lstStyle>
+            <a:extLst/>
+          </a:lstStyle>
           <a:p>
             <a:fld id="{074442F3-905A-4A7F-B9B5-4C41ECF1CCEC}" type="datetimeFigureOut">
               <a:rPr lang="en-US" smtClean="0"/>
@@ -6413,7 +6878,9 @@
         <p:spPr/>
         <p:txBody>
           <a:bodyPr/>
-          <a:lstStyle/>
+          <a:lstStyle>
+            <a:extLst/>
+          </a:lstStyle>
           <a:p>
             <a:endParaRPr lang="en-US"/>
           </a:p>
@@ -6432,7 +6899,9 @@
         <p:spPr/>
         <p:txBody>
           <a:bodyPr/>
-          <a:lstStyle/>
+          <a:lstStyle>
+            <a:extLst/>
+          </a:lstStyle>
           <a:p>
             <a:fld id="{9AAF7C5A-6748-4694-9B84-2C76EAF7D27D}" type="slidenum">
               <a:rPr lang="en-US" smtClean="0"/>
@@ -6442,15 +6911,170 @@
           </a:p>
         </p:txBody>
       </p:sp>
+      <p:sp>
+        <p:nvSpPr>
+          <p:cNvPr id="7" name="Chevron 6"/>
+          <p:cNvSpPr/>
+          <p:nvPr/>
+        </p:nvSpPr>
+        <p:spPr>
+          <a:xfrm>
+            <a:off x="3636680" y="3005472"/>
+            <a:ext cx="182880" cy="228600"/>
+          </a:xfrm>
+          <a:prstGeom prst="chevron">
+            <a:avLst>
+              <a:gd name="adj" fmla="val 50000"/>
+            </a:avLst>
+          </a:prstGeom>
+          <a:gradFill flip="none" rotWithShape="1">
+            <a:gsLst>
+              <a:gs pos="0">
+                <a:schemeClr val="accent1">
+                  <a:shade val="60000"/>
+                  <a:satMod val="125000"/>
+                </a:schemeClr>
+              </a:gs>
+              <a:gs pos="72000">
+                <a:schemeClr val="accent1">
+                  <a:tint val="90000"/>
+                  <a:satMod val="138000"/>
+                </a:schemeClr>
+              </a:gs>
+              <a:gs pos="100000">
+                <a:schemeClr val="accent1">
+                  <a:tint val="76000"/>
+                  <a:satMod val="136000"/>
+                </a:schemeClr>
+              </a:gs>
+            </a:gsLst>
+            <a:lin ang="16200000" scaled="0"/>
+          </a:gradFill>
+          <a:ln w="3175" cap="rnd" cmpd="sng" algn="ctr">
+            <a:solidFill>
+              <a:schemeClr val="accent1">
+                <a:shade val="50000"/>
+              </a:schemeClr>
+            </a:solidFill>
+            <a:prstDash val="solid"/>
+          </a:ln>
+          <a:effectLst>
+            <a:outerShdw blurRad="50800" dist="25400" dir="5400000">
+              <a:srgbClr val="000000">
+                <a:alpha val="46000"/>
+              </a:srgbClr>
+            </a:outerShdw>
+          </a:effectLst>
+        </p:spPr>
+        <p:style>
+          <a:lnRef idx="1">
+            <a:schemeClr val="accent1"/>
+          </a:lnRef>
+          <a:fillRef idx="3">
+            <a:schemeClr val="accent1"/>
+          </a:fillRef>
+          <a:effectRef idx="2">
+            <a:schemeClr val="accent1"/>
+          </a:effectRef>
+          <a:fontRef idx="minor">
+            <a:schemeClr val="lt1"/>
+          </a:fontRef>
+        </p:style>
+        <p:txBody>
+          <a:bodyPr anchor="ctr"/>
+          <a:lstStyle>
+            <a:extLst/>
+          </a:lstStyle>
+          <a:p>
+            <a:pPr algn="l" eaLnBrk="1" latinLnBrk="0" hangingPunct="1"/>
+            <a:endParaRPr kumimoji="0" lang="en-US"/>
+          </a:p>
+        </p:txBody>
+      </p:sp>
+      <p:sp>
+        <p:nvSpPr>
+          <p:cNvPr id="8" name="Chevron 7"/>
+          <p:cNvSpPr/>
+          <p:nvPr/>
+        </p:nvSpPr>
+        <p:spPr>
+          <a:xfrm>
+            <a:off x="3450264" y="3005472"/>
+            <a:ext cx="182880" cy="228600"/>
+          </a:xfrm>
+          <a:prstGeom prst="chevron">
+            <a:avLst>
+              <a:gd name="adj" fmla="val 50000"/>
+            </a:avLst>
+          </a:prstGeom>
+          <a:gradFill flip="none" rotWithShape="1">
+            <a:gsLst>
+              <a:gs pos="0">
+                <a:schemeClr val="accent1">
+                  <a:shade val="60000"/>
+                  <a:satMod val="125000"/>
+                </a:schemeClr>
+              </a:gs>
+              <a:gs pos="72000">
+                <a:schemeClr val="accent1">
+                  <a:tint val="90000"/>
+                  <a:satMod val="138000"/>
+                </a:schemeClr>
+              </a:gs>
+              <a:gs pos="100000">
+                <a:schemeClr val="accent1">
+                  <a:tint val="76000"/>
+                  <a:satMod val="136000"/>
+                </a:schemeClr>
+              </a:gs>
+            </a:gsLst>
+            <a:lin ang="16200000" scaled="0"/>
+          </a:gradFill>
+          <a:ln w="3175" cap="rnd" cmpd="sng" algn="ctr">
+            <a:solidFill>
+              <a:schemeClr val="accent1">
+                <a:shade val="50000"/>
+              </a:schemeClr>
+            </a:solidFill>
+            <a:prstDash val="solid"/>
+          </a:ln>
+          <a:effectLst>
+            <a:outerShdw blurRad="50800" dist="25400" dir="5400000">
+              <a:srgbClr val="000000">
+                <a:alpha val="46000"/>
+              </a:srgbClr>
+            </a:outerShdw>
+          </a:effectLst>
+        </p:spPr>
+        <p:style>
+          <a:lnRef idx="1">
+            <a:schemeClr val="accent1"/>
+          </a:lnRef>
+          <a:fillRef idx="3">
+            <a:schemeClr val="accent1"/>
+          </a:fillRef>
+          <a:effectRef idx="2">
+            <a:schemeClr val="accent1"/>
+          </a:effectRef>
+          <a:fontRef idx="minor">
+            <a:schemeClr val="lt1"/>
+          </a:fontRef>
+        </p:style>
+        <p:txBody>
+          <a:bodyPr anchor="ctr"/>
+          <a:lstStyle>
+            <a:extLst/>
+          </a:lstStyle>
+          <a:p>
+            <a:pPr algn="l" eaLnBrk="1" latinLnBrk="0" hangingPunct="1"/>
+            <a:endParaRPr kumimoji="0" lang="en-US"/>
+          </a:p>
+        </p:txBody>
+      </p:sp>
     </p:spTree>
-    <p:extLst>
-      <p:ext uri="{BB962C8B-B14F-4D97-AF65-F5344CB8AC3E}">
-        <p14:creationId xmlns:p14="http://schemas.microsoft.com/office/powerpoint/2010/main" val="2819837489"/>
-      </p:ext>
-    </p:extLst>
   </p:cSld>
   <p:clrMapOvr>
-    <a:masterClrMapping/>
+    <a:overrideClrMapping bg1="dk1" tx1="lt1" bg2="dk2" tx2="lt2" accent1="accent1" accent2="accent2" accent3="accent3" accent4="accent4" accent5="accent5" accent6="accent6" hlink="hlink" folHlink="folHlink"/>
   </p:clrMapOvr>
 </p:sldLayout>
 </file>
@@ -6458,6 +7082,285 @@
 <file path=ppt/slideLayouts/slideLayout4.xml><?xml version="1.0" encoding="utf-8"?>
 <p:sldLayout xmlns:a="http://schemas.openxmlformats.org/drawingml/2006/main" xmlns:r="http://schemas.openxmlformats.org/officeDocument/2006/relationships" xmlns:p="http://schemas.openxmlformats.org/presentationml/2006/main" type="twoObj" preserve="1">
   <p:cSld name="Two Content">
+    <p:bg>
+      <p:bgRef idx="1002">
+        <a:schemeClr val="bg1"/>
+      </p:bgRef>
+    </p:bg>
+    <p:spTree>
+      <p:nvGrpSpPr>
+        <p:cNvPr id="1" name=""/>
+        <p:cNvGrpSpPr/>
+        <p:nvPr/>
+      </p:nvGrpSpPr>
+      <p:grpSpPr>
+        <a:xfrm>
+          <a:off x="0" y="0"/>
+          <a:ext cx="0" cy="0"/>
+          <a:chOff x="0" y="0"/>
+          <a:chExt cx="0" cy="0"/>
+        </a:xfrm>
+      </p:grpSpPr>
+      <p:sp>
+        <p:nvSpPr>
+          <p:cNvPr id="3" name="Content Placeholder 2"/>
+          <p:cNvSpPr>
+            <a:spLocks noGrp="1"/>
+          </p:cNvSpPr>
+          <p:nvPr>
+            <p:ph sz="half" idx="1"/>
+          </p:nvPr>
+        </p:nvSpPr>
+        <p:spPr>
+          <a:xfrm>
+            <a:off x="457200" y="1481328"/>
+            <a:ext cx="4038600" cy="4525963"/>
+          </a:xfrm>
+        </p:spPr>
+        <p:txBody>
+          <a:bodyPr/>
+          <a:lstStyle>
+            <a:lvl1pPr>
+              <a:defRPr sz="2800"/>
+            </a:lvl1pPr>
+            <a:lvl2pPr>
+              <a:defRPr sz="2400"/>
+            </a:lvl2pPr>
+            <a:lvl3pPr>
+              <a:defRPr sz="2000"/>
+            </a:lvl3pPr>
+            <a:lvl4pPr>
+              <a:defRPr sz="1800"/>
+            </a:lvl4pPr>
+            <a:lvl5pPr>
+              <a:defRPr sz="1800"/>
+            </a:lvl5pPr>
+            <a:extLst/>
+          </a:lstStyle>
+          <a:p>
+            <a:pPr lvl="0" eaLnBrk="1" latinLnBrk="0" hangingPunct="1"/>
+            <a:r>
+              <a:rPr lang="en-US" smtClean="0"/>
+              <a:t>Click to edit Master text styles</a:t>
+            </a:r>
+          </a:p>
+          <a:p>
+            <a:pPr lvl="1" eaLnBrk="1" latinLnBrk="0" hangingPunct="1"/>
+            <a:r>
+              <a:rPr lang="en-US" smtClean="0"/>
+              <a:t>Second level</a:t>
+            </a:r>
+          </a:p>
+          <a:p>
+            <a:pPr lvl="2" eaLnBrk="1" latinLnBrk="0" hangingPunct="1"/>
+            <a:r>
+              <a:rPr lang="en-US" smtClean="0"/>
+              <a:t>Third level</a:t>
+            </a:r>
+          </a:p>
+          <a:p>
+            <a:pPr lvl="3" eaLnBrk="1" latinLnBrk="0" hangingPunct="1"/>
+            <a:r>
+              <a:rPr lang="en-US" smtClean="0"/>
+              <a:t>Fourth level</a:t>
+            </a:r>
+          </a:p>
+          <a:p>
+            <a:pPr lvl="4" eaLnBrk="1" latinLnBrk="0" hangingPunct="1"/>
+            <a:r>
+              <a:rPr lang="en-US" smtClean="0"/>
+              <a:t>Fifth level</a:t>
+            </a:r>
+            <a:endParaRPr kumimoji="0" lang="en-US"/>
+          </a:p>
+        </p:txBody>
+      </p:sp>
+      <p:sp>
+        <p:nvSpPr>
+          <p:cNvPr id="4" name="Content Placeholder 3"/>
+          <p:cNvSpPr>
+            <a:spLocks noGrp="1"/>
+          </p:cNvSpPr>
+          <p:nvPr>
+            <p:ph sz="half" idx="2"/>
+          </p:nvPr>
+        </p:nvSpPr>
+        <p:spPr>
+          <a:xfrm>
+            <a:off x="4648200" y="1481328"/>
+            <a:ext cx="4038600" cy="4525963"/>
+          </a:xfrm>
+        </p:spPr>
+        <p:txBody>
+          <a:bodyPr/>
+          <a:lstStyle>
+            <a:lvl1pPr>
+              <a:defRPr sz="2800"/>
+            </a:lvl1pPr>
+            <a:lvl2pPr>
+              <a:defRPr sz="2400"/>
+            </a:lvl2pPr>
+            <a:lvl3pPr>
+              <a:defRPr sz="2000"/>
+            </a:lvl3pPr>
+            <a:lvl4pPr>
+              <a:defRPr sz="1800"/>
+            </a:lvl4pPr>
+            <a:lvl5pPr>
+              <a:defRPr sz="1800"/>
+            </a:lvl5pPr>
+            <a:extLst/>
+          </a:lstStyle>
+          <a:p>
+            <a:pPr lvl="0" eaLnBrk="1" latinLnBrk="0" hangingPunct="1"/>
+            <a:r>
+              <a:rPr lang="en-US" smtClean="0"/>
+              <a:t>Click to edit Master text styles</a:t>
+            </a:r>
+          </a:p>
+          <a:p>
+            <a:pPr lvl="1" eaLnBrk="1" latinLnBrk="0" hangingPunct="1"/>
+            <a:r>
+              <a:rPr lang="en-US" smtClean="0"/>
+              <a:t>Second level</a:t>
+            </a:r>
+          </a:p>
+          <a:p>
+            <a:pPr lvl="2" eaLnBrk="1" latinLnBrk="0" hangingPunct="1"/>
+            <a:r>
+              <a:rPr lang="en-US" smtClean="0"/>
+              <a:t>Third level</a:t>
+            </a:r>
+          </a:p>
+          <a:p>
+            <a:pPr lvl="3" eaLnBrk="1" latinLnBrk="0" hangingPunct="1"/>
+            <a:r>
+              <a:rPr lang="en-US" smtClean="0"/>
+              <a:t>Fourth level</a:t>
+            </a:r>
+          </a:p>
+          <a:p>
+            <a:pPr lvl="4" eaLnBrk="1" latinLnBrk="0" hangingPunct="1"/>
+            <a:r>
+              <a:rPr lang="en-US" smtClean="0"/>
+              <a:t>Fifth level</a:t>
+            </a:r>
+            <a:endParaRPr kumimoji="0" lang="en-US"/>
+          </a:p>
+        </p:txBody>
+      </p:sp>
+      <p:sp>
+        <p:nvSpPr>
+          <p:cNvPr id="5" name="Date Placeholder 4"/>
+          <p:cNvSpPr>
+            <a:spLocks noGrp="1"/>
+          </p:cNvSpPr>
+          <p:nvPr>
+            <p:ph type="dt" sz="half" idx="10"/>
+          </p:nvPr>
+        </p:nvSpPr>
+        <p:spPr/>
+        <p:txBody>
+          <a:bodyPr/>
+          <a:lstStyle>
+            <a:extLst/>
+          </a:lstStyle>
+          <a:p>
+            <a:fld id="{074442F3-905A-4A7F-B9B5-4C41ECF1CCEC}" type="datetimeFigureOut">
+              <a:rPr lang="en-US" smtClean="0"/>
+              <a:t>2/16/2021</a:t>
+            </a:fld>
+            <a:endParaRPr lang="en-US"/>
+          </a:p>
+        </p:txBody>
+      </p:sp>
+      <p:sp>
+        <p:nvSpPr>
+          <p:cNvPr id="6" name="Footer Placeholder 5"/>
+          <p:cNvSpPr>
+            <a:spLocks noGrp="1"/>
+          </p:cNvSpPr>
+          <p:nvPr>
+            <p:ph type="ftr" sz="quarter" idx="11"/>
+          </p:nvPr>
+        </p:nvSpPr>
+        <p:spPr/>
+        <p:txBody>
+          <a:bodyPr/>
+          <a:lstStyle>
+            <a:extLst/>
+          </a:lstStyle>
+          <a:p>
+            <a:endParaRPr lang="en-US"/>
+          </a:p>
+        </p:txBody>
+      </p:sp>
+      <p:sp>
+        <p:nvSpPr>
+          <p:cNvPr id="7" name="Slide Number Placeholder 6"/>
+          <p:cNvSpPr>
+            <a:spLocks noGrp="1"/>
+          </p:cNvSpPr>
+          <p:nvPr>
+            <p:ph type="sldNum" sz="quarter" idx="12"/>
+          </p:nvPr>
+        </p:nvSpPr>
+        <p:spPr/>
+        <p:txBody>
+          <a:bodyPr/>
+          <a:lstStyle>
+            <a:extLst/>
+          </a:lstStyle>
+          <a:p>
+            <a:fld id="{9AAF7C5A-6748-4694-9B84-2C76EAF7D27D}" type="slidenum">
+              <a:rPr lang="en-US" smtClean="0"/>
+              <a:t>‹#›</a:t>
+            </a:fld>
+            <a:endParaRPr lang="en-US"/>
+          </a:p>
+        </p:txBody>
+      </p:sp>
+      <p:sp>
+        <p:nvSpPr>
+          <p:cNvPr id="8" name="Title 7"/>
+          <p:cNvSpPr>
+            <a:spLocks noGrp="1"/>
+          </p:cNvSpPr>
+          <p:nvPr>
+            <p:ph type="title"/>
+          </p:nvPr>
+        </p:nvSpPr>
+        <p:spPr/>
+        <p:txBody>
+          <a:bodyPr rtlCol="0"/>
+          <a:lstStyle>
+            <a:extLst/>
+          </a:lstStyle>
+          <a:p>
+            <a:r>
+              <a:rPr kumimoji="0" lang="en-US" smtClean="0"/>
+              <a:t>Click to edit Master title style</a:t>
+            </a:r>
+            <a:endParaRPr kumimoji="0" lang="en-US"/>
+          </a:p>
+        </p:txBody>
+      </p:sp>
+    </p:spTree>
+  </p:cSld>
+  <p:clrMapOvr>
+    <a:overrideClrMapping bg1="dk1" tx1="lt1" bg2="dk2" tx2="lt2" accent1="accent1" accent2="accent2" accent3="accent3" accent4="accent4" accent5="accent5" accent6="accent6" hlink="hlink" folHlink="folHlink"/>
+  </p:clrMapOvr>
+</p:sldLayout>
+</file>
+
+<file path=ppt/slideLayouts/slideLayout5.xml><?xml version="1.0" encoding="utf-8"?>
+<p:sldLayout xmlns:a="http://schemas.openxmlformats.org/drawingml/2006/main" xmlns:r="http://schemas.openxmlformats.org/officeDocument/2006/relationships" xmlns:p="http://schemas.openxmlformats.org/presentationml/2006/main" showMasterSp="0" type="twoTxTwoObj" preserve="1">
+  <p:cSld name="Comparison">
+    <p:bg>
+      <p:bgRef idx="1003">
+        <a:schemeClr val="bg1"/>
+      </p:bgRef>
+    </p:bg>
     <p:spTree>
       <p:nvGrpSpPr>
         <p:cNvPr id="1" name=""/>
@@ -6482,308 +7385,26 @@
             <p:ph type="title"/>
           </p:nvPr>
         </p:nvSpPr>
-        <p:spPr/>
-        <p:txBody>
-          <a:bodyPr/>
-          <a:lstStyle/>
-          <a:p>
-            <a:r>
-              <a:rPr lang="en-US" smtClean="0"/>
-              <a:t>Click to edit Master title style</a:t>
-            </a:r>
-            <a:endParaRPr lang="en-US"/>
-          </a:p>
-        </p:txBody>
-      </p:sp>
-      <p:sp>
-        <p:nvSpPr>
-          <p:cNvPr id="3" name="Content Placeholder 2"/>
-          <p:cNvSpPr>
-            <a:spLocks noGrp="1"/>
-          </p:cNvSpPr>
-          <p:nvPr>
-            <p:ph sz="half" idx="1"/>
-          </p:nvPr>
-        </p:nvSpPr>
         <p:spPr>
           <a:xfrm>
-            <a:off x="457200" y="1600200"/>
-            <a:ext cx="4038600" cy="4525963"/>
+            <a:off x="457200" y="273050"/>
+            <a:ext cx="8229600" cy="1143000"/>
           </a:xfrm>
         </p:spPr>
         <p:txBody>
-          <a:bodyPr/>
-          <a:lstStyle>
-            <a:lvl1pPr>
-              <a:defRPr sz="2800"/>
-            </a:lvl1pPr>
-            <a:lvl2pPr>
-              <a:defRPr sz="2400"/>
-            </a:lvl2pPr>
-            <a:lvl3pPr>
-              <a:defRPr sz="2000"/>
-            </a:lvl3pPr>
-            <a:lvl4pPr>
-              <a:defRPr sz="1800"/>
-            </a:lvl4pPr>
-            <a:lvl5pPr>
-              <a:defRPr sz="1800"/>
-            </a:lvl5pPr>
-            <a:lvl6pPr>
-              <a:defRPr sz="1800"/>
-            </a:lvl6pPr>
-            <a:lvl7pPr>
-              <a:defRPr sz="1800"/>
-            </a:lvl7pPr>
-            <a:lvl8pPr>
-              <a:defRPr sz="1800"/>
-            </a:lvl8pPr>
-            <a:lvl9pPr>
-              <a:defRPr sz="1800"/>
-            </a:lvl9pPr>
-          </a:lstStyle>
-          <a:p>
-            <a:pPr lvl="0"/>
-            <a:r>
-              <a:rPr lang="en-US" smtClean="0"/>
-              <a:t>Click to edit Master text styles</a:t>
-            </a:r>
-          </a:p>
-          <a:p>
-            <a:pPr lvl="1"/>
-            <a:r>
-              <a:rPr lang="en-US" smtClean="0"/>
-              <a:t>Second level</a:t>
-            </a:r>
-          </a:p>
-          <a:p>
-            <a:pPr lvl="2"/>
-            <a:r>
-              <a:rPr lang="en-US" smtClean="0"/>
-              <a:t>Third level</a:t>
-            </a:r>
-          </a:p>
-          <a:p>
-            <a:pPr lvl="3"/>
-            <a:r>
-              <a:rPr lang="en-US" smtClean="0"/>
-              <a:t>Fourth level</a:t>
-            </a:r>
-          </a:p>
-          <a:p>
-            <a:pPr lvl="4"/>
-            <a:r>
-              <a:rPr lang="en-US" smtClean="0"/>
-              <a:t>Fifth level</a:t>
-            </a:r>
-            <a:endParaRPr lang="en-US"/>
-          </a:p>
-        </p:txBody>
-      </p:sp>
-      <p:sp>
-        <p:nvSpPr>
-          <p:cNvPr id="4" name="Content Placeholder 3"/>
-          <p:cNvSpPr>
-            <a:spLocks noGrp="1"/>
-          </p:cNvSpPr>
-          <p:nvPr>
-            <p:ph sz="half" idx="2"/>
-          </p:nvPr>
-        </p:nvSpPr>
-        <p:spPr>
-          <a:xfrm>
-            <a:off x="4648200" y="1600200"/>
-            <a:ext cx="4038600" cy="4525963"/>
-          </a:xfrm>
-        </p:spPr>
-        <p:txBody>
-          <a:bodyPr/>
-          <a:lstStyle>
-            <a:lvl1pPr>
-              <a:defRPr sz="2800"/>
-            </a:lvl1pPr>
-            <a:lvl2pPr>
-              <a:defRPr sz="2400"/>
-            </a:lvl2pPr>
-            <a:lvl3pPr>
-              <a:defRPr sz="2000"/>
-            </a:lvl3pPr>
-            <a:lvl4pPr>
-              <a:defRPr sz="1800"/>
-            </a:lvl4pPr>
-            <a:lvl5pPr>
-              <a:defRPr sz="1800"/>
-            </a:lvl5pPr>
-            <a:lvl6pPr>
-              <a:defRPr sz="1800"/>
-            </a:lvl6pPr>
-            <a:lvl7pPr>
-              <a:defRPr sz="1800"/>
-            </a:lvl7pPr>
-            <a:lvl8pPr>
-              <a:defRPr sz="1800"/>
-            </a:lvl8pPr>
-            <a:lvl9pPr>
-              <a:defRPr sz="1800"/>
-            </a:lvl9pPr>
-          </a:lstStyle>
-          <a:p>
-            <a:pPr lvl="0"/>
-            <a:r>
-              <a:rPr lang="en-US" smtClean="0"/>
-              <a:t>Click to edit Master text styles</a:t>
-            </a:r>
-          </a:p>
-          <a:p>
-            <a:pPr lvl="1"/>
-            <a:r>
-              <a:rPr lang="en-US" smtClean="0"/>
-              <a:t>Second level</a:t>
-            </a:r>
-          </a:p>
-          <a:p>
-            <a:pPr lvl="2"/>
-            <a:r>
-              <a:rPr lang="en-US" smtClean="0"/>
-              <a:t>Third level</a:t>
-            </a:r>
-          </a:p>
-          <a:p>
-            <a:pPr lvl="3"/>
-            <a:r>
-              <a:rPr lang="en-US" smtClean="0"/>
-              <a:t>Fourth level</a:t>
-            </a:r>
-          </a:p>
-          <a:p>
-            <a:pPr lvl="4"/>
-            <a:r>
-              <a:rPr lang="en-US" smtClean="0"/>
-              <a:t>Fifth level</a:t>
-            </a:r>
-            <a:endParaRPr lang="en-US"/>
-          </a:p>
-        </p:txBody>
-      </p:sp>
-      <p:sp>
-        <p:nvSpPr>
-          <p:cNvPr id="5" name="Date Placeholder 4"/>
-          <p:cNvSpPr>
-            <a:spLocks noGrp="1"/>
-          </p:cNvSpPr>
-          <p:nvPr>
-            <p:ph type="dt" sz="half" idx="10"/>
-          </p:nvPr>
-        </p:nvSpPr>
-        <p:spPr/>
-        <p:txBody>
-          <a:bodyPr/>
-          <a:lstStyle/>
-          <a:p>
-            <a:fld id="{074442F3-905A-4A7F-B9B5-4C41ECF1CCEC}" type="datetimeFigureOut">
-              <a:rPr lang="en-US" smtClean="0"/>
-              <a:t>2/16/2021</a:t>
-            </a:fld>
-            <a:endParaRPr lang="en-US"/>
-          </a:p>
-        </p:txBody>
-      </p:sp>
-      <p:sp>
-        <p:nvSpPr>
-          <p:cNvPr id="6" name="Footer Placeholder 5"/>
-          <p:cNvSpPr>
-            <a:spLocks noGrp="1"/>
-          </p:cNvSpPr>
-          <p:nvPr>
-            <p:ph type="ftr" sz="quarter" idx="11"/>
-          </p:nvPr>
-        </p:nvSpPr>
-        <p:spPr/>
-        <p:txBody>
-          <a:bodyPr/>
-          <a:lstStyle/>
-          <a:p>
-            <a:endParaRPr lang="en-US"/>
-          </a:p>
-        </p:txBody>
-      </p:sp>
-      <p:sp>
-        <p:nvSpPr>
-          <p:cNvPr id="7" name="Slide Number Placeholder 6"/>
-          <p:cNvSpPr>
-            <a:spLocks noGrp="1"/>
-          </p:cNvSpPr>
-          <p:nvPr>
-            <p:ph type="sldNum" sz="quarter" idx="12"/>
-          </p:nvPr>
-        </p:nvSpPr>
-        <p:spPr/>
-        <p:txBody>
-          <a:bodyPr/>
-          <a:lstStyle/>
-          <a:p>
-            <a:fld id="{9AAF7C5A-6748-4694-9B84-2C76EAF7D27D}" type="slidenum">
-              <a:rPr lang="en-US" smtClean="0"/>
-              <a:t>‹#›</a:t>
-            </a:fld>
-            <a:endParaRPr lang="en-US"/>
-          </a:p>
-        </p:txBody>
-      </p:sp>
-    </p:spTree>
-    <p:extLst>
-      <p:ext uri="{BB962C8B-B14F-4D97-AF65-F5344CB8AC3E}">
-        <p14:creationId xmlns:p14="http://schemas.microsoft.com/office/powerpoint/2010/main" val="3216085855"/>
-      </p:ext>
-    </p:extLst>
-  </p:cSld>
-  <p:clrMapOvr>
-    <a:masterClrMapping/>
-  </p:clrMapOvr>
-</p:sldLayout>
-</file>
-
-<file path=ppt/slideLayouts/slideLayout5.xml><?xml version="1.0" encoding="utf-8"?>
-<p:sldLayout xmlns:a="http://schemas.openxmlformats.org/drawingml/2006/main" xmlns:r="http://schemas.openxmlformats.org/officeDocument/2006/relationships" xmlns:p="http://schemas.openxmlformats.org/presentationml/2006/main" type="twoTxTwoObj" preserve="1">
-  <p:cSld name="Comparison">
-    <p:spTree>
-      <p:nvGrpSpPr>
-        <p:cNvPr id="1" name=""/>
-        <p:cNvGrpSpPr/>
-        <p:nvPr/>
-      </p:nvGrpSpPr>
-      <p:grpSpPr>
-        <a:xfrm>
-          <a:off x="0" y="0"/>
-          <a:ext cx="0" cy="0"/>
-          <a:chOff x="0" y="0"/>
-          <a:chExt cx="0" cy="0"/>
-        </a:xfrm>
-      </p:grpSpPr>
-      <p:sp>
-        <p:nvSpPr>
-          <p:cNvPr id="2" name="Title 1"/>
-          <p:cNvSpPr>
-            <a:spLocks noGrp="1"/>
-          </p:cNvSpPr>
-          <p:nvPr>
-            <p:ph type="title"/>
-          </p:nvPr>
-        </p:nvSpPr>
-        <p:spPr/>
-        <p:txBody>
-          <a:bodyPr/>
+          <a:bodyPr anchor="ctr"/>
           <a:lstStyle>
             <a:lvl1pPr>
               <a:defRPr/>
             </a:lvl1pPr>
+            <a:extLst/>
           </a:lstStyle>
           <a:p>
             <a:r>
-              <a:rPr lang="en-US" smtClean="0"/>
+              <a:rPr kumimoji="0" lang="en-US" smtClean="0"/>
               <a:t>Click to edit Master title style</a:t>
             </a:r>
-            <a:endParaRPr lang="en-US"/>
+            <a:endParaRPr kumimoji="0" lang="en-US"/>
           </a:p>
         </p:txBody>
       </p:sp>
@@ -6799,54 +7420,52 @@
         </p:nvSpPr>
         <p:spPr>
           <a:xfrm>
-            <a:off x="457200" y="1535113"/>
-            <a:ext cx="4040188" cy="639762"/>
+            <a:off x="457200" y="5410200"/>
+            <a:ext cx="4040188" cy="762000"/>
           </a:xfrm>
+          <a:solidFill>
+            <a:schemeClr val="accent1"/>
+          </a:solidFill>
+          <a:ln w="9652">
+            <a:solidFill>
+              <a:schemeClr val="accent1"/>
+            </a:solidFill>
+            <a:miter lim="800000"/>
+          </a:ln>
         </p:spPr>
         <p:txBody>
-          <a:bodyPr anchor="b"/>
+          <a:bodyPr lIns="182880" anchor="ctr"/>
           <a:lstStyle>
             <a:lvl1pPr marL="0" indent="0">
               <a:buNone/>
-              <a:defRPr sz="2400" b="1"/>
+              <a:defRPr sz="2400" b="0">
+                <a:solidFill>
+                  <a:schemeClr val="bg1"/>
+                </a:solidFill>
+              </a:defRPr>
             </a:lvl1pPr>
-            <a:lvl2pPr marL="457200" indent="0">
+            <a:lvl2pPr>
               <a:buNone/>
               <a:defRPr sz="2000" b="1"/>
             </a:lvl2pPr>
-            <a:lvl3pPr marL="914400" indent="0">
+            <a:lvl3pPr>
               <a:buNone/>
               <a:defRPr sz="1800" b="1"/>
             </a:lvl3pPr>
-            <a:lvl4pPr marL="1371600" indent="0">
+            <a:lvl4pPr>
               <a:buNone/>
               <a:defRPr sz="1600" b="1"/>
             </a:lvl4pPr>
-            <a:lvl5pPr marL="1828800" indent="0">
+            <a:lvl5pPr>
               <a:buNone/>
               <a:defRPr sz="1600" b="1"/>
             </a:lvl5pPr>
-            <a:lvl6pPr marL="2286000" indent="0">
-              <a:buNone/>
-              <a:defRPr sz="1600" b="1"/>
-            </a:lvl6pPr>
-            <a:lvl7pPr marL="2743200" indent="0">
-              <a:buNone/>
-              <a:defRPr sz="1600" b="1"/>
-            </a:lvl7pPr>
-            <a:lvl8pPr marL="3200400" indent="0">
-              <a:buNone/>
-              <a:defRPr sz="1600" b="1"/>
-            </a:lvl8pPr>
-            <a:lvl9pPr marL="3657600" indent="0">
-              <a:buNone/>
-              <a:defRPr sz="1600" b="1"/>
-            </a:lvl9pPr>
+            <a:extLst/>
           </a:lstStyle>
           <a:p>
-            <a:pPr lvl="0"/>
-            <a:r>
-              <a:rPr lang="en-US" smtClean="0"/>
+            <a:pPr lvl="0" eaLnBrk="1" latinLnBrk="0" hangingPunct="1"/>
+            <a:r>
+              <a:rPr kumimoji="0" lang="en-US" smtClean="0"/>
               <a:t>Click to edit Master text styles</a:t>
             </a:r>
           </a:p>
@@ -6854,19 +7473,87 @@
       </p:sp>
       <p:sp>
         <p:nvSpPr>
-          <p:cNvPr id="4" name="Content Placeholder 3"/>
+          <p:cNvPr id="4" name="Text Placeholder 3"/>
           <p:cNvSpPr>
             <a:spLocks noGrp="1"/>
           </p:cNvSpPr>
           <p:nvPr>
-            <p:ph sz="half" idx="2"/>
+            <p:ph type="body" sz="half" idx="3"/>
           </p:nvPr>
         </p:nvSpPr>
         <p:spPr>
           <a:xfrm>
-            <a:off x="457200" y="2174875"/>
-            <a:ext cx="4040188" cy="3951288"/>
+            <a:off x="4645026" y="5410200"/>
+            <a:ext cx="4041775" cy="762000"/>
           </a:xfrm>
+          <a:solidFill>
+            <a:schemeClr val="accent1"/>
+          </a:solidFill>
+          <a:ln w="9652">
+            <a:solidFill>
+              <a:schemeClr val="accent1"/>
+            </a:solidFill>
+            <a:miter lim="800000"/>
+          </a:ln>
+        </p:spPr>
+        <p:txBody>
+          <a:bodyPr lIns="182880" anchor="ctr"/>
+          <a:lstStyle>
+            <a:lvl1pPr marL="0" indent="0">
+              <a:buNone/>
+              <a:defRPr sz="2400" b="0">
+                <a:solidFill>
+                  <a:schemeClr val="bg1"/>
+                </a:solidFill>
+              </a:defRPr>
+            </a:lvl1pPr>
+            <a:lvl2pPr>
+              <a:buNone/>
+              <a:defRPr sz="2000" b="1"/>
+            </a:lvl2pPr>
+            <a:lvl3pPr>
+              <a:buNone/>
+              <a:defRPr sz="1800" b="1"/>
+            </a:lvl3pPr>
+            <a:lvl4pPr>
+              <a:buNone/>
+              <a:defRPr sz="1600" b="1"/>
+            </a:lvl4pPr>
+            <a:lvl5pPr>
+              <a:buNone/>
+              <a:defRPr sz="1600" b="1"/>
+            </a:lvl5pPr>
+            <a:extLst/>
+          </a:lstStyle>
+          <a:p>
+            <a:pPr lvl="0" eaLnBrk="1" latinLnBrk="0" hangingPunct="1"/>
+            <a:r>
+              <a:rPr kumimoji="0" lang="en-US" smtClean="0"/>
+              <a:t>Click to edit Master text styles</a:t>
+            </a:r>
+          </a:p>
+        </p:txBody>
+      </p:sp>
+      <p:sp>
+        <p:nvSpPr>
+          <p:cNvPr id="5" name="Content Placeholder 4"/>
+          <p:cNvSpPr>
+            <a:spLocks noGrp="1"/>
+          </p:cNvSpPr>
+          <p:nvPr>
+            <p:ph sz="quarter" idx="2"/>
+          </p:nvPr>
+        </p:nvSpPr>
+        <p:spPr>
+          <a:xfrm>
+            <a:off x="457200" y="1444294"/>
+            <a:ext cx="4040188" cy="3941763"/>
+          </a:xfrm>
+          <a:ln>
+            <a:noFill/>
+            <a:prstDash val="sysDash"/>
+            <a:miter lim="800000"/>
+          </a:ln>
         </p:spPr>
         <p:txBody>
           <a:bodyPr/>
@@ -6886,119 +7573,43 @@
             <a:lvl5pPr>
               <a:defRPr sz="1600"/>
             </a:lvl5pPr>
-            <a:lvl6pPr>
-              <a:defRPr sz="1600"/>
-            </a:lvl6pPr>
-            <a:lvl7pPr>
-              <a:defRPr sz="1600"/>
-            </a:lvl7pPr>
-            <a:lvl8pPr>
-              <a:defRPr sz="1600"/>
-            </a:lvl8pPr>
-            <a:lvl9pPr>
-              <a:defRPr sz="1600"/>
-            </a:lvl9pPr>
+            <a:extLst/>
           </a:lstStyle>
           <a:p>
-            <a:pPr lvl="0"/>
+            <a:pPr lvl="0" eaLnBrk="1" latinLnBrk="0" hangingPunct="1"/>
             <a:r>
               <a:rPr lang="en-US" smtClean="0"/>
               <a:t>Click to edit Master text styles</a:t>
             </a:r>
           </a:p>
           <a:p>
-            <a:pPr lvl="1"/>
+            <a:pPr lvl="1" eaLnBrk="1" latinLnBrk="0" hangingPunct="1"/>
             <a:r>
               <a:rPr lang="en-US" smtClean="0"/>
               <a:t>Second level</a:t>
             </a:r>
           </a:p>
           <a:p>
-            <a:pPr lvl="2"/>
+            <a:pPr lvl="2" eaLnBrk="1" latinLnBrk="0" hangingPunct="1"/>
             <a:r>
               <a:rPr lang="en-US" smtClean="0"/>
               <a:t>Third level</a:t>
             </a:r>
           </a:p>
           <a:p>
-            <a:pPr lvl="3"/>
+            <a:pPr lvl="3" eaLnBrk="1" latinLnBrk="0" hangingPunct="1"/>
             <a:r>
               <a:rPr lang="en-US" smtClean="0"/>
               <a:t>Fourth level</a:t>
             </a:r>
           </a:p>
           <a:p>
-            <a:pPr lvl="4"/>
+            <a:pPr lvl="4" eaLnBrk="1" latinLnBrk="0" hangingPunct="1"/>
             <a:r>
               <a:rPr lang="en-US" smtClean="0"/>
               <a:t>Fifth level</a:t>
             </a:r>
-            <a:endParaRPr lang="en-US"/>
-          </a:p>
-        </p:txBody>
-      </p:sp>
-      <p:sp>
-        <p:nvSpPr>
-          <p:cNvPr id="5" name="Text Placeholder 4"/>
-          <p:cNvSpPr>
-            <a:spLocks noGrp="1"/>
-          </p:cNvSpPr>
-          <p:nvPr>
-            <p:ph type="body" sz="quarter" idx="3"/>
-          </p:nvPr>
-        </p:nvSpPr>
-        <p:spPr>
-          <a:xfrm>
-            <a:off x="4645025" y="1535113"/>
-            <a:ext cx="4041775" cy="639762"/>
-          </a:xfrm>
-        </p:spPr>
-        <p:txBody>
-          <a:bodyPr anchor="b"/>
-          <a:lstStyle>
-            <a:lvl1pPr marL="0" indent="0">
-              <a:buNone/>
-              <a:defRPr sz="2400" b="1"/>
-            </a:lvl1pPr>
-            <a:lvl2pPr marL="457200" indent="0">
-              <a:buNone/>
-              <a:defRPr sz="2000" b="1"/>
-            </a:lvl2pPr>
-            <a:lvl3pPr marL="914400" indent="0">
-              <a:buNone/>
-              <a:defRPr sz="1800" b="1"/>
-            </a:lvl3pPr>
-            <a:lvl4pPr marL="1371600" indent="0">
-              <a:buNone/>
-              <a:defRPr sz="1600" b="1"/>
-            </a:lvl4pPr>
-            <a:lvl5pPr marL="1828800" indent="0">
-              <a:buNone/>
-              <a:defRPr sz="1600" b="1"/>
-            </a:lvl5pPr>
-            <a:lvl6pPr marL="2286000" indent="0">
-              <a:buNone/>
-              <a:defRPr sz="1600" b="1"/>
-            </a:lvl6pPr>
-            <a:lvl7pPr marL="2743200" indent="0">
-              <a:buNone/>
-              <a:defRPr sz="1600" b="1"/>
-            </a:lvl7pPr>
-            <a:lvl8pPr marL="3200400" indent="0">
-              <a:buNone/>
-              <a:defRPr sz="1600" b="1"/>
-            </a:lvl8pPr>
-            <a:lvl9pPr marL="3657600" indent="0">
-              <a:buNone/>
-              <a:defRPr sz="1600" b="1"/>
-            </a:lvl9pPr>
-          </a:lstStyle>
-          <a:p>
-            <a:pPr lvl="0"/>
-            <a:r>
-              <a:rPr lang="en-US" smtClean="0"/>
-              <a:t>Click to edit Master text styles</a:t>
-            </a:r>
+            <a:endParaRPr kumimoji="0" lang="en-US"/>
           </a:p>
         </p:txBody>
       </p:sp>
@@ -7014,14 +7625,22 @@
         </p:nvSpPr>
         <p:spPr>
           <a:xfrm>
-            <a:off x="4645025" y="2174875"/>
-            <a:ext cx="4041775" cy="3951288"/>
+            <a:off x="4645025" y="1444294"/>
+            <a:ext cx="4041775" cy="3941763"/>
           </a:xfrm>
+          <a:ln>
+            <a:noFill/>
+            <a:prstDash val="sysDash"/>
+            <a:miter lim="800000"/>
+          </a:ln>
         </p:spPr>
         <p:txBody>
           <a:bodyPr/>
           <a:lstStyle>
             <a:lvl1pPr>
+              <a:spcBef>
+                <a:spcPts val="0"/>
+              </a:spcBef>
               <a:defRPr sz="2400"/>
             </a:lvl1pPr>
             <a:lvl2pPr>
@@ -7036,54 +7655,43 @@
             <a:lvl5pPr>
               <a:defRPr sz="1600"/>
             </a:lvl5pPr>
-            <a:lvl6pPr>
-              <a:defRPr sz="1600"/>
-            </a:lvl6pPr>
-            <a:lvl7pPr>
-              <a:defRPr sz="1600"/>
-            </a:lvl7pPr>
-            <a:lvl8pPr>
-              <a:defRPr sz="1600"/>
-            </a:lvl8pPr>
-            <a:lvl9pPr>
-              <a:defRPr sz="1600"/>
-            </a:lvl9pPr>
+            <a:extLst/>
           </a:lstStyle>
           <a:p>
-            <a:pPr lvl="0"/>
+            <a:pPr lvl="0" eaLnBrk="1" latinLnBrk="0" hangingPunct="1"/>
             <a:r>
               <a:rPr lang="en-US" smtClean="0"/>
               <a:t>Click to edit Master text styles</a:t>
             </a:r>
           </a:p>
           <a:p>
-            <a:pPr lvl="1"/>
+            <a:pPr lvl="1" eaLnBrk="1" latinLnBrk="0" hangingPunct="1"/>
             <a:r>
               <a:rPr lang="en-US" smtClean="0"/>
               <a:t>Second level</a:t>
             </a:r>
           </a:p>
           <a:p>
-            <a:pPr lvl="2"/>
+            <a:pPr lvl="2" eaLnBrk="1" latinLnBrk="0" hangingPunct="1"/>
             <a:r>
               <a:rPr lang="en-US" smtClean="0"/>
               <a:t>Third level</a:t>
             </a:r>
           </a:p>
           <a:p>
-            <a:pPr lvl="3"/>
+            <a:pPr lvl="3" eaLnBrk="1" latinLnBrk="0" hangingPunct="1"/>
             <a:r>
               <a:rPr lang="en-US" smtClean="0"/>
               <a:t>Fourth level</a:t>
             </a:r>
           </a:p>
           <a:p>
-            <a:pPr lvl="4"/>
+            <a:pPr lvl="4" eaLnBrk="1" latinLnBrk="0" hangingPunct="1"/>
             <a:r>
               <a:rPr lang="en-US" smtClean="0"/>
               <a:t>Fifth level</a:t>
             </a:r>
-            <a:endParaRPr lang="en-US"/>
+            <a:endParaRPr kumimoji="0" lang="en-US"/>
           </a:p>
         </p:txBody>
       </p:sp>
@@ -7100,7 +7708,9 @@
         <p:spPr/>
         <p:txBody>
           <a:bodyPr/>
-          <a:lstStyle/>
+          <a:lstStyle>
+            <a:extLst/>
+          </a:lstStyle>
           <a:p>
             <a:fld id="{074442F3-905A-4A7F-B9B5-4C41ECF1CCEC}" type="datetimeFigureOut">
               <a:rPr lang="en-US" smtClean="0"/>
@@ -7123,7 +7733,9 @@
         <p:spPr/>
         <p:txBody>
           <a:bodyPr/>
-          <a:lstStyle/>
+          <a:lstStyle>
+            <a:extLst/>
+          </a:lstStyle>
           <a:p>
             <a:endParaRPr lang="en-US"/>
           </a:p>
@@ -7142,7 +7754,9 @@
         <p:spPr/>
         <p:txBody>
           <a:bodyPr/>
-          <a:lstStyle/>
+          <a:lstStyle>
+            <a:extLst/>
+          </a:lstStyle>
           <a:p>
             <a:fld id="{9AAF7C5A-6748-4694-9B84-2C76EAF7D27D}" type="slidenum">
               <a:rPr lang="en-US" smtClean="0"/>
@@ -7153,14 +7767,9 @@
         </p:txBody>
       </p:sp>
     </p:spTree>
-    <p:extLst>
-      <p:ext uri="{BB962C8B-B14F-4D97-AF65-F5344CB8AC3E}">
-        <p14:creationId xmlns:p14="http://schemas.microsoft.com/office/powerpoint/2010/main" val="3807203916"/>
-      </p:ext>
-    </p:extLst>
   </p:cSld>
   <p:clrMapOvr>
-    <a:masterClrMapping/>
+    <a:overrideClrMapping bg1="lt1" tx1="dk1" bg2="lt2" tx2="dk2" accent1="accent1" accent2="accent2" accent3="accent3" accent4="accent4" accent5="accent5" accent6="accent6" hlink="hlink" folHlink="folHlink"/>
   </p:clrMapOvr>
 </p:sldLayout>
 </file>
@@ -7168,6 +7777,11 @@
 <file path=ppt/slideLayouts/slideLayout6.xml><?xml version="1.0" encoding="utf-8"?>
 <p:sldLayout xmlns:a="http://schemas.openxmlformats.org/drawingml/2006/main" xmlns:r="http://schemas.openxmlformats.org/officeDocument/2006/relationships" xmlns:p="http://schemas.openxmlformats.org/presentationml/2006/main" type="titleOnly" preserve="1">
   <p:cSld name="Title Only">
+    <p:bg>
+      <p:bgRef idx="1002">
+        <a:schemeClr val="bg1"/>
+      </p:bgRef>
+    </p:bg>
     <p:spTree>
       <p:nvGrpSpPr>
         <p:cNvPr id="1" name=""/>
@@ -7184,29 +7798,6 @@
       </p:grpSpPr>
       <p:sp>
         <p:nvSpPr>
-          <p:cNvPr id="2" name="Title 1"/>
-          <p:cNvSpPr>
-            <a:spLocks noGrp="1"/>
-          </p:cNvSpPr>
-          <p:nvPr>
-            <p:ph type="title"/>
-          </p:nvPr>
-        </p:nvSpPr>
-        <p:spPr/>
-        <p:txBody>
-          <a:bodyPr/>
-          <a:lstStyle/>
-          <a:p>
-            <a:r>
-              <a:rPr lang="en-US" smtClean="0"/>
-              <a:t>Click to edit Master title style</a:t>
-            </a:r>
-            <a:endParaRPr lang="en-US"/>
-          </a:p>
-        </p:txBody>
-      </p:sp>
-      <p:sp>
-        <p:nvSpPr>
           <p:cNvPr id="3" name="Date Placeholder 2"/>
           <p:cNvSpPr>
             <a:spLocks noGrp="1"/>
@@ -7218,7 +7809,9 @@
         <p:spPr/>
         <p:txBody>
           <a:bodyPr/>
-          <a:lstStyle/>
+          <a:lstStyle>
+            <a:extLst/>
+          </a:lstStyle>
           <a:p>
             <a:fld id="{074442F3-905A-4A7F-B9B5-4C41ECF1CCEC}" type="datetimeFigureOut">
               <a:rPr lang="en-US" smtClean="0"/>
@@ -7241,7 +7834,9 @@
         <p:spPr/>
         <p:txBody>
           <a:bodyPr/>
-          <a:lstStyle/>
+          <a:lstStyle>
+            <a:extLst/>
+          </a:lstStyle>
           <a:p>
             <a:endParaRPr lang="en-US"/>
           </a:p>
@@ -7260,7 +7855,9 @@
         <p:spPr/>
         <p:txBody>
           <a:bodyPr/>
-          <a:lstStyle/>
+          <a:lstStyle>
+            <a:extLst/>
+          </a:lstStyle>
           <a:p>
             <a:fld id="{9AAF7C5A-6748-4694-9B84-2C76EAF7D27D}" type="slidenum">
               <a:rPr lang="en-US" smtClean="0"/>
@@ -7270,15 +7867,35 @@
           </a:p>
         </p:txBody>
       </p:sp>
+      <p:sp>
+        <p:nvSpPr>
+          <p:cNvPr id="6" name="Title 5"/>
+          <p:cNvSpPr>
+            <a:spLocks noGrp="1"/>
+          </p:cNvSpPr>
+          <p:nvPr>
+            <p:ph type="title"/>
+          </p:nvPr>
+        </p:nvSpPr>
+        <p:spPr/>
+        <p:txBody>
+          <a:bodyPr rtlCol="0"/>
+          <a:lstStyle>
+            <a:extLst/>
+          </a:lstStyle>
+          <a:p>
+            <a:r>
+              <a:rPr kumimoji="0" lang="en-US" smtClean="0"/>
+              <a:t>Click to edit Master title style</a:t>
+            </a:r>
+            <a:endParaRPr kumimoji="0" lang="en-US"/>
+          </a:p>
+        </p:txBody>
+      </p:sp>
     </p:spTree>
-    <p:extLst>
-      <p:ext uri="{BB962C8B-B14F-4D97-AF65-F5344CB8AC3E}">
-        <p14:creationId xmlns:p14="http://schemas.microsoft.com/office/powerpoint/2010/main" val="3197768057"/>
-      </p:ext>
-    </p:extLst>
   </p:cSld>
   <p:clrMapOvr>
-    <a:masterClrMapping/>
+    <a:overrideClrMapping bg1="dk1" tx1="lt1" bg2="dk2" tx2="lt2" accent1="accent1" accent2="accent2" accent3="accent3" accent4="accent4" accent5="accent5" accent6="accent6" hlink="hlink" folHlink="folHlink"/>
   </p:clrMapOvr>
 </p:sldLayout>
 </file>
@@ -7313,7 +7930,9 @@
         <p:spPr/>
         <p:txBody>
           <a:bodyPr/>
-          <a:lstStyle/>
+          <a:lstStyle>
+            <a:extLst/>
+          </a:lstStyle>
           <a:p>
             <a:fld id="{074442F3-905A-4A7F-B9B5-4C41ECF1CCEC}" type="datetimeFigureOut">
               <a:rPr lang="en-US" smtClean="0"/>
@@ -7336,7 +7955,9 @@
         <p:spPr/>
         <p:txBody>
           <a:bodyPr/>
-          <a:lstStyle/>
+          <a:lstStyle>
+            <a:extLst/>
+          </a:lstStyle>
           <a:p>
             <a:endParaRPr lang="en-US"/>
           </a:p>
@@ -7355,7 +7976,9 @@
         <p:spPr/>
         <p:txBody>
           <a:bodyPr/>
-          <a:lstStyle/>
+          <a:lstStyle>
+            <a:extLst/>
+          </a:lstStyle>
           <a:p>
             <a:fld id="{9AAF7C5A-6748-4694-9B84-2C76EAF7D27D}" type="slidenum">
               <a:rPr lang="en-US" smtClean="0"/>
@@ -7366,11 +7989,6 @@
         </p:txBody>
       </p:sp>
     </p:spTree>
-    <p:extLst>
-      <p:ext uri="{BB962C8B-B14F-4D97-AF65-F5344CB8AC3E}">
-        <p14:creationId xmlns:p14="http://schemas.microsoft.com/office/powerpoint/2010/main" val="2231140262"/>
-      </p:ext>
-    </p:extLst>
   </p:cSld>
   <p:clrMapOvr>
     <a:masterClrMapping/>
@@ -7379,8 +7997,13 @@
 </file>
 
 <file path=ppt/slideLayouts/slideLayout8.xml><?xml version="1.0" encoding="utf-8"?>
-<p:sldLayout xmlns:a="http://schemas.openxmlformats.org/drawingml/2006/main" xmlns:r="http://schemas.openxmlformats.org/officeDocument/2006/relationships" xmlns:p="http://schemas.openxmlformats.org/presentationml/2006/main" type="objTx" preserve="1">
+<p:sldLayout xmlns:a="http://schemas.openxmlformats.org/drawingml/2006/main" xmlns:r="http://schemas.openxmlformats.org/officeDocument/2006/relationships" xmlns:p="http://schemas.openxmlformats.org/presentationml/2006/main" showMasterSp="0" type="objTx" preserve="1">
   <p:cSld name="Content with Caption">
+    <p:bg>
+      <p:bgRef idx="1003">
+        <a:schemeClr val="bg1"/>
+      </p:bgRef>
+    </p:bg>
     <p:spTree>
       <p:nvGrpSpPr>
         <p:cNvPr id="1" name=""/>
@@ -7407,40 +8030,102 @@
         </p:nvSpPr>
         <p:spPr>
           <a:xfrm>
-            <a:off x="457200" y="273050"/>
-            <a:ext cx="3008313" cy="1162050"/>
+            <a:off x="914400" y="4876800"/>
+            <a:ext cx="7481776" cy="457200"/>
           </a:xfrm>
         </p:spPr>
         <p:txBody>
-          <a:bodyPr anchor="b"/>
+          <a:bodyPr vert="horz" anchor="t">
+            <a:noAutofit/>
+            <a:sp3d prstMaterial="softEdge">
+              <a:bevelT w="0" h="0"/>
+            </a:sp3d>
+          </a:bodyPr>
           <a:lstStyle>
-            <a:lvl1pPr algn="l">
-              <a:defRPr sz="2000" b="1"/>
+            <a:lvl1pPr algn="r">
+              <a:buNone/>
+              <a:defRPr sz="2500" b="0">
+                <a:solidFill>
+                  <a:schemeClr val="accent1"/>
+                </a:solidFill>
+                <a:effectLst/>
+              </a:defRPr>
             </a:lvl1pPr>
+            <a:extLst/>
           </a:lstStyle>
           <a:p>
             <a:r>
-              <a:rPr lang="en-US" smtClean="0"/>
+              <a:rPr kumimoji="0" lang="en-US" smtClean="0"/>
               <a:t>Click to edit Master title style</a:t>
             </a:r>
-            <a:endParaRPr lang="en-US"/>
+            <a:endParaRPr kumimoji="0" lang="en-US"/>
           </a:p>
         </p:txBody>
       </p:sp>
       <p:sp>
         <p:nvSpPr>
-          <p:cNvPr id="3" name="Content Placeholder 2"/>
+          <p:cNvPr id="3" name="Text Placeholder 2"/>
           <p:cNvSpPr>
             <a:spLocks noGrp="1"/>
           </p:cNvSpPr>
           <p:nvPr>
-            <p:ph idx="1"/>
+            <p:ph type="body" idx="2"/>
           </p:nvPr>
         </p:nvSpPr>
         <p:spPr>
           <a:xfrm>
-            <a:off x="3575050" y="273050"/>
-            <a:ext cx="5111750" cy="5853113"/>
+            <a:off x="4419600" y="5355102"/>
+            <a:ext cx="3974592" cy="914400"/>
+          </a:xfrm>
+        </p:spPr>
+        <p:txBody>
+          <a:bodyPr/>
+          <a:lstStyle>
+            <a:lvl1pPr marL="0" indent="0" algn="r">
+              <a:buNone/>
+              <a:defRPr sz="1600"/>
+            </a:lvl1pPr>
+            <a:lvl2pPr>
+              <a:buNone/>
+              <a:defRPr sz="1200"/>
+            </a:lvl2pPr>
+            <a:lvl3pPr>
+              <a:buNone/>
+              <a:defRPr sz="1000"/>
+            </a:lvl3pPr>
+            <a:lvl4pPr>
+              <a:buNone/>
+              <a:defRPr sz="900"/>
+            </a:lvl4pPr>
+            <a:lvl5pPr>
+              <a:buNone/>
+              <a:defRPr sz="900"/>
+            </a:lvl5pPr>
+            <a:extLst/>
+          </a:lstStyle>
+          <a:p>
+            <a:pPr lvl="0" eaLnBrk="1" latinLnBrk="0" hangingPunct="1"/>
+            <a:r>
+              <a:rPr kumimoji="0" lang="en-US" smtClean="0"/>
+              <a:t>Click to edit Master text styles</a:t>
+            </a:r>
+          </a:p>
+        </p:txBody>
+      </p:sp>
+      <p:sp>
+        <p:nvSpPr>
+          <p:cNvPr id="4" name="Content Placeholder 3"/>
+          <p:cNvSpPr>
+            <a:spLocks noGrp="1"/>
+          </p:cNvSpPr>
+          <p:nvPr>
+            <p:ph sz="half" idx="1"/>
+          </p:nvPr>
+        </p:nvSpPr>
+        <p:spPr>
+          <a:xfrm>
+            <a:off x="914400" y="274320"/>
+            <a:ext cx="7479792" cy="4572000"/>
           </a:xfrm>
         </p:spPr>
         <p:txBody>
@@ -7461,119 +8146,43 @@
             <a:lvl5pPr>
               <a:defRPr sz="2000"/>
             </a:lvl5pPr>
-            <a:lvl6pPr>
-              <a:defRPr sz="2000"/>
-            </a:lvl6pPr>
-            <a:lvl7pPr>
-              <a:defRPr sz="2000"/>
-            </a:lvl7pPr>
-            <a:lvl8pPr>
-              <a:defRPr sz="2000"/>
-            </a:lvl8pPr>
-            <a:lvl9pPr>
-              <a:defRPr sz="2000"/>
-            </a:lvl9pPr>
+            <a:extLst/>
           </a:lstStyle>
           <a:p>
-            <a:pPr lvl="0"/>
+            <a:pPr lvl="0" eaLnBrk="1" latinLnBrk="0" hangingPunct="1"/>
             <a:r>
               <a:rPr lang="en-US" smtClean="0"/>
               <a:t>Click to edit Master text styles</a:t>
             </a:r>
           </a:p>
           <a:p>
-            <a:pPr lvl="1"/>
+            <a:pPr lvl="1" eaLnBrk="1" latinLnBrk="0" hangingPunct="1"/>
             <a:r>
               <a:rPr lang="en-US" smtClean="0"/>
               <a:t>Second level</a:t>
             </a:r>
           </a:p>
           <a:p>
-            <a:pPr lvl="2"/>
+            <a:pPr lvl="2" eaLnBrk="1" latinLnBrk="0" hangingPunct="1"/>
             <a:r>
               <a:rPr lang="en-US" smtClean="0"/>
               <a:t>Third level</a:t>
             </a:r>
           </a:p>
           <a:p>
-            <a:pPr lvl="3"/>
+            <a:pPr lvl="3" eaLnBrk="1" latinLnBrk="0" hangingPunct="1"/>
             <a:r>
               <a:rPr lang="en-US" smtClean="0"/>
               <a:t>Fourth level</a:t>
             </a:r>
           </a:p>
           <a:p>
-            <a:pPr lvl="4"/>
+            <a:pPr lvl="4" eaLnBrk="1" latinLnBrk="0" hangingPunct="1"/>
             <a:r>
               <a:rPr lang="en-US" smtClean="0"/>
               <a:t>Fifth level</a:t>
             </a:r>
-            <a:endParaRPr lang="en-US"/>
-          </a:p>
-        </p:txBody>
-      </p:sp>
-      <p:sp>
-        <p:nvSpPr>
-          <p:cNvPr id="4" name="Text Placeholder 3"/>
-          <p:cNvSpPr>
-            <a:spLocks noGrp="1"/>
-          </p:cNvSpPr>
-          <p:nvPr>
-            <p:ph type="body" sz="half" idx="2"/>
-          </p:nvPr>
-        </p:nvSpPr>
-        <p:spPr>
-          <a:xfrm>
-            <a:off x="457200" y="1435100"/>
-            <a:ext cx="3008313" cy="4691063"/>
-          </a:xfrm>
-        </p:spPr>
-        <p:txBody>
-          <a:bodyPr/>
-          <a:lstStyle>
-            <a:lvl1pPr marL="0" indent="0">
-              <a:buNone/>
-              <a:defRPr sz="1400"/>
-            </a:lvl1pPr>
-            <a:lvl2pPr marL="457200" indent="0">
-              <a:buNone/>
-              <a:defRPr sz="1200"/>
-            </a:lvl2pPr>
-            <a:lvl3pPr marL="914400" indent="0">
-              <a:buNone/>
-              <a:defRPr sz="1000"/>
-            </a:lvl3pPr>
-            <a:lvl4pPr marL="1371600" indent="0">
-              <a:buNone/>
-              <a:defRPr sz="900"/>
-            </a:lvl4pPr>
-            <a:lvl5pPr marL="1828800" indent="0">
-              <a:buNone/>
-              <a:defRPr sz="900"/>
-            </a:lvl5pPr>
-            <a:lvl6pPr marL="2286000" indent="0">
-              <a:buNone/>
-              <a:defRPr sz="900"/>
-            </a:lvl6pPr>
-            <a:lvl7pPr marL="2743200" indent="0">
-              <a:buNone/>
-              <a:defRPr sz="900"/>
-            </a:lvl7pPr>
-            <a:lvl8pPr marL="3200400" indent="0">
-              <a:buNone/>
-              <a:defRPr sz="900"/>
-            </a:lvl8pPr>
-            <a:lvl9pPr marL="3657600" indent="0">
-              <a:buNone/>
-              <a:defRPr sz="900"/>
-            </a:lvl9pPr>
-          </a:lstStyle>
-          <a:p>
-            <a:pPr lvl="0"/>
-            <a:r>
-              <a:rPr lang="en-US" smtClean="0"/>
-              <a:t>Click to edit Master text styles</a:t>
-            </a:r>
+            <a:endParaRPr kumimoji="0" lang="en-US"/>
           </a:p>
         </p:txBody>
       </p:sp>
@@ -7587,10 +8196,17 @@
             <p:ph type="dt" sz="half" idx="10"/>
           </p:nvPr>
         </p:nvSpPr>
-        <p:spPr/>
+        <p:spPr>
+          <a:xfrm>
+            <a:off x="6727032" y="6407944"/>
+            <a:ext cx="1920240" cy="365760"/>
+          </a:xfrm>
+        </p:spPr>
         <p:txBody>
           <a:bodyPr/>
-          <a:lstStyle/>
+          <a:lstStyle>
+            <a:extLst/>
+          </a:lstStyle>
           <a:p>
             <a:fld id="{074442F3-905A-4A7F-B9B5-4C41ECF1CCEC}" type="datetimeFigureOut">
               <a:rPr lang="en-US" smtClean="0"/>
@@ -7613,7 +8229,9 @@
         <p:spPr/>
         <p:txBody>
           <a:bodyPr/>
-          <a:lstStyle/>
+          <a:lstStyle>
+            <a:extLst/>
+          </a:lstStyle>
           <a:p>
             <a:endParaRPr lang="en-US"/>
           </a:p>
@@ -7632,7 +8250,9 @@
         <p:spPr/>
         <p:txBody>
           <a:bodyPr/>
-          <a:lstStyle/>
+          <a:lstStyle>
+            <a:extLst/>
+          </a:lstStyle>
           <a:p>
             <a:fld id="{9AAF7C5A-6748-4694-9B84-2C76EAF7D27D}" type="slidenum">
               <a:rPr lang="en-US" smtClean="0"/>
@@ -7643,21 +8263,21 @@
         </p:txBody>
       </p:sp>
     </p:spTree>
-    <p:extLst>
-      <p:ext uri="{BB962C8B-B14F-4D97-AF65-F5344CB8AC3E}">
-        <p14:creationId xmlns:p14="http://schemas.microsoft.com/office/powerpoint/2010/main" val="4028303341"/>
-      </p:ext>
-    </p:extLst>
   </p:cSld>
   <p:clrMapOvr>
-    <a:masterClrMapping/>
+    <a:overrideClrMapping bg1="lt1" tx1="dk1" bg2="lt2" tx2="dk2" accent1="accent1" accent2="accent2" accent3="accent3" accent4="accent4" accent5="accent5" accent6="accent6" hlink="hlink" folHlink="folHlink"/>
   </p:clrMapOvr>
 </p:sldLayout>
 </file>
 
 <file path=ppt/slideLayouts/slideLayout9.xml><?xml version="1.0" encoding="utf-8"?>
-<p:sldLayout xmlns:a="http://schemas.openxmlformats.org/drawingml/2006/main" xmlns:r="http://schemas.openxmlformats.org/officeDocument/2006/relationships" xmlns:p="http://schemas.openxmlformats.org/presentationml/2006/main" type="picTx" preserve="1">
+<p:sldLayout xmlns:a="http://schemas.openxmlformats.org/drawingml/2006/main" xmlns:r="http://schemas.openxmlformats.org/officeDocument/2006/relationships" xmlns:p="http://schemas.openxmlformats.org/presentationml/2006/main" showMasterSp="0" type="picTx" preserve="1">
   <p:cSld name="Picture with Caption">
+    <p:bg>
+      <p:bgRef idx="1002">
+        <a:schemeClr val="bg1"/>
+      </p:bgRef>
+    </p:bg>
     <p:spTree>
       <p:nvGrpSpPr>
         <p:cNvPr id="1" name=""/>
@@ -7674,33 +8294,48 @@
       </p:grpSpPr>
       <p:sp>
         <p:nvSpPr>
-          <p:cNvPr id="2" name="Title 1"/>
+          <p:cNvPr id="4" name="Text Placeholder 3"/>
           <p:cNvSpPr>
             <a:spLocks noGrp="1"/>
           </p:cNvSpPr>
           <p:nvPr>
-            <p:ph type="title"/>
+            <p:ph type="body" sz="half" idx="2"/>
           </p:nvPr>
         </p:nvSpPr>
         <p:spPr>
           <a:xfrm>
-            <a:off x="1792288" y="4800600"/>
-            <a:ext cx="5486400" cy="566738"/>
+            <a:off x="1141232" y="5443402"/>
+            <a:ext cx="7162800" cy="648232"/>
           </a:xfrm>
+          <a:noFill/>
         </p:spPr>
         <p:txBody>
-          <a:bodyPr anchor="b"/>
+          <a:bodyPr lIns="91440" tIns="0" rIns="91440" anchor="t"/>
           <a:lstStyle>
-            <a:lvl1pPr algn="l">
-              <a:defRPr sz="2000" b="1"/>
+            <a:lvl1pPr marL="0" marR="18288" indent="0" algn="r">
+              <a:buNone/>
+              <a:defRPr sz="1400"/>
             </a:lvl1pPr>
+            <a:lvl2pPr>
+              <a:defRPr sz="1200"/>
+            </a:lvl2pPr>
+            <a:lvl3pPr>
+              <a:defRPr sz="1000"/>
+            </a:lvl3pPr>
+            <a:lvl4pPr>
+              <a:defRPr sz="900"/>
+            </a:lvl4pPr>
+            <a:lvl5pPr>
+              <a:defRPr sz="900"/>
+            </a:lvl5pPr>
+            <a:extLst/>
           </a:lstStyle>
           <a:p>
-            <a:r>
-              <a:rPr lang="en-US" smtClean="0"/>
-              <a:t>Click to edit Master title style</a:t>
-            </a:r>
-            <a:endParaRPr lang="en-US"/>
+            <a:pPr lvl="0" eaLnBrk="1" latinLnBrk="0" hangingPunct="1"/>
+            <a:r>
+              <a:rPr kumimoji="0" lang="en-US" smtClean="0"/>
+              <a:t>Click to edit Master text styles</a:t>
+            </a:r>
           </a:p>
         </p:txBody>
       </p:sp>
@@ -7716,9 +8351,25 @@
         </p:nvSpPr>
         <p:spPr>
           <a:xfrm>
-            <a:off x="1792288" y="612775"/>
-            <a:ext cx="5486400" cy="4114800"/>
+            <a:off x="228600" y="189968"/>
+            <a:ext cx="8686800" cy="4389120"/>
           </a:xfrm>
+          <a:prstGeom prst="rect">
+            <a:avLst/>
+          </a:prstGeom>
+          <a:solidFill>
+            <a:schemeClr val="bg2"/>
+          </a:solidFill>
+          <a:ln>
+            <a:solidFill>
+              <a:schemeClr val="bg1"/>
+            </a:solidFill>
+          </a:ln>
+          <a:effectLst>
+            <a:innerShdw blurRad="95250">
+              <a:srgbClr val="000000"/>
+            </a:innerShdw>
+          </a:effectLst>
         </p:spPr>
         <p:txBody>
           <a:bodyPr/>
@@ -7727,106 +8378,14 @@
               <a:buNone/>
               <a:defRPr sz="3200"/>
             </a:lvl1pPr>
-            <a:lvl2pPr marL="457200" indent="0">
-              <a:buNone/>
-              <a:defRPr sz="2800"/>
-            </a:lvl2pPr>
-            <a:lvl3pPr marL="914400" indent="0">
-              <a:buNone/>
-              <a:defRPr sz="2400"/>
-            </a:lvl3pPr>
-            <a:lvl4pPr marL="1371600" indent="0">
-              <a:buNone/>
-              <a:defRPr sz="2000"/>
-            </a:lvl4pPr>
-            <a:lvl5pPr marL="1828800" indent="0">
-              <a:buNone/>
-              <a:defRPr sz="2000"/>
-            </a:lvl5pPr>
-            <a:lvl6pPr marL="2286000" indent="0">
-              <a:buNone/>
-              <a:defRPr sz="2000"/>
-            </a:lvl6pPr>
-            <a:lvl7pPr marL="2743200" indent="0">
-              <a:buNone/>
-              <a:defRPr sz="2000"/>
-            </a:lvl7pPr>
-            <a:lvl8pPr marL="3200400" indent="0">
-              <a:buNone/>
-              <a:defRPr sz="2000"/>
-            </a:lvl8pPr>
-            <a:lvl9pPr marL="3657600" indent="0">
-              <a:buNone/>
-              <a:defRPr sz="2000"/>
-            </a:lvl9pPr>
+            <a:extLst/>
           </a:lstStyle>
           <a:p>
-            <a:endParaRPr lang="en-US"/>
-          </a:p>
-        </p:txBody>
-      </p:sp>
-      <p:sp>
-        <p:nvSpPr>
-          <p:cNvPr id="4" name="Text Placeholder 3"/>
-          <p:cNvSpPr>
-            <a:spLocks noGrp="1"/>
-          </p:cNvSpPr>
-          <p:nvPr>
-            <p:ph type="body" sz="half" idx="2"/>
-          </p:nvPr>
-        </p:nvSpPr>
-        <p:spPr>
-          <a:xfrm>
-            <a:off x="1792288" y="5367338"/>
-            <a:ext cx="5486400" cy="804862"/>
-          </a:xfrm>
-        </p:spPr>
-        <p:txBody>
-          <a:bodyPr/>
-          <a:lstStyle>
-            <a:lvl1pPr marL="0" indent="0">
-              <a:buNone/>
-              <a:defRPr sz="1400"/>
-            </a:lvl1pPr>
-            <a:lvl2pPr marL="457200" indent="0">
-              <a:buNone/>
-              <a:defRPr sz="1200"/>
-            </a:lvl2pPr>
-            <a:lvl3pPr marL="914400" indent="0">
-              <a:buNone/>
-              <a:defRPr sz="1000"/>
-            </a:lvl3pPr>
-            <a:lvl4pPr marL="1371600" indent="0">
-              <a:buNone/>
-              <a:defRPr sz="900"/>
-            </a:lvl4pPr>
-            <a:lvl5pPr marL="1828800" indent="0">
-              <a:buNone/>
-              <a:defRPr sz="900"/>
-            </a:lvl5pPr>
-            <a:lvl6pPr marL="2286000" indent="0">
-              <a:buNone/>
-              <a:defRPr sz="900"/>
-            </a:lvl6pPr>
-            <a:lvl7pPr marL="2743200" indent="0">
-              <a:buNone/>
-              <a:defRPr sz="900"/>
-            </a:lvl7pPr>
-            <a:lvl8pPr marL="3200400" indent="0">
-              <a:buNone/>
-              <a:defRPr sz="900"/>
-            </a:lvl8pPr>
-            <a:lvl9pPr marL="3657600" indent="0">
-              <a:buNone/>
-              <a:defRPr sz="900"/>
-            </a:lvl9pPr>
-          </a:lstStyle>
-          <a:p>
-            <a:pPr lvl="0"/>
-            <a:r>
-              <a:rPr lang="en-US" smtClean="0"/>
-              <a:t>Click to edit Master text styles</a:t>
-            </a:r>
+            <a:r>
+              <a:rPr kumimoji="0" lang="en-US" smtClean="0"/>
+              <a:t>Click icon to add picture</a:t>
+            </a:r>
+            <a:endParaRPr kumimoji="0" lang="en-US" dirty="0"/>
           </a:p>
         </p:txBody>
       </p:sp>
@@ -7843,7 +8402,16 @@
         <p:spPr/>
         <p:txBody>
           <a:bodyPr/>
-          <a:lstStyle/>
+          <a:lstStyle>
+            <a:lvl1pPr>
+              <a:defRPr>
+                <a:solidFill>
+                  <a:schemeClr val="tx1"/>
+                </a:solidFill>
+              </a:defRPr>
+            </a:lvl1pPr>
+            <a:extLst/>
+          </a:lstStyle>
           <a:p>
             <a:fld id="{074442F3-905A-4A7F-B9B5-4C41ECF1CCEC}" type="datetimeFigureOut">
               <a:rPr lang="en-US" smtClean="0"/>
@@ -7863,10 +8431,24 @@
             <p:ph type="ftr" sz="quarter" idx="11"/>
           </p:nvPr>
         </p:nvSpPr>
-        <p:spPr/>
+        <p:spPr>
+          <a:xfrm>
+            <a:off x="4380072" y="6407944"/>
+            <a:ext cx="2350681" cy="365125"/>
+          </a:xfrm>
+        </p:spPr>
         <p:txBody>
           <a:bodyPr/>
-          <a:lstStyle/>
+          <a:lstStyle>
+            <a:lvl1pPr>
+              <a:defRPr>
+                <a:solidFill>
+                  <a:schemeClr val="tx1"/>
+                </a:solidFill>
+              </a:defRPr>
+            </a:lvl1pPr>
+            <a:extLst/>
+          </a:lstStyle>
           <a:p>
             <a:endParaRPr lang="en-US"/>
           </a:p>
@@ -7885,7 +8467,16 @@
         <p:spPr/>
         <p:txBody>
           <a:bodyPr/>
-          <a:lstStyle/>
+          <a:lstStyle>
+            <a:lvl1pPr>
+              <a:defRPr>
+                <a:solidFill>
+                  <a:schemeClr val="tx1"/>
+                </a:solidFill>
+              </a:defRPr>
+            </a:lvl1pPr>
+            <a:extLst/>
+          </a:lstStyle>
           <a:p>
             <a:fld id="{9AAF7C5A-6748-4694-9B84-2C76EAF7D27D}" type="slidenum">
               <a:rPr lang="en-US" smtClean="0"/>
@@ -7895,15 +8486,548 @@
           </a:p>
         </p:txBody>
       </p:sp>
+      <p:sp>
+        <p:nvSpPr>
+          <p:cNvPr id="2" name="Title 1"/>
+          <p:cNvSpPr>
+            <a:spLocks noGrp="1"/>
+          </p:cNvSpPr>
+          <p:nvPr>
+            <p:ph type="title"/>
+          </p:nvPr>
+        </p:nvSpPr>
+        <p:spPr>
+          <a:xfrm>
+            <a:off x="228600" y="4865122"/>
+            <a:ext cx="8075432" cy="562672"/>
+          </a:xfrm>
+          <a:noFill/>
+        </p:spPr>
+        <p:txBody>
+          <a:bodyPr anchor="t">
+            <a:sp3d prstMaterial="softEdge"/>
+          </a:bodyPr>
+          <a:lstStyle>
+            <a:lvl1pPr marR="0" algn="r">
+              <a:buNone/>
+              <a:defRPr sz="3000" b="0">
+                <a:solidFill>
+                  <a:schemeClr val="accent1"/>
+                </a:solidFill>
+                <a:effectLst>
+                  <a:outerShdw blurRad="50800" dist="25000" dir="5400000" algn="t" rotWithShape="0">
+                    <a:prstClr val="black">
+                      <a:alpha val="45000"/>
+                    </a:prstClr>
+                  </a:outerShdw>
+                </a:effectLst>
+              </a:defRPr>
+            </a:lvl1pPr>
+            <a:extLst/>
+          </a:lstStyle>
+          <a:p>
+            <a:r>
+              <a:rPr kumimoji="0" lang="en-US" smtClean="0"/>
+              <a:t>Click to edit Master title style</a:t>
+            </a:r>
+            <a:endParaRPr kumimoji="0" lang="en-US"/>
+          </a:p>
+        </p:txBody>
+      </p:sp>
+      <p:sp>
+        <p:nvSpPr>
+          <p:cNvPr id="8" name="Freeform 7"/>
+          <p:cNvSpPr>
+            <a:spLocks/>
+          </p:cNvSpPr>
+          <p:nvPr/>
+        </p:nvSpPr>
+        <p:spPr bwMode="auto">
+          <a:xfrm>
+            <a:off x="499273" y="5944936"/>
+            <a:ext cx="4940624" cy="921076"/>
+          </a:xfrm>
+          <a:custGeom>
+            <a:avLst>
+              <a:gd name="A1" fmla="val 0"/>
+              <a:gd name="A2" fmla="val 0"/>
+              <a:gd name="A3" fmla="val 0"/>
+              <a:gd name="A4" fmla="val 0"/>
+              <a:gd name="A5" fmla="val 0"/>
+              <a:gd name="A6" fmla="val 0"/>
+              <a:gd name="A7" fmla="val 0"/>
+              <a:gd name="A8" fmla="val 0"/>
+            </a:avLst>
+            <a:gdLst/>
+            <a:ahLst/>
+            <a:cxnLst>
+              <a:cxn ang="0">
+                <a:pos x="0" y="0"/>
+              </a:cxn>
+              <a:cxn ang="0">
+                <a:pos x="5760" y="0"/>
+              </a:cxn>
+              <a:cxn ang="0">
+                <a:pos x="5760" y="528"/>
+              </a:cxn>
+              <a:cxn ang="0">
+                <a:pos x="48" y="0"/>
+              </a:cxn>
+            </a:cxnLst>
+            <a:rect l="0" t="0" r="0" b="0"/>
+            <a:pathLst>
+              <a:path w="7485" h="337">
+                <a:moveTo>
+                  <a:pt x="0" y="2"/>
+                </a:moveTo>
+                <a:lnTo>
+                  <a:pt x="7485" y="337"/>
+                </a:lnTo>
+                <a:lnTo>
+                  <a:pt x="5558" y="337"/>
+                </a:lnTo>
+                <a:lnTo>
+                  <a:pt x="1" y="0"/>
+                </a:lnTo>
+              </a:path>
+            </a:pathLst>
+          </a:custGeom>
+          <a:solidFill>
+            <a:schemeClr val="accent1">
+              <a:tint val="65000"/>
+              <a:satMod val="115000"/>
+              <a:alpha val="40000"/>
+            </a:schemeClr>
+          </a:solidFill>
+          <a:ln w="9525" cap="flat" cmpd="sng" algn="ctr">
+            <a:noFill/>
+            <a:prstDash val="solid"/>
+            <a:round/>
+            <a:headEnd type="none" w="med" len="med"/>
+            <a:tailEnd type="none" w="med" len="med"/>
+          </a:ln>
+          <a:effectLst/>
+        </p:spPr>
+        <p:txBody>
+          <a:bodyPr vert="horz" wrap="square" lIns="91440" tIns="45720" rIns="91440" bIns="45720" anchor="t" compatLnSpc="1"/>
+          <a:lstStyle>
+            <a:extLst/>
+          </a:lstStyle>
+          <a:p>
+            <a:endParaRPr kumimoji="0" lang="en-US"/>
+          </a:p>
+        </p:txBody>
+      </p:sp>
+      <p:sp>
+        <p:nvSpPr>
+          <p:cNvPr id="9" name="Freeform 8"/>
+          <p:cNvSpPr>
+            <a:spLocks/>
+          </p:cNvSpPr>
+          <p:nvPr/>
+        </p:nvSpPr>
+        <p:spPr bwMode="auto">
+          <a:xfrm>
+            <a:off x="485717" y="5939011"/>
+            <a:ext cx="3690451" cy="933450"/>
+          </a:xfrm>
+          <a:custGeom>
+            <a:avLst>
+              <a:gd name="A1" fmla="val 0"/>
+              <a:gd name="A2" fmla="val 0"/>
+              <a:gd name="A3" fmla="val 0"/>
+              <a:gd name="A4" fmla="val 0"/>
+              <a:gd name="A5" fmla="val 0"/>
+              <a:gd name="A6" fmla="val 0"/>
+              <a:gd name="A7" fmla="val 0"/>
+              <a:gd name="A8" fmla="val 0"/>
+            </a:avLst>
+            <a:gdLst/>
+            <a:ahLst/>
+            <a:cxnLst>
+              <a:cxn ang="0">
+                <a:pos x="0" y="0"/>
+              </a:cxn>
+              <a:cxn ang="0">
+                <a:pos x="5760" y="0"/>
+              </a:cxn>
+              <a:cxn ang="0">
+                <a:pos x="5760" y="528"/>
+              </a:cxn>
+              <a:cxn ang="0">
+                <a:pos x="48" y="0"/>
+              </a:cxn>
+            </a:cxnLst>
+            <a:rect l="0" t="0" r="0" b="0"/>
+            <a:pathLst>
+              <a:path w="5591" h="588">
+                <a:moveTo>
+                  <a:pt x="0" y="0"/>
+                </a:moveTo>
+                <a:lnTo>
+                  <a:pt x="5591" y="585"/>
+                </a:lnTo>
+                <a:lnTo>
+                  <a:pt x="4415" y="588"/>
+                </a:lnTo>
+                <a:lnTo>
+                  <a:pt x="12" y="4"/>
+                </a:lnTo>
+              </a:path>
+            </a:pathLst>
+          </a:custGeom>
+          <a:solidFill>
+            <a:srgbClr val="000000">
+              <a:alpha val="100000"/>
+            </a:srgbClr>
+          </a:solidFill>
+          <a:ln w="9525" cap="flat" cmpd="sng" algn="ctr">
+            <a:noFill/>
+            <a:prstDash val="solid"/>
+            <a:round/>
+            <a:headEnd type="none" w="med" len="med"/>
+            <a:tailEnd type="none" w="med" len="med"/>
+          </a:ln>
+          <a:effectLst/>
+        </p:spPr>
+        <p:txBody>
+          <a:bodyPr vert="horz" wrap="square" lIns="91440" tIns="45720" rIns="91440" bIns="45720" anchor="t" compatLnSpc="1"/>
+          <a:lstStyle>
+            <a:extLst/>
+          </a:lstStyle>
+          <a:p>
+            <a:endParaRPr kumimoji="0" lang="en-US"/>
+          </a:p>
+        </p:txBody>
+      </p:sp>
+      <p:sp>
+        <p:nvSpPr>
+          <p:cNvPr id="10" name="Right Triangle 9"/>
+          <p:cNvSpPr>
+            <a:spLocks/>
+          </p:cNvSpPr>
+          <p:nvPr/>
+        </p:nvSpPr>
+        <p:spPr bwMode="auto">
+          <a:xfrm>
+            <a:off x="-6042" y="5791253"/>
+            <a:ext cx="3402314" cy="1080868"/>
+          </a:xfrm>
+          <a:prstGeom prst="rtTriangle">
+            <a:avLst/>
+          </a:prstGeom>
+          <a:blipFill>
+            <a:blip r:embed="rId2">
+              <a:alphaModFix amt="50000"/>
+            </a:blip>
+            <a:tile tx="0" ty="0" sx="50000" sy="50000" flip="none" algn="t"/>
+          </a:blipFill>
+          <a:ln w="12700" cap="rnd" cmpd="thickThin" algn="ctr">
+            <a:noFill/>
+            <a:prstDash val="solid"/>
+          </a:ln>
+          <a:effectLst>
+            <a:fillOverlay blend="mult">
+              <a:gradFill flip="none" rotWithShape="1">
+                <a:gsLst>
+                  <a:gs pos="0">
+                    <a:schemeClr val="accent1">
+                      <a:shade val="20000"/>
+                      <a:satMod val="176000"/>
+                      <a:alpha val="100000"/>
+                    </a:schemeClr>
+                  </a:gs>
+                  <a:gs pos="18000">
+                    <a:schemeClr val="accent1">
+                      <a:shade val="48000"/>
+                      <a:satMod val="153000"/>
+                      <a:alpha val="100000"/>
+                    </a:schemeClr>
+                  </a:gs>
+                  <a:gs pos="43000">
+                    <a:schemeClr val="accent1">
+                      <a:tint val="86000"/>
+                      <a:satMod val="149000"/>
+                      <a:alpha val="100000"/>
+                    </a:schemeClr>
+                  </a:gs>
+                  <a:gs pos="45000">
+                    <a:schemeClr val="accent1">
+                      <a:tint val="85000"/>
+                      <a:satMod val="150000"/>
+                      <a:alpha val="100000"/>
+                    </a:schemeClr>
+                  </a:gs>
+                  <a:gs pos="50000">
+                    <a:schemeClr val="accent1">
+                      <a:tint val="86000"/>
+                      <a:satMod val="149000"/>
+                      <a:alpha val="100000"/>
+                    </a:schemeClr>
+                  </a:gs>
+                  <a:gs pos="79000">
+                    <a:schemeClr val="accent1">
+                      <a:shade val="53000"/>
+                      <a:satMod val="150000"/>
+                      <a:alpha val="100000"/>
+                    </a:schemeClr>
+                  </a:gs>
+                  <a:gs pos="100000">
+                    <a:schemeClr val="accent1">
+                      <a:shade val="25000"/>
+                      <a:satMod val="170000"/>
+                      <a:alpha val="100000"/>
+                    </a:schemeClr>
+                  </a:gs>
+                </a:gsLst>
+                <a:lin ang="450000" scaled="1"/>
+                <a:tileRect/>
+              </a:gradFill>
+            </a:fillOverlay>
+          </a:effectLst>
+        </p:spPr>
+        <p:style>
+          <a:lnRef idx="3">
+            <a:schemeClr val="lt1"/>
+          </a:lnRef>
+          <a:fillRef idx="1">
+            <a:schemeClr val="accent1"/>
+          </a:fillRef>
+          <a:effectRef idx="1">
+            <a:schemeClr val="accent1"/>
+          </a:effectRef>
+          <a:fontRef idx="minor">
+            <a:schemeClr val="lt1"/>
+          </a:fontRef>
+        </p:style>
+        <p:txBody>
+          <a:bodyPr vert="horz" wrap="square" lIns="91440" tIns="45720" rIns="91440" bIns="45720" anchor="ctr" compatLnSpc="1"/>
+          <a:lstStyle>
+            <a:extLst/>
+          </a:lstStyle>
+          <a:p>
+            <a:pPr algn="ctr" eaLnBrk="1" latinLnBrk="0" hangingPunct="1"/>
+            <a:endParaRPr kumimoji="0" lang="en-US"/>
+          </a:p>
+        </p:txBody>
+      </p:sp>
+      <p:cxnSp>
+        <p:nvCxnSpPr>
+          <p:cNvPr id="11" name="Straight Connector 10"/>
+          <p:cNvCxnSpPr/>
+          <p:nvPr/>
+        </p:nvCxnSpPr>
+        <p:spPr>
+          <a:xfrm>
+            <a:off x="-9237" y="5787738"/>
+            <a:ext cx="3405509" cy="1084383"/>
+          </a:xfrm>
+          <a:prstGeom prst="line">
+            <a:avLst/>
+          </a:prstGeom>
+          <a:noFill/>
+          <a:ln w="12065" cap="flat" cmpd="sng" algn="ctr">
+            <a:gradFill>
+              <a:gsLst>
+                <a:gs pos="45000">
+                  <a:schemeClr val="accent1">
+                    <a:tint val="70000"/>
+                    <a:satMod val="110000"/>
+                  </a:schemeClr>
+                </a:gs>
+                <a:gs pos="15000">
+                  <a:schemeClr val="accent1">
+                    <a:shade val="40000"/>
+                    <a:satMod val="110000"/>
+                  </a:schemeClr>
+                </a:gs>
+              </a:gsLst>
+              <a:lin ang="5400000" scaled="1"/>
+            </a:gradFill>
+            <a:prstDash val="solid"/>
+            <a:miter lim="800000"/>
+          </a:ln>
+          <a:effectLst/>
+        </p:spPr>
+        <p:style>
+          <a:lnRef idx="2">
+            <a:schemeClr val="accent1"/>
+          </a:lnRef>
+          <a:fillRef idx="0">
+            <a:schemeClr val="accent1"/>
+          </a:fillRef>
+          <a:effectRef idx="1">
+            <a:schemeClr val="accent1"/>
+          </a:effectRef>
+          <a:fontRef idx="minor">
+            <a:schemeClr val="tx1"/>
+          </a:fontRef>
+        </p:style>
+      </p:cxnSp>
+      <p:sp>
+        <p:nvSpPr>
+          <p:cNvPr id="12" name="Chevron 11"/>
+          <p:cNvSpPr/>
+          <p:nvPr/>
+        </p:nvSpPr>
+        <p:spPr>
+          <a:xfrm>
+            <a:off x="8664112" y="4988440"/>
+            <a:ext cx="182880" cy="228600"/>
+          </a:xfrm>
+          <a:prstGeom prst="chevron">
+            <a:avLst>
+              <a:gd name="adj" fmla="val 50000"/>
+            </a:avLst>
+          </a:prstGeom>
+          <a:gradFill flip="none" rotWithShape="1">
+            <a:gsLst>
+              <a:gs pos="0">
+                <a:schemeClr val="accent1">
+                  <a:shade val="60000"/>
+                  <a:satMod val="125000"/>
+                </a:schemeClr>
+              </a:gs>
+              <a:gs pos="72000">
+                <a:schemeClr val="accent1">
+                  <a:tint val="90000"/>
+                  <a:satMod val="138000"/>
+                </a:schemeClr>
+              </a:gs>
+              <a:gs pos="100000">
+                <a:schemeClr val="accent1">
+                  <a:tint val="76000"/>
+                  <a:satMod val="136000"/>
+                </a:schemeClr>
+              </a:gs>
+            </a:gsLst>
+            <a:lin ang="16200000" scaled="0"/>
+          </a:gradFill>
+          <a:ln w="3175" cap="rnd" cmpd="sng" algn="ctr">
+            <a:solidFill>
+              <a:schemeClr val="accent1">
+                <a:shade val="50000"/>
+              </a:schemeClr>
+            </a:solidFill>
+            <a:prstDash val="solid"/>
+          </a:ln>
+          <a:effectLst>
+            <a:outerShdw blurRad="50800" dist="25400" dir="5400000">
+              <a:srgbClr val="000000">
+                <a:alpha val="46000"/>
+              </a:srgbClr>
+            </a:outerShdw>
+          </a:effectLst>
+        </p:spPr>
+        <p:style>
+          <a:lnRef idx="1">
+            <a:schemeClr val="accent1"/>
+          </a:lnRef>
+          <a:fillRef idx="3">
+            <a:schemeClr val="accent1"/>
+          </a:fillRef>
+          <a:effectRef idx="2">
+            <a:schemeClr val="accent1"/>
+          </a:effectRef>
+          <a:fontRef idx="minor">
+            <a:schemeClr val="lt1"/>
+          </a:fontRef>
+        </p:style>
+        <p:txBody>
+          <a:bodyPr anchor="ctr"/>
+          <a:lstStyle>
+            <a:extLst/>
+          </a:lstStyle>
+          <a:p>
+            <a:pPr algn="l" eaLnBrk="1" latinLnBrk="0" hangingPunct="1"/>
+            <a:endParaRPr kumimoji="0" lang="en-US"/>
+          </a:p>
+        </p:txBody>
+      </p:sp>
+      <p:sp>
+        <p:nvSpPr>
+          <p:cNvPr id="13" name="Chevron 12"/>
+          <p:cNvSpPr/>
+          <p:nvPr/>
+        </p:nvSpPr>
+        <p:spPr>
+          <a:xfrm>
+            <a:off x="8477696" y="4988440"/>
+            <a:ext cx="182880" cy="228600"/>
+          </a:xfrm>
+          <a:prstGeom prst="chevron">
+            <a:avLst>
+              <a:gd name="adj" fmla="val 50000"/>
+            </a:avLst>
+          </a:prstGeom>
+          <a:gradFill flip="none" rotWithShape="1">
+            <a:gsLst>
+              <a:gs pos="0">
+                <a:schemeClr val="accent1">
+                  <a:shade val="60000"/>
+                  <a:satMod val="125000"/>
+                </a:schemeClr>
+              </a:gs>
+              <a:gs pos="72000">
+                <a:schemeClr val="accent1">
+                  <a:tint val="90000"/>
+                  <a:satMod val="138000"/>
+                </a:schemeClr>
+              </a:gs>
+              <a:gs pos="100000">
+                <a:schemeClr val="accent1">
+                  <a:tint val="76000"/>
+                  <a:satMod val="136000"/>
+                </a:schemeClr>
+              </a:gs>
+            </a:gsLst>
+            <a:lin ang="16200000" scaled="0"/>
+          </a:gradFill>
+          <a:ln w="3175" cap="rnd" cmpd="sng" algn="ctr">
+            <a:solidFill>
+              <a:schemeClr val="accent1">
+                <a:shade val="50000"/>
+              </a:schemeClr>
+            </a:solidFill>
+            <a:prstDash val="solid"/>
+          </a:ln>
+          <a:effectLst>
+            <a:outerShdw blurRad="50800" dist="25400" dir="5400000">
+              <a:srgbClr val="000000">
+                <a:alpha val="46000"/>
+              </a:srgbClr>
+            </a:outerShdw>
+          </a:effectLst>
+        </p:spPr>
+        <p:style>
+          <a:lnRef idx="1">
+            <a:schemeClr val="accent1"/>
+          </a:lnRef>
+          <a:fillRef idx="3">
+            <a:schemeClr val="accent1"/>
+          </a:fillRef>
+          <a:effectRef idx="2">
+            <a:schemeClr val="accent1"/>
+          </a:effectRef>
+          <a:fontRef idx="minor">
+            <a:schemeClr val="lt1"/>
+          </a:fontRef>
+        </p:style>
+        <p:txBody>
+          <a:bodyPr anchor="ctr"/>
+          <a:lstStyle>
+            <a:extLst/>
+          </a:lstStyle>
+          <a:p>
+            <a:pPr algn="l" eaLnBrk="1" latinLnBrk="0" hangingPunct="1"/>
+            <a:endParaRPr kumimoji="0" lang="en-US"/>
+          </a:p>
+        </p:txBody>
+      </p:sp>
     </p:spTree>
-    <p:extLst>
-      <p:ext uri="{BB962C8B-B14F-4D97-AF65-F5344CB8AC3E}">
-        <p14:creationId xmlns:p14="http://schemas.microsoft.com/office/powerpoint/2010/main" val="2326371405"/>
-      </p:ext>
-    </p:extLst>
   </p:cSld>
   <p:clrMapOvr>
-    <a:masterClrMapping/>
+    <a:overrideClrMapping bg1="dk1" tx1="lt1" bg2="dk2" tx2="lt2" accent1="accent1" accent2="accent2" accent3="accent3" accent4="accent4" accent5="accent5" accent6="accent6" hlink="hlink" folHlink="folHlink"/>
   </p:clrMapOvr>
 </p:sldLayout>
 </file>
@@ -7932,7 +9056,337 @@
       </p:grpSpPr>
       <p:sp>
         <p:nvSpPr>
-          <p:cNvPr id="2" name="Title Placeholder 1"/>
+          <p:cNvPr id="13" name="Freeform 12"/>
+          <p:cNvSpPr>
+            <a:spLocks/>
+          </p:cNvSpPr>
+          <p:nvPr/>
+        </p:nvSpPr>
+        <p:spPr bwMode="auto">
+          <a:xfrm>
+            <a:off x="499273" y="5944936"/>
+            <a:ext cx="4940624" cy="921076"/>
+          </a:xfrm>
+          <a:custGeom>
+            <a:avLst>
+              <a:gd name="A1" fmla="val 0"/>
+              <a:gd name="A2" fmla="val 0"/>
+              <a:gd name="A3" fmla="val 0"/>
+              <a:gd name="A4" fmla="val 0"/>
+              <a:gd name="A5" fmla="val 0"/>
+              <a:gd name="A6" fmla="val 0"/>
+              <a:gd name="A7" fmla="val 0"/>
+              <a:gd name="A8" fmla="val 0"/>
+            </a:avLst>
+            <a:gdLst/>
+            <a:ahLst/>
+            <a:cxnLst>
+              <a:cxn ang="0">
+                <a:pos x="0" y="0"/>
+              </a:cxn>
+              <a:cxn ang="0">
+                <a:pos x="5760" y="0"/>
+              </a:cxn>
+              <a:cxn ang="0">
+                <a:pos x="5760" y="528"/>
+              </a:cxn>
+              <a:cxn ang="0">
+                <a:pos x="48" y="0"/>
+              </a:cxn>
+            </a:cxnLst>
+            <a:rect l="0" t="0" r="0" b="0"/>
+            <a:pathLst>
+              <a:path w="7485" h="337">
+                <a:moveTo>
+                  <a:pt x="0" y="2"/>
+                </a:moveTo>
+                <a:lnTo>
+                  <a:pt x="7485" y="337"/>
+                </a:lnTo>
+                <a:lnTo>
+                  <a:pt x="5558" y="337"/>
+                </a:lnTo>
+                <a:lnTo>
+                  <a:pt x="1" y="0"/>
+                </a:lnTo>
+              </a:path>
+            </a:pathLst>
+          </a:custGeom>
+          <a:solidFill>
+            <a:schemeClr val="accent1">
+              <a:tint val="65000"/>
+              <a:satMod val="115000"/>
+              <a:alpha val="40000"/>
+            </a:schemeClr>
+          </a:solidFill>
+          <a:ln w="9525" cap="flat" cmpd="sng" algn="ctr">
+            <a:noFill/>
+            <a:prstDash val="solid"/>
+            <a:round/>
+            <a:headEnd type="none" w="med" len="med"/>
+            <a:tailEnd type="none" w="med" len="med"/>
+          </a:ln>
+          <a:effectLst/>
+        </p:spPr>
+        <p:txBody>
+          <a:bodyPr vert="horz" wrap="square" lIns="91440" tIns="45720" rIns="91440" bIns="45720" anchor="t" compatLnSpc="1"/>
+          <a:lstStyle>
+            <a:extLst/>
+          </a:lstStyle>
+          <a:p>
+            <a:endParaRPr kumimoji="0" lang="en-US"/>
+          </a:p>
+        </p:txBody>
+      </p:sp>
+      <p:sp>
+        <p:nvSpPr>
+          <p:cNvPr id="12" name="Freeform 11"/>
+          <p:cNvSpPr>
+            <a:spLocks/>
+          </p:cNvSpPr>
+          <p:nvPr/>
+        </p:nvSpPr>
+        <p:spPr bwMode="auto">
+          <a:xfrm>
+            <a:off x="485717" y="5939011"/>
+            <a:ext cx="3690451" cy="933450"/>
+          </a:xfrm>
+          <a:custGeom>
+            <a:avLst>
+              <a:gd name="A1" fmla="val 0"/>
+              <a:gd name="A2" fmla="val 0"/>
+              <a:gd name="A3" fmla="val 0"/>
+              <a:gd name="A4" fmla="val 0"/>
+              <a:gd name="A5" fmla="val 0"/>
+              <a:gd name="A6" fmla="val 0"/>
+              <a:gd name="A7" fmla="val 0"/>
+              <a:gd name="A8" fmla="val 0"/>
+            </a:avLst>
+            <a:gdLst/>
+            <a:ahLst/>
+            <a:cxnLst>
+              <a:cxn ang="0">
+                <a:pos x="0" y="0"/>
+              </a:cxn>
+              <a:cxn ang="0">
+                <a:pos x="5760" y="0"/>
+              </a:cxn>
+              <a:cxn ang="0">
+                <a:pos x="5760" y="528"/>
+              </a:cxn>
+              <a:cxn ang="0">
+                <a:pos x="48" y="0"/>
+              </a:cxn>
+            </a:cxnLst>
+            <a:rect l="0" t="0" r="0" b="0"/>
+            <a:pathLst>
+              <a:path w="5591" h="588">
+                <a:moveTo>
+                  <a:pt x="0" y="0"/>
+                </a:moveTo>
+                <a:lnTo>
+                  <a:pt x="5591" y="585"/>
+                </a:lnTo>
+                <a:lnTo>
+                  <a:pt x="4415" y="588"/>
+                </a:lnTo>
+                <a:lnTo>
+                  <a:pt x="12" y="4"/>
+                </a:lnTo>
+              </a:path>
+            </a:pathLst>
+          </a:custGeom>
+          <a:solidFill>
+            <a:srgbClr val="000000">
+              <a:alpha val="100000"/>
+            </a:srgbClr>
+          </a:solidFill>
+          <a:ln w="9525" cap="flat" cmpd="sng" algn="ctr">
+            <a:noFill/>
+            <a:prstDash val="solid"/>
+            <a:round/>
+            <a:headEnd type="none" w="med" len="med"/>
+            <a:tailEnd type="none" w="med" len="med"/>
+          </a:ln>
+          <a:effectLst/>
+        </p:spPr>
+        <p:txBody>
+          <a:bodyPr vert="horz" wrap="square" lIns="91440" tIns="45720" rIns="91440" bIns="45720" anchor="t" compatLnSpc="1"/>
+          <a:lstStyle>
+            <a:extLst/>
+          </a:lstStyle>
+          <a:p>
+            <a:endParaRPr kumimoji="0" lang="en-US"/>
+          </a:p>
+        </p:txBody>
+      </p:sp>
+      <p:sp>
+        <p:nvSpPr>
+          <p:cNvPr id="14" name="Right Triangle 13"/>
+          <p:cNvSpPr>
+            <a:spLocks/>
+          </p:cNvSpPr>
+          <p:nvPr/>
+        </p:nvSpPr>
+        <p:spPr bwMode="auto">
+          <a:xfrm>
+            <a:off x="-6042" y="5791253"/>
+            <a:ext cx="3402314" cy="1080868"/>
+          </a:xfrm>
+          <a:prstGeom prst="rtTriangle">
+            <a:avLst/>
+          </a:prstGeom>
+          <a:blipFill>
+            <a:blip r:embed="rId13">
+              <a:alphaModFix amt="50000"/>
+            </a:blip>
+            <a:tile tx="0" ty="0" sx="50000" sy="50000" flip="none" algn="t"/>
+          </a:blipFill>
+          <a:ln w="12700" cap="rnd" cmpd="thickThin" algn="ctr">
+            <a:noFill/>
+            <a:prstDash val="solid"/>
+          </a:ln>
+          <a:effectLst>
+            <a:fillOverlay blend="mult">
+              <a:gradFill flip="none" rotWithShape="1">
+                <a:gsLst>
+                  <a:gs pos="0">
+                    <a:schemeClr val="accent1">
+                      <a:shade val="20000"/>
+                      <a:satMod val="176000"/>
+                      <a:alpha val="100000"/>
+                    </a:schemeClr>
+                  </a:gs>
+                  <a:gs pos="18000">
+                    <a:schemeClr val="accent1">
+                      <a:shade val="48000"/>
+                      <a:satMod val="153000"/>
+                      <a:alpha val="100000"/>
+                    </a:schemeClr>
+                  </a:gs>
+                  <a:gs pos="43000">
+                    <a:schemeClr val="accent1">
+                      <a:tint val="86000"/>
+                      <a:satMod val="149000"/>
+                      <a:alpha val="100000"/>
+                    </a:schemeClr>
+                  </a:gs>
+                  <a:gs pos="45000">
+                    <a:schemeClr val="accent1">
+                      <a:tint val="85000"/>
+                      <a:satMod val="150000"/>
+                      <a:alpha val="100000"/>
+                    </a:schemeClr>
+                  </a:gs>
+                  <a:gs pos="50000">
+                    <a:schemeClr val="accent1">
+                      <a:tint val="86000"/>
+                      <a:satMod val="149000"/>
+                      <a:alpha val="100000"/>
+                    </a:schemeClr>
+                  </a:gs>
+                  <a:gs pos="79000">
+                    <a:schemeClr val="accent1">
+                      <a:shade val="53000"/>
+                      <a:satMod val="150000"/>
+                      <a:alpha val="100000"/>
+                    </a:schemeClr>
+                  </a:gs>
+                  <a:gs pos="100000">
+                    <a:schemeClr val="accent1">
+                      <a:shade val="25000"/>
+                      <a:satMod val="170000"/>
+                      <a:alpha val="100000"/>
+                    </a:schemeClr>
+                  </a:gs>
+                </a:gsLst>
+                <a:lin ang="450000" scaled="1"/>
+                <a:tileRect/>
+              </a:gradFill>
+            </a:fillOverlay>
+          </a:effectLst>
+        </p:spPr>
+        <p:style>
+          <a:lnRef idx="3">
+            <a:schemeClr val="lt1"/>
+          </a:lnRef>
+          <a:fillRef idx="1">
+            <a:schemeClr val="accent1"/>
+          </a:fillRef>
+          <a:effectRef idx="1">
+            <a:schemeClr val="accent1"/>
+          </a:effectRef>
+          <a:fontRef idx="minor">
+            <a:schemeClr val="lt1"/>
+          </a:fontRef>
+        </p:style>
+        <p:txBody>
+          <a:bodyPr vert="horz" wrap="square" lIns="91440" tIns="45720" rIns="91440" bIns="45720" anchor="ctr" compatLnSpc="1"/>
+          <a:lstStyle>
+            <a:extLst/>
+          </a:lstStyle>
+          <a:p>
+            <a:pPr algn="ctr" eaLnBrk="1" latinLnBrk="0" hangingPunct="1"/>
+            <a:endParaRPr kumimoji="0" lang="en-US"/>
+          </a:p>
+        </p:txBody>
+      </p:sp>
+      <p:cxnSp>
+        <p:nvCxnSpPr>
+          <p:cNvPr id="15" name="Straight Connector 14"/>
+          <p:cNvCxnSpPr/>
+          <p:nvPr/>
+        </p:nvCxnSpPr>
+        <p:spPr>
+          <a:xfrm>
+            <a:off x="-9237" y="5787738"/>
+            <a:ext cx="3405509" cy="1084383"/>
+          </a:xfrm>
+          <a:prstGeom prst="line">
+            <a:avLst/>
+          </a:prstGeom>
+          <a:noFill/>
+          <a:ln w="12065" cap="flat" cmpd="sng" algn="ctr">
+            <a:gradFill>
+              <a:gsLst>
+                <a:gs pos="45000">
+                  <a:schemeClr val="accent1">
+                    <a:tint val="70000"/>
+                    <a:satMod val="110000"/>
+                  </a:schemeClr>
+                </a:gs>
+                <a:gs pos="15000">
+                  <a:schemeClr val="accent1">
+                    <a:shade val="40000"/>
+                    <a:satMod val="110000"/>
+                  </a:schemeClr>
+                </a:gs>
+              </a:gsLst>
+              <a:lin ang="5400000" scaled="1"/>
+            </a:gradFill>
+            <a:prstDash val="solid"/>
+            <a:miter lim="800000"/>
+          </a:ln>
+          <a:effectLst/>
+        </p:spPr>
+        <p:style>
+          <a:lnRef idx="2">
+            <a:schemeClr val="accent1"/>
+          </a:lnRef>
+          <a:fillRef idx="0">
+            <a:schemeClr val="accent1"/>
+          </a:fillRef>
+          <a:effectRef idx="1">
+            <a:schemeClr val="accent1"/>
+          </a:effectRef>
+          <a:fontRef idx="minor">
+            <a:schemeClr val="tx1"/>
+          </a:fontRef>
+        </p:style>
+      </p:cxnSp>
+      <p:sp>
+        <p:nvSpPr>
+          <p:cNvPr id="9" name="Title Placeholder 8"/>
           <p:cNvSpPr>
             <a:spLocks noGrp="1"/>
           </p:cNvSpPr>
@@ -7950,22 +9404,31 @@
           </a:prstGeom>
         </p:spPr>
         <p:txBody>
-          <a:bodyPr vert="horz" lIns="91440" tIns="45720" rIns="91440" bIns="45720" rtlCol="0" anchor="ctr">
+          <a:bodyPr vert="horz" anchor="ctr">
             <a:normAutofit/>
+            <a:scene3d>
+              <a:camera prst="orthographicFront"/>
+              <a:lightRig rig="soft" dir="t"/>
+            </a:scene3d>
+            <a:sp3d prstMaterial="softEdge">
+              <a:bevelT w="25400" h="25400"/>
+            </a:sp3d>
           </a:bodyPr>
-          <a:lstStyle/>
-          <a:p>
-            <a:r>
-              <a:rPr lang="en-US" smtClean="0"/>
+          <a:lstStyle>
+            <a:extLst/>
+          </a:lstStyle>
+          <a:p>
+            <a:r>
+              <a:rPr kumimoji="0" lang="en-US" smtClean="0"/>
               <a:t>Click to edit Master title style</a:t>
             </a:r>
-            <a:endParaRPr lang="en-US"/>
+            <a:endParaRPr kumimoji="0" lang="en-US"/>
           </a:p>
         </p:txBody>
       </p:sp>
       <p:sp>
         <p:nvSpPr>
-          <p:cNvPr id="3" name="Text Placeholder 2"/>
+          <p:cNvPr id="30" name="Text Placeholder 29"/>
           <p:cNvSpPr>
             <a:spLocks noGrp="1"/>
           </p:cNvSpPr>
@@ -7975,7 +9438,7 @@
         </p:nvSpPr>
         <p:spPr>
           <a:xfrm>
-            <a:off x="457200" y="1600200"/>
+            <a:off x="457200" y="1481328"/>
             <a:ext cx="8229600" cy="4525963"/>
           </a:xfrm>
           <a:prstGeom prst="rect">
@@ -7983,51 +9446,53 @@
           </a:prstGeom>
         </p:spPr>
         <p:txBody>
-          <a:bodyPr vert="horz" lIns="91440" tIns="45720" rIns="91440" bIns="45720" rtlCol="0">
+          <a:bodyPr vert="horz">
             <a:normAutofit/>
           </a:bodyPr>
-          <a:lstStyle/>
-          <a:p>
-            <a:pPr lvl="0"/>
-            <a:r>
-              <a:rPr lang="en-US" smtClean="0"/>
+          <a:lstStyle>
+            <a:extLst/>
+          </a:lstStyle>
+          <a:p>
+            <a:pPr lvl="0" eaLnBrk="1" latinLnBrk="0" hangingPunct="1"/>
+            <a:r>
+              <a:rPr kumimoji="0" lang="en-US" smtClean="0"/>
               <a:t>Click to edit Master text styles</a:t>
             </a:r>
           </a:p>
           <a:p>
-            <a:pPr lvl="1"/>
-            <a:r>
-              <a:rPr lang="en-US" smtClean="0"/>
+            <a:pPr lvl="1" eaLnBrk="1" latinLnBrk="0" hangingPunct="1"/>
+            <a:r>
+              <a:rPr kumimoji="0" lang="en-US" smtClean="0"/>
               <a:t>Second level</a:t>
             </a:r>
           </a:p>
           <a:p>
-            <a:pPr lvl="2"/>
-            <a:r>
-              <a:rPr lang="en-US" smtClean="0"/>
+            <a:pPr lvl="2" eaLnBrk="1" latinLnBrk="0" hangingPunct="1"/>
+            <a:r>
+              <a:rPr kumimoji="0" lang="en-US" smtClean="0"/>
               <a:t>Third level</a:t>
             </a:r>
           </a:p>
           <a:p>
-            <a:pPr lvl="3"/>
-            <a:r>
-              <a:rPr lang="en-US" smtClean="0"/>
+            <a:pPr lvl="3" eaLnBrk="1" latinLnBrk="0" hangingPunct="1"/>
+            <a:r>
+              <a:rPr kumimoji="0" lang="en-US" smtClean="0"/>
               <a:t>Fourth level</a:t>
             </a:r>
           </a:p>
           <a:p>
-            <a:pPr lvl="4"/>
-            <a:r>
-              <a:rPr lang="en-US" smtClean="0"/>
+            <a:pPr lvl="4" eaLnBrk="1" latinLnBrk="0" hangingPunct="1"/>
+            <a:r>
+              <a:rPr kumimoji="0" lang="en-US" smtClean="0"/>
               <a:t>Fifth level</a:t>
             </a:r>
-            <a:endParaRPr lang="en-US"/>
+            <a:endParaRPr kumimoji="0" lang="en-US"/>
           </a:p>
         </p:txBody>
       </p:sp>
       <p:sp>
         <p:nvSpPr>
-          <p:cNvPr id="4" name="Date Placeholder 3"/>
+          <p:cNvPr id="10" name="Date Placeholder 9"/>
           <p:cNvSpPr>
             <a:spLocks noGrp="1"/>
           </p:cNvSpPr>
@@ -8037,25 +9502,24 @@
         </p:nvSpPr>
         <p:spPr>
           <a:xfrm>
-            <a:off x="457200" y="6356350"/>
-            <a:ext cx="2133600" cy="365125"/>
+            <a:off x="6727032" y="6407944"/>
+            <a:ext cx="1920240" cy="365760"/>
           </a:xfrm>
           <a:prstGeom prst="rect">
             <a:avLst/>
           </a:prstGeom>
         </p:spPr>
         <p:txBody>
-          <a:bodyPr vert="horz" lIns="91440" tIns="45720" rIns="91440" bIns="45720" rtlCol="0" anchor="ctr"/>
+          <a:bodyPr vert="horz" anchor="b"/>
           <a:lstStyle>
-            <a:lvl1pPr algn="l">
-              <a:defRPr sz="1200">
+            <a:lvl1pPr algn="l" eaLnBrk="1" latinLnBrk="0" hangingPunct="1">
+              <a:defRPr kumimoji="0" sz="1000">
                 <a:solidFill>
-                  <a:schemeClr val="tx1">
-                    <a:tint val="75000"/>
-                  </a:schemeClr>
+                  <a:schemeClr val="tx1"/>
                 </a:solidFill>
               </a:defRPr>
             </a:lvl1pPr>
+            <a:extLst/>
           </a:lstStyle>
           <a:p>
             <a:fld id="{074442F3-905A-4A7F-B9B5-4C41ECF1CCEC}" type="datetimeFigureOut">
@@ -8068,7 +9532,7 @@
       </p:sp>
       <p:sp>
         <p:nvSpPr>
-          <p:cNvPr id="5" name="Footer Placeholder 4"/>
+          <p:cNvPr id="22" name="Footer Placeholder 21"/>
           <p:cNvSpPr>
             <a:spLocks noGrp="1"/>
           </p:cNvSpPr>
@@ -8078,25 +9542,24 @@
         </p:nvSpPr>
         <p:spPr>
           <a:xfrm>
-            <a:off x="3124200" y="6356350"/>
-            <a:ext cx="2895600" cy="365125"/>
+            <a:off x="4380072" y="6407944"/>
+            <a:ext cx="2350681" cy="365125"/>
           </a:xfrm>
           <a:prstGeom prst="rect">
             <a:avLst/>
           </a:prstGeom>
         </p:spPr>
         <p:txBody>
-          <a:bodyPr vert="horz" lIns="91440" tIns="45720" rIns="91440" bIns="45720" rtlCol="0" anchor="ctr"/>
+          <a:bodyPr vert="horz" anchor="b"/>
           <a:lstStyle>
-            <a:lvl1pPr algn="ctr">
-              <a:defRPr sz="1200">
+            <a:lvl1pPr algn="r" eaLnBrk="1" latinLnBrk="0" hangingPunct="1">
+              <a:defRPr kumimoji="0" sz="1000">
                 <a:solidFill>
-                  <a:schemeClr val="tx1">
-                    <a:tint val="75000"/>
-                  </a:schemeClr>
+                  <a:schemeClr val="tx1"/>
                 </a:solidFill>
               </a:defRPr>
             </a:lvl1pPr>
+            <a:extLst/>
           </a:lstStyle>
           <a:p>
             <a:endParaRPr lang="en-US"/>
@@ -8105,7 +9568,7 @@
       </p:sp>
       <p:sp>
         <p:nvSpPr>
-          <p:cNvPr id="6" name="Slide Number Placeholder 5"/>
+          <p:cNvPr id="18" name="Slide Number Placeholder 17"/>
           <p:cNvSpPr>
             <a:spLocks noGrp="1"/>
           </p:cNvSpPr>
@@ -8115,25 +9578,24 @@
         </p:nvSpPr>
         <p:spPr>
           <a:xfrm>
-            <a:off x="6553200" y="6356350"/>
-            <a:ext cx="2133600" cy="365125"/>
+            <a:off x="8647272" y="6407944"/>
+            <a:ext cx="365760" cy="365125"/>
           </a:xfrm>
           <a:prstGeom prst="rect">
             <a:avLst/>
           </a:prstGeom>
         </p:spPr>
         <p:txBody>
-          <a:bodyPr vert="horz" lIns="91440" tIns="45720" rIns="91440" bIns="45720" rtlCol="0" anchor="ctr"/>
+          <a:bodyPr vert="horz" anchor="b"/>
           <a:lstStyle>
-            <a:lvl1pPr algn="r">
-              <a:defRPr sz="1200">
+            <a:lvl1pPr algn="r" eaLnBrk="1" latinLnBrk="0" hangingPunct="1">
+              <a:defRPr kumimoji="0" sz="1000" b="0">
                 <a:solidFill>
-                  <a:schemeClr val="tx1">
-                    <a:tint val="75000"/>
-                  </a:schemeClr>
+                  <a:schemeClr val="tx1"/>
                 </a:solidFill>
               </a:defRPr>
             </a:lvl1pPr>
+            <a:extLst/>
           </a:lstStyle>
           <a:p>
             <a:fld id="{9AAF7C5A-6748-4694-9B84-2C76EAF7D27D}" type="slidenum">
@@ -8145,51 +9607,61 @@
         </p:txBody>
       </p:sp>
     </p:spTree>
-    <p:extLst>
-      <p:ext uri="{BB962C8B-B14F-4D97-AF65-F5344CB8AC3E}">
-        <p14:creationId xmlns:p14="http://schemas.microsoft.com/office/powerpoint/2010/main" val="409417601"/>
-      </p:ext>
-    </p:extLst>
   </p:cSld>
   <p:clrMap bg1="lt1" tx1="dk1" bg2="lt2" tx2="dk2" accent1="accent1" accent2="accent2" accent3="accent3" accent4="accent4" accent5="accent5" accent6="accent6" hlink="hlink" folHlink="folHlink"/>
   <p:sldLayoutIdLst>
-    <p:sldLayoutId id="2147483649" r:id="rId1"/>
-    <p:sldLayoutId id="2147483650" r:id="rId2"/>
-    <p:sldLayoutId id="2147483651" r:id="rId3"/>
-    <p:sldLayoutId id="2147483652" r:id="rId4"/>
-    <p:sldLayoutId id="2147483653" r:id="rId5"/>
-    <p:sldLayoutId id="2147483654" r:id="rId6"/>
-    <p:sldLayoutId id="2147483655" r:id="rId7"/>
-    <p:sldLayoutId id="2147483656" r:id="rId8"/>
-    <p:sldLayoutId id="2147483657" r:id="rId9"/>
-    <p:sldLayoutId id="2147483658" r:id="rId10"/>
-    <p:sldLayoutId id="2147483659" r:id="rId11"/>
+    <p:sldLayoutId id="2147483661" r:id="rId1"/>
+    <p:sldLayoutId id="2147483662" r:id="rId2"/>
+    <p:sldLayoutId id="2147483663" r:id="rId3"/>
+    <p:sldLayoutId id="2147483664" r:id="rId4"/>
+    <p:sldLayoutId id="2147483665" r:id="rId5"/>
+    <p:sldLayoutId id="2147483666" r:id="rId6"/>
+    <p:sldLayoutId id="2147483667" r:id="rId7"/>
+    <p:sldLayoutId id="2147483668" r:id="rId8"/>
+    <p:sldLayoutId id="2147483669" r:id="rId9"/>
+    <p:sldLayoutId id="2147483670" r:id="rId10"/>
+    <p:sldLayoutId id="2147483671" r:id="rId11"/>
   </p:sldLayoutIdLst>
   <p:txStyles>
     <p:titleStyle>
-      <a:lvl1pPr algn="ctr" defTabSz="914400" rtl="0" eaLnBrk="1" latinLnBrk="0" hangingPunct="1">
+      <a:lvl1pPr algn="l" rtl="0" eaLnBrk="1" latinLnBrk="0" hangingPunct="1">
         <a:spcBef>
           <a:spcPct val="0"/>
         </a:spcBef>
         <a:buNone/>
-        <a:defRPr sz="4400" kern="1200">
+        <a:defRPr kumimoji="0" sz="4100" b="1" kern="1200">
           <a:solidFill>
-            <a:schemeClr val="tx1"/>
+            <a:schemeClr val="tx2"/>
           </a:solidFill>
+          <a:effectLst>
+            <a:outerShdw blurRad="31750" dist="25400" dir="5400000" algn="tl" rotWithShape="0">
+              <a:srgbClr val="000000">
+                <a:alpha val="25000"/>
+              </a:srgbClr>
+            </a:outerShdw>
+          </a:effectLst>
           <a:latin typeface="+mj-lt"/>
           <a:ea typeface="+mj-ea"/>
           <a:cs typeface="+mj-cs"/>
         </a:defRPr>
       </a:lvl1pPr>
+      <a:extLst/>
     </p:titleStyle>
     <p:bodyStyle>
-      <a:lvl1pPr marL="342900" indent="-342900" algn="l" defTabSz="914400" rtl="0" eaLnBrk="1" latinLnBrk="0" hangingPunct="1">
+      <a:lvl1pPr marL="365760" indent="-256032" algn="l" rtl="0" eaLnBrk="1" latinLnBrk="0" hangingPunct="1">
         <a:spcBef>
-          <a:spcPct val="20000"/>
+          <a:spcPts val="400"/>
         </a:spcBef>
-        <a:buFont typeface="Arial" panose="020B0604020202020204" pitchFamily="34" charset="0"/>
-        <a:buChar char="•"/>
-        <a:defRPr sz="3200" kern="1200">
+        <a:spcAft>
+          <a:spcPts val="0"/>
+        </a:spcAft>
+        <a:buClr>
+          <a:schemeClr val="accent1"/>
+        </a:buClr>
+        <a:buSzPct val="68000"/>
+        <a:buFont typeface="Wingdings 3"/>
+        <a:buChar char=""/>
+        <a:defRPr kumimoji="0" sz="2700" kern="1200">
           <a:solidFill>
             <a:schemeClr val="tx1"/>
           </a:solidFill>
@@ -8198,13 +9670,16 @@
           <a:cs typeface="+mn-cs"/>
         </a:defRPr>
       </a:lvl1pPr>
-      <a:lvl2pPr marL="742950" indent="-285750" algn="l" defTabSz="914400" rtl="0" eaLnBrk="1" latinLnBrk="0" hangingPunct="1">
+      <a:lvl2pPr marL="621792" indent="-228600" algn="l" rtl="0" eaLnBrk="1" latinLnBrk="0" hangingPunct="1">
         <a:spcBef>
-          <a:spcPct val="20000"/>
+          <a:spcPts val="324"/>
         </a:spcBef>
-        <a:buFont typeface="Arial" panose="020B0604020202020204" pitchFamily="34" charset="0"/>
-        <a:buChar char="–"/>
-        <a:defRPr sz="2800" kern="1200">
+        <a:buClr>
+          <a:schemeClr val="accent1"/>
+        </a:buClr>
+        <a:buFont typeface="Verdana"/>
+        <a:buChar char="◦"/>
+        <a:defRPr kumimoji="0" sz="2300" kern="1200">
           <a:solidFill>
             <a:schemeClr val="tx1"/>
           </a:solidFill>
@@ -8213,13 +9688,17 @@
           <a:cs typeface="+mn-cs"/>
         </a:defRPr>
       </a:lvl2pPr>
-      <a:lvl3pPr marL="1143000" indent="-228600" algn="l" defTabSz="914400" rtl="0" eaLnBrk="1" latinLnBrk="0" hangingPunct="1">
+      <a:lvl3pPr marL="859536" indent="-228600" algn="l" rtl="0" eaLnBrk="1" latinLnBrk="0" hangingPunct="1">
         <a:spcBef>
-          <a:spcPct val="20000"/>
+          <a:spcPts val="350"/>
         </a:spcBef>
-        <a:buFont typeface="Arial" panose="020B0604020202020204" pitchFamily="34" charset="0"/>
-        <a:buChar char="•"/>
-        <a:defRPr sz="2400" kern="1200">
+        <a:buClr>
+          <a:schemeClr val="accent2"/>
+        </a:buClr>
+        <a:buSzPct val="100000"/>
+        <a:buFont typeface="Wingdings 2"/>
+        <a:buChar char=""/>
+        <a:defRPr kumimoji="0" sz="2100" kern="1200">
           <a:solidFill>
             <a:schemeClr val="tx1"/>
           </a:solidFill>
@@ -8228,13 +9707,16 @@
           <a:cs typeface="+mn-cs"/>
         </a:defRPr>
       </a:lvl3pPr>
-      <a:lvl4pPr marL="1600200" indent="-228600" algn="l" defTabSz="914400" rtl="0" eaLnBrk="1" latinLnBrk="0" hangingPunct="1">
+      <a:lvl4pPr marL="1143000" indent="-228600" algn="l" rtl="0" eaLnBrk="1" latinLnBrk="0" hangingPunct="1">
         <a:spcBef>
-          <a:spcPct val="20000"/>
+          <a:spcPts val="350"/>
         </a:spcBef>
-        <a:buFont typeface="Arial" panose="020B0604020202020204" pitchFamily="34" charset="0"/>
-        <a:buChar char="–"/>
-        <a:defRPr sz="2000" kern="1200">
+        <a:buClr>
+          <a:schemeClr val="accent2"/>
+        </a:buClr>
+        <a:buFont typeface="Wingdings 2"/>
+        <a:buChar char=""/>
+        <a:defRPr kumimoji="0" sz="1900" kern="1200">
           <a:solidFill>
             <a:schemeClr val="tx1"/>
           </a:solidFill>
@@ -8243,13 +9725,16 @@
           <a:cs typeface="+mn-cs"/>
         </a:defRPr>
       </a:lvl4pPr>
-      <a:lvl5pPr marL="2057400" indent="-228600" algn="l" defTabSz="914400" rtl="0" eaLnBrk="1" latinLnBrk="0" hangingPunct="1">
+      <a:lvl5pPr marL="1371600" indent="-228600" algn="l" rtl="0" eaLnBrk="1" latinLnBrk="0" hangingPunct="1">
         <a:spcBef>
-          <a:spcPct val="20000"/>
+          <a:spcPts val="350"/>
         </a:spcBef>
-        <a:buFont typeface="Arial" panose="020B0604020202020204" pitchFamily="34" charset="0"/>
-        <a:buChar char="»"/>
-        <a:defRPr sz="2000" kern="1200">
+        <a:buClr>
+          <a:schemeClr val="accent2"/>
+        </a:buClr>
+        <a:buFont typeface="Wingdings 2"/>
+        <a:buChar char=""/>
+        <a:defRPr kumimoji="0" sz="1800" kern="1200">
           <a:solidFill>
             <a:schemeClr val="tx1"/>
           </a:solidFill>
@@ -8258,13 +9743,16 @@
           <a:cs typeface="+mn-cs"/>
         </a:defRPr>
       </a:lvl5pPr>
-      <a:lvl6pPr marL="2514600" indent="-228600" algn="l" defTabSz="914400" rtl="0" eaLnBrk="1" latinLnBrk="0" hangingPunct="1">
+      <a:lvl6pPr marL="1600200" indent="-228600" algn="l" rtl="0" eaLnBrk="1" latinLnBrk="0" hangingPunct="1">
         <a:spcBef>
-          <a:spcPct val="20000"/>
+          <a:spcPts val="350"/>
         </a:spcBef>
-        <a:buFont typeface="Arial" panose="020B0604020202020204" pitchFamily="34" charset="0"/>
-        <a:buChar char="•"/>
-        <a:defRPr sz="2000" kern="1200">
+        <a:buClr>
+          <a:schemeClr val="accent3"/>
+        </a:buClr>
+        <a:buFont typeface="Wingdings 2"/>
+        <a:buChar char=""/>
+        <a:defRPr kumimoji="0" sz="1800" kern="1200">
           <a:solidFill>
             <a:schemeClr val="tx1"/>
           </a:solidFill>
@@ -8273,13 +9761,16 @@
           <a:cs typeface="+mn-cs"/>
         </a:defRPr>
       </a:lvl6pPr>
-      <a:lvl7pPr marL="2971800" indent="-228600" algn="l" defTabSz="914400" rtl="0" eaLnBrk="1" latinLnBrk="0" hangingPunct="1">
+      <a:lvl7pPr marL="1828800" indent="-228600" algn="l" rtl="0" eaLnBrk="1" latinLnBrk="0" hangingPunct="1">
         <a:spcBef>
-          <a:spcPct val="20000"/>
+          <a:spcPts val="350"/>
         </a:spcBef>
-        <a:buFont typeface="Arial" panose="020B0604020202020204" pitchFamily="34" charset="0"/>
-        <a:buChar char="•"/>
-        <a:defRPr sz="2000" kern="1200">
+        <a:buClr>
+          <a:schemeClr val="accent3"/>
+        </a:buClr>
+        <a:buFont typeface="Wingdings 2"/>
+        <a:buChar char=""/>
+        <a:defRPr kumimoji="0" sz="1600" kern="1200">
           <a:solidFill>
             <a:schemeClr val="tx1"/>
           </a:solidFill>
@@ -8288,13 +9779,16 @@
           <a:cs typeface="+mn-cs"/>
         </a:defRPr>
       </a:lvl7pPr>
-      <a:lvl8pPr marL="3429000" indent="-228600" algn="l" defTabSz="914400" rtl="0" eaLnBrk="1" latinLnBrk="0" hangingPunct="1">
+      <a:lvl8pPr marL="2057400" indent="-228600" algn="l" rtl="0" eaLnBrk="1" latinLnBrk="0" hangingPunct="1">
         <a:spcBef>
-          <a:spcPct val="20000"/>
+          <a:spcPts val="350"/>
         </a:spcBef>
-        <a:buFont typeface="Arial" panose="020B0604020202020204" pitchFamily="34" charset="0"/>
-        <a:buChar char="•"/>
-        <a:defRPr sz="2000" kern="1200">
+        <a:buClr>
+          <a:schemeClr val="accent3"/>
+        </a:buClr>
+        <a:buFont typeface="Wingdings 2"/>
+        <a:buChar char=""/>
+        <a:defRPr kumimoji="0" sz="1600" kern="1200">
           <a:solidFill>
             <a:schemeClr val="tx1"/>
           </a:solidFill>
@@ -8303,13 +9797,16 @@
           <a:cs typeface="+mn-cs"/>
         </a:defRPr>
       </a:lvl8pPr>
-      <a:lvl9pPr marL="3886200" indent="-228600" algn="l" defTabSz="914400" rtl="0" eaLnBrk="1" latinLnBrk="0" hangingPunct="1">
+      <a:lvl9pPr marL="2286000" indent="-228600" algn="l" rtl="0" eaLnBrk="1" latinLnBrk="0" hangingPunct="1">
         <a:spcBef>
-          <a:spcPct val="20000"/>
+          <a:spcPts val="350"/>
         </a:spcBef>
-        <a:buFont typeface="Arial" panose="020B0604020202020204" pitchFamily="34" charset="0"/>
-        <a:buChar char="•"/>
-        <a:defRPr sz="2000" kern="1200">
+        <a:buClr>
+          <a:schemeClr val="accent3"/>
+        </a:buClr>
+        <a:buFont typeface="Wingdings 2"/>
+        <a:buChar char=""/>
+        <a:defRPr kumimoji="0" sz="1600" kern="1200" baseline="0">
           <a:solidFill>
             <a:schemeClr val="tx1"/>
           </a:solidFill>
@@ -8318,13 +9815,11 @@
           <a:cs typeface="+mn-cs"/>
         </a:defRPr>
       </a:lvl9pPr>
+      <a:extLst/>
     </p:bodyStyle>
     <p:otherStyle>
-      <a:defPPr>
-        <a:defRPr lang="en-US"/>
-      </a:defPPr>
-      <a:lvl1pPr marL="0" algn="l" defTabSz="914400" rtl="0" eaLnBrk="1" latinLnBrk="0" hangingPunct="1">
-        <a:defRPr sz="1800" kern="1200">
+      <a:lvl1pPr marL="0" algn="l" rtl="0" eaLnBrk="1" latinLnBrk="0" hangingPunct="1">
+        <a:defRPr kumimoji="0" kern="1200">
           <a:solidFill>
             <a:schemeClr val="tx1"/>
           </a:solidFill>
@@ -8333,8 +9828,8 @@
           <a:cs typeface="+mn-cs"/>
         </a:defRPr>
       </a:lvl1pPr>
-      <a:lvl2pPr marL="457200" algn="l" defTabSz="914400" rtl="0" eaLnBrk="1" latinLnBrk="0" hangingPunct="1">
-        <a:defRPr sz="1800" kern="1200">
+      <a:lvl2pPr marL="457200" algn="l" rtl="0" eaLnBrk="1" latinLnBrk="0" hangingPunct="1">
+        <a:defRPr kumimoji="0" kern="1200">
           <a:solidFill>
             <a:schemeClr val="tx1"/>
           </a:solidFill>
@@ -8343,8 +9838,8 @@
           <a:cs typeface="+mn-cs"/>
         </a:defRPr>
       </a:lvl2pPr>
-      <a:lvl3pPr marL="914400" algn="l" defTabSz="914400" rtl="0" eaLnBrk="1" latinLnBrk="0" hangingPunct="1">
-        <a:defRPr sz="1800" kern="1200">
+      <a:lvl3pPr marL="914400" algn="l" rtl="0" eaLnBrk="1" latinLnBrk="0" hangingPunct="1">
+        <a:defRPr kumimoji="0" kern="1200">
           <a:solidFill>
             <a:schemeClr val="tx1"/>
           </a:solidFill>
@@ -8353,8 +9848,8 @@
           <a:cs typeface="+mn-cs"/>
         </a:defRPr>
       </a:lvl3pPr>
-      <a:lvl4pPr marL="1371600" algn="l" defTabSz="914400" rtl="0" eaLnBrk="1" latinLnBrk="0" hangingPunct="1">
-        <a:defRPr sz="1800" kern="1200">
+      <a:lvl4pPr marL="1371600" algn="l" rtl="0" eaLnBrk="1" latinLnBrk="0" hangingPunct="1">
+        <a:defRPr kumimoji="0" kern="1200">
           <a:solidFill>
             <a:schemeClr val="tx1"/>
           </a:solidFill>
@@ -8363,8 +9858,8 @@
           <a:cs typeface="+mn-cs"/>
         </a:defRPr>
       </a:lvl4pPr>
-      <a:lvl5pPr marL="1828800" algn="l" defTabSz="914400" rtl="0" eaLnBrk="1" latinLnBrk="0" hangingPunct="1">
-        <a:defRPr sz="1800" kern="1200">
+      <a:lvl5pPr marL="1828800" algn="l" rtl="0" eaLnBrk="1" latinLnBrk="0" hangingPunct="1">
+        <a:defRPr kumimoji="0" kern="1200">
           <a:solidFill>
             <a:schemeClr val="tx1"/>
           </a:solidFill>
@@ -8373,8 +9868,8 @@
           <a:cs typeface="+mn-cs"/>
         </a:defRPr>
       </a:lvl5pPr>
-      <a:lvl6pPr marL="2286000" algn="l" defTabSz="914400" rtl="0" eaLnBrk="1" latinLnBrk="0" hangingPunct="1">
-        <a:defRPr sz="1800" kern="1200">
+      <a:lvl6pPr marL="2286000" algn="l" rtl="0" eaLnBrk="1" latinLnBrk="0" hangingPunct="1">
+        <a:defRPr kumimoji="0" kern="1200">
           <a:solidFill>
             <a:schemeClr val="tx1"/>
           </a:solidFill>
@@ -8383,8 +9878,8 @@
           <a:cs typeface="+mn-cs"/>
         </a:defRPr>
       </a:lvl6pPr>
-      <a:lvl7pPr marL="2743200" algn="l" defTabSz="914400" rtl="0" eaLnBrk="1" latinLnBrk="0" hangingPunct="1">
-        <a:defRPr sz="1800" kern="1200">
+      <a:lvl7pPr marL="2743200" algn="l" rtl="0" eaLnBrk="1" latinLnBrk="0" hangingPunct="1">
+        <a:defRPr kumimoji="0" kern="1200">
           <a:solidFill>
             <a:schemeClr val="tx1"/>
           </a:solidFill>
@@ -8393,8 +9888,8 @@
           <a:cs typeface="+mn-cs"/>
         </a:defRPr>
       </a:lvl7pPr>
-      <a:lvl8pPr marL="3200400" algn="l" defTabSz="914400" rtl="0" eaLnBrk="1" latinLnBrk="0" hangingPunct="1">
-        <a:defRPr sz="1800" kern="1200">
+      <a:lvl8pPr marL="3200400" algn="l" rtl="0" eaLnBrk="1" latinLnBrk="0" hangingPunct="1">
+        <a:defRPr kumimoji="0" kern="1200">
           <a:solidFill>
             <a:schemeClr val="tx1"/>
           </a:solidFill>
@@ -8403,8 +9898,8 @@
           <a:cs typeface="+mn-cs"/>
         </a:defRPr>
       </a:lvl8pPr>
-      <a:lvl9pPr marL="3657600" algn="l" defTabSz="914400" rtl="0" eaLnBrk="1" latinLnBrk="0" hangingPunct="1">
-        <a:defRPr sz="1800" kern="1200">
+      <a:lvl9pPr marL="3657600" algn="l" rtl="0" eaLnBrk="1" latinLnBrk="0" hangingPunct="1">
+        <a:defRPr kumimoji="0" kern="1200">
           <a:solidFill>
             <a:schemeClr val="tx1"/>
           </a:solidFill>
@@ -8413,6 +9908,7 @@
           <a:cs typeface="+mn-cs"/>
         </a:defRPr>
       </a:lvl9pPr>
+      <a:extLst/>
     </p:otherStyle>
   </p:txStyles>
 </p:sldMaster>
@@ -8453,7 +9949,7 @@
         </p:spPr>
         <p:txBody>
           <a:bodyPr>
-            <a:normAutofit/>
+            <a:normAutofit fontScale="90000"/>
           </a:bodyPr>
           <a:lstStyle/>
           <a:p>
@@ -8832,14 +10328,28 @@
             <p:ph type="title"/>
           </p:nvPr>
         </p:nvSpPr>
-        <p:spPr/>
+        <p:spPr>
+          <a:xfrm>
+            <a:off x="444737" y="152400"/>
+            <a:ext cx="8229600" cy="1143000"/>
+          </a:xfrm>
+        </p:spPr>
         <p:txBody>
-          <a:bodyPr/>
+          <a:bodyPr>
+            <a:normAutofit fontScale="90000"/>
+          </a:bodyPr>
           <a:lstStyle/>
           <a:p>
             <a:r>
               <a:rPr lang="en-US" dirty="0" smtClean="0"/>
-              <a:t>LSTM Approach</a:t>
+              <a:t>Predicting The future Sales </a:t>
+            </a:r>
+            <a:br>
+              <a:rPr lang="en-US" dirty="0" smtClean="0"/>
+            </a:br>
+            <a:r>
+              <a:rPr lang="en-US" dirty="0" smtClean="0"/>
+              <a:t>Under COVID-19 restrictions</a:t>
             </a:r>
             <a:endParaRPr lang="en-US" dirty="0"/>
           </a:p>
@@ -8847,14 +10357,14 @@
       </p:sp>
       <p:sp>
         <p:nvSpPr>
-          <p:cNvPr id="6" name="TextBox 5"/>
+          <p:cNvPr id="5" name="TextBox 4"/>
           <p:cNvSpPr txBox="1"/>
           <p:nvPr/>
         </p:nvSpPr>
         <p:spPr>
           <a:xfrm>
-            <a:off x="685800" y="1399648"/>
-            <a:ext cx="6609664" cy="369332"/>
+            <a:off x="1476642" y="1447800"/>
+            <a:ext cx="6172200" cy="1200329"/>
           </a:xfrm>
           <a:prstGeom prst="rect">
             <a:avLst/>
@@ -8869,30 +10379,84 @@
           <a:p>
             <a:r>
               <a:rPr lang="en-US" dirty="0" smtClean="0"/>
-              <a:t>Take Data from 1</a:t>
-            </a:r>
-            <a:r>
-              <a:rPr lang="en-US" baseline="30000" dirty="0" smtClean="0"/>
-              <a:t>st</a:t>
+              <a:t> </a:t>
+            </a:r>
+            <a:r>
+              <a:rPr lang="en-US" dirty="0"/>
+              <a:t>The Long Short-Term Memory network or LSTM network is a type of recurrent neural network used in deep learning because very large </a:t>
             </a:r>
             <a:r>
               <a:rPr lang="en-US" dirty="0" smtClean="0"/>
-              <a:t> March at the time of Pandemic break out</a:t>
+              <a:t>to learn from long sequence of observation and predict future sequence</a:t>
             </a:r>
             <a:endParaRPr lang="en-US" dirty="0"/>
           </a:p>
         </p:txBody>
       </p:sp>
+      <p:pic>
+        <p:nvPicPr>
+          <p:cNvPr id="7171" name="Picture 3"/>
+          <p:cNvPicPr>
+            <a:picLocks noChangeAspect="1" noChangeArrowheads="1"/>
+          </p:cNvPicPr>
+          <p:nvPr/>
+        </p:nvPicPr>
+        <p:blipFill>
+          <a:blip r:embed="rId2">
+            <a:extLst>
+              <a:ext uri="{28A0092B-C50C-407E-A947-70E740481C1C}">
+                <a14:useLocalDpi xmlns:a14="http://schemas.microsoft.com/office/drawing/2010/main" val="0"/>
+              </a:ext>
+            </a:extLst>
+          </a:blip>
+          <a:srcRect/>
+          <a:stretch>
+            <a:fillRect/>
+          </a:stretch>
+        </p:blipFill>
+        <p:spPr bwMode="auto">
+          <a:xfrm>
+            <a:off x="1600199" y="2648129"/>
+            <a:ext cx="5410201" cy="2827732"/>
+          </a:xfrm>
+          <a:prstGeom prst="rect">
+            <a:avLst/>
+          </a:prstGeom>
+          <a:noFill/>
+          <a:ln>
+            <a:noFill/>
+          </a:ln>
+          <a:extLst>
+            <a:ext uri="{909E8E84-426E-40DD-AFC4-6F175D3DCCD1}">
+              <a14:hiddenFill xmlns:a14="http://schemas.microsoft.com/office/drawing/2010/main">
+                <a:solidFill>
+                  <a:schemeClr val="accent1"/>
+                </a:solidFill>
+              </a14:hiddenFill>
+            </a:ext>
+            <a:ext uri="{91240B29-F687-4F45-9708-019B960494DF}">
+              <a14:hiddenLine xmlns:a14="http://schemas.microsoft.com/office/drawing/2010/main" w="9525">
+                <a:solidFill>
+                  <a:schemeClr val="tx1"/>
+                </a:solidFill>
+                <a:miter lim="800000"/>
+                <a:headEnd/>
+                <a:tailEnd/>
+              </a14:hiddenLine>
+            </a:ext>
+          </a:extLst>
+        </p:spPr>
+      </p:pic>
       <p:sp>
         <p:nvSpPr>
-          <p:cNvPr id="7" name="TextBox 6"/>
+          <p:cNvPr id="3" name="TextBox 2"/>
           <p:cNvSpPr txBox="1"/>
           <p:nvPr/>
         </p:nvSpPr>
         <p:spPr>
           <a:xfrm>
-            <a:off x="707165" y="2462613"/>
-            <a:ext cx="6781800" cy="369332"/>
+            <a:off x="762000" y="6043291"/>
+            <a:ext cx="7620000" cy="646331"/>
           </a:xfrm>
           <a:prstGeom prst="rect">
             <a:avLst/>
@@ -8906,23 +10470,22 @@
           <a:lstStyle/>
           <a:p>
             <a:r>
-              <a:rPr lang="en-US" dirty="0" smtClean="0"/>
-              <a:t>Create an array of Matrix of time series as   features  of RNN input</a:t>
-            </a:r>
-            <a:endParaRPr lang="en-US" dirty="0"/>
+              <a:rPr lang="en-US" dirty="0"/>
+              <a:t>https://www.superdatascience.com/blogs/the-ultimate-guide-to-artificial-neural-networks-ann</a:t>
+            </a:r>
           </a:p>
         </p:txBody>
       </p:sp>
       <p:sp>
         <p:nvSpPr>
-          <p:cNvPr id="8" name="TextBox 7"/>
+          <p:cNvPr id="6" name="TextBox 5"/>
           <p:cNvSpPr txBox="1"/>
           <p:nvPr/>
         </p:nvSpPr>
         <p:spPr>
           <a:xfrm>
-            <a:off x="757728" y="2140175"/>
-            <a:ext cx="6781800" cy="369332"/>
+            <a:off x="828942" y="5636045"/>
+            <a:ext cx="7467600" cy="369332"/>
           </a:xfrm>
           <a:prstGeom prst="rect">
             <a:avLst/>
@@ -8936,255 +10499,24 @@
           <a:lstStyle/>
           <a:p>
             <a:r>
+              <a:rPr lang="en-US" dirty="0"/>
+              <a:t>If you want to add more value to </a:t>
+            </a:r>
+            <a:r>
               <a:rPr lang="en-US" dirty="0" smtClean="0"/>
-              <a:t>Process the data train and test set</a:t>
-            </a:r>
-            <a:endParaRPr lang="en-US" dirty="0"/>
-          </a:p>
-        </p:txBody>
-      </p:sp>
-      <p:sp>
-        <p:nvSpPr>
-          <p:cNvPr id="9" name="TextBox 8"/>
-          <p:cNvSpPr txBox="1"/>
-          <p:nvPr/>
-        </p:nvSpPr>
-        <p:spPr>
-          <a:xfrm>
-            <a:off x="707165" y="3227864"/>
-            <a:ext cx="6781800" cy="369332"/>
-          </a:xfrm>
-          <a:prstGeom prst="rect">
-            <a:avLst/>
-          </a:prstGeom>
-          <a:noFill/>
-        </p:spPr>
-        <p:txBody>
-          <a:bodyPr wrap="square" rtlCol="0">
-            <a:spAutoFit/>
-          </a:bodyPr>
-          <a:lstStyle/>
-          <a:p>
-            <a:r>
-              <a:rPr lang="en-US" dirty="0" smtClean="0"/>
-              <a:t>Create LTSM stacked layers model </a:t>
-            </a:r>
-            <a:endParaRPr lang="en-US" dirty="0"/>
-          </a:p>
-        </p:txBody>
-      </p:sp>
-      <p:sp>
-        <p:nvSpPr>
-          <p:cNvPr id="10" name="TextBox 9"/>
-          <p:cNvSpPr txBox="1"/>
-          <p:nvPr/>
-        </p:nvSpPr>
-        <p:spPr>
-          <a:xfrm>
-            <a:off x="685800" y="1794617"/>
-            <a:ext cx="7924799" cy="369332"/>
-          </a:xfrm>
-          <a:prstGeom prst="rect">
-            <a:avLst/>
-          </a:prstGeom>
-          <a:noFill/>
-        </p:spPr>
-        <p:txBody>
-          <a:bodyPr wrap="square" rtlCol="0">
-            <a:spAutoFit/>
-          </a:bodyPr>
-          <a:lstStyle/>
-          <a:p>
-            <a:r>
-              <a:rPr lang="en-US" dirty="0" smtClean="0"/>
-              <a:t>Decide of number of days to look back and training your model </a:t>
-            </a:r>
-            <a:r>
-              <a:rPr lang="en-US" dirty="0" err="1" smtClean="0"/>
-              <a:t>timesteps</a:t>
-            </a:r>
-            <a:r>
-              <a:rPr lang="en-US" dirty="0" smtClean="0"/>
-              <a:t>= </a:t>
-            </a:r>
-            <a:r>
-              <a:rPr lang="en-US" dirty="0" smtClean="0"/>
-              <a:t>30</a:t>
-            </a:r>
-            <a:endParaRPr lang="en-US" dirty="0"/>
-          </a:p>
-        </p:txBody>
-      </p:sp>
-      <p:sp>
-        <p:nvSpPr>
-          <p:cNvPr id="11" name="TextBox 10"/>
-          <p:cNvSpPr txBox="1"/>
-          <p:nvPr/>
-        </p:nvSpPr>
-        <p:spPr>
-          <a:xfrm>
-            <a:off x="689361" y="2858532"/>
-            <a:ext cx="6781800" cy="369332"/>
-          </a:xfrm>
-          <a:prstGeom prst="rect">
-            <a:avLst/>
-          </a:prstGeom>
-          <a:noFill/>
-        </p:spPr>
-        <p:txBody>
-          <a:bodyPr wrap="square" rtlCol="0">
-            <a:spAutoFit/>
-          </a:bodyPr>
-          <a:lstStyle/>
-          <a:p>
-            <a:r>
-              <a:rPr lang="en-US" dirty="0" smtClean="0"/>
-              <a:t>Create this Matrix for </a:t>
-            </a:r>
-            <a:r>
-              <a:rPr lang="en-US" dirty="0" err="1" smtClean="0"/>
-              <a:t>x_train</a:t>
-            </a:r>
-            <a:r>
-              <a:rPr lang="en-US" dirty="0" smtClean="0"/>
-              <a:t> and </a:t>
-            </a:r>
-            <a:r>
-              <a:rPr lang="en-US" dirty="0" err="1" smtClean="0"/>
-              <a:t>y_train</a:t>
-            </a:r>
-            <a:r>
-              <a:rPr lang="en-US" dirty="0" smtClean="0"/>
-              <a:t> </a:t>
-            </a:r>
-            <a:endParaRPr lang="en-US" dirty="0"/>
-          </a:p>
-        </p:txBody>
-      </p:sp>
-      <p:sp>
-        <p:nvSpPr>
-          <p:cNvPr id="12" name="TextBox 11"/>
-          <p:cNvSpPr txBox="1"/>
-          <p:nvPr/>
-        </p:nvSpPr>
-        <p:spPr>
-          <a:xfrm>
-            <a:off x="757728" y="3654517"/>
-            <a:ext cx="6781800" cy="369332"/>
-          </a:xfrm>
-          <a:prstGeom prst="rect">
-            <a:avLst/>
-          </a:prstGeom>
-          <a:noFill/>
-        </p:spPr>
-        <p:txBody>
-          <a:bodyPr wrap="square" rtlCol="0">
-            <a:spAutoFit/>
-          </a:bodyPr>
-          <a:lstStyle/>
-          <a:p>
-            <a:r>
-              <a:rPr lang="en-US" dirty="0" smtClean="0"/>
-              <a:t>Train the Model </a:t>
-            </a:r>
-            <a:endParaRPr lang="en-US" dirty="0"/>
-          </a:p>
-        </p:txBody>
-      </p:sp>
-      <p:sp>
-        <p:nvSpPr>
-          <p:cNvPr id="13" name="TextBox 12"/>
-          <p:cNvSpPr txBox="1"/>
-          <p:nvPr/>
-        </p:nvSpPr>
-        <p:spPr>
-          <a:xfrm>
-            <a:off x="731378" y="4023849"/>
-            <a:ext cx="6781800" cy="369332"/>
-          </a:xfrm>
-          <a:prstGeom prst="rect">
-            <a:avLst/>
-          </a:prstGeom>
-          <a:noFill/>
-        </p:spPr>
-        <p:txBody>
-          <a:bodyPr wrap="square" rtlCol="0">
-            <a:spAutoFit/>
-          </a:bodyPr>
-          <a:lstStyle/>
-          <a:p>
-            <a:r>
-              <a:rPr lang="en-US" dirty="0" smtClean="0"/>
-              <a:t>Predict the future 365 days </a:t>
-            </a:r>
-            <a:endParaRPr lang="en-US" dirty="0"/>
-          </a:p>
-        </p:txBody>
-      </p:sp>
-      <p:sp>
-        <p:nvSpPr>
-          <p:cNvPr id="14" name="TextBox 13"/>
-          <p:cNvSpPr txBox="1"/>
-          <p:nvPr/>
-        </p:nvSpPr>
-        <p:spPr>
-          <a:xfrm>
-            <a:off x="741348" y="4445730"/>
-            <a:ext cx="6781800" cy="369332"/>
-          </a:xfrm>
-          <a:prstGeom prst="rect">
-            <a:avLst/>
-          </a:prstGeom>
-          <a:noFill/>
-        </p:spPr>
-        <p:txBody>
-          <a:bodyPr wrap="square" rtlCol="0">
-            <a:spAutoFit/>
-          </a:bodyPr>
-          <a:lstStyle/>
-          <a:p>
-            <a:r>
-              <a:rPr lang="en-US" dirty="0" smtClean="0"/>
-              <a:t>Create data set from Jan 2020 – June 2021 and save it on file</a:t>
-            </a:r>
-            <a:endParaRPr lang="en-US" dirty="0"/>
-          </a:p>
-        </p:txBody>
-      </p:sp>
-      <p:sp>
-        <p:nvSpPr>
-          <p:cNvPr id="15" name="TextBox 14"/>
-          <p:cNvSpPr txBox="1"/>
-          <p:nvPr/>
-        </p:nvSpPr>
-        <p:spPr>
-          <a:xfrm>
-            <a:off x="757728" y="4837851"/>
-            <a:ext cx="6781800" cy="369332"/>
-          </a:xfrm>
-          <a:prstGeom prst="rect">
-            <a:avLst/>
-          </a:prstGeom>
-          <a:noFill/>
-        </p:spPr>
-        <p:txBody>
-          <a:bodyPr wrap="square" rtlCol="0">
-            <a:spAutoFit/>
-          </a:bodyPr>
-          <a:lstStyle/>
-          <a:p>
-            <a:r>
-              <a:rPr lang="en-US" dirty="0" smtClean="0"/>
-              <a:t>Plot the out of the predicted sales</a:t>
-            </a:r>
-            <a:endParaRPr lang="en-US" dirty="0"/>
+              <a:t>RNN,  </a:t>
+            </a:r>
+            <a:r>
+              <a:rPr lang="en-US" dirty="0"/>
+              <a:t>recommend checking out:</a:t>
+            </a:r>
           </a:p>
         </p:txBody>
       </p:sp>
     </p:spTree>
     <p:extLst>
       <p:ext uri="{BB962C8B-B14F-4D97-AF65-F5344CB8AC3E}">
-        <p14:creationId xmlns:p14="http://schemas.microsoft.com/office/powerpoint/2010/main" val="1261766653"/>
+        <p14:creationId xmlns:p14="http://schemas.microsoft.com/office/powerpoint/2010/main" val="919023008"/>
       </p:ext>
     </p:extLst>
   </p:cSld>
@@ -9223,8 +10555,8 @@
         </p:nvSpPr>
         <p:spPr>
           <a:xfrm>
-            <a:off x="457200" y="228600"/>
-            <a:ext cx="7772400" cy="868362"/>
+            <a:off x="445092" y="232875"/>
+            <a:ext cx="8229600" cy="1143000"/>
           </a:xfrm>
         </p:spPr>
         <p:txBody>
@@ -9233,12 +10565,374 @@
           <a:p>
             <a:r>
               <a:rPr lang="en-US" dirty="0" smtClean="0"/>
-              <a:t>Model Summary</a:t>
+              <a:t>LSTM Approach</a:t>
             </a:r>
             <a:endParaRPr lang="en-US" dirty="0"/>
           </a:p>
         </p:txBody>
       </p:sp>
+      <p:sp>
+        <p:nvSpPr>
+          <p:cNvPr id="6" name="TextBox 5"/>
+          <p:cNvSpPr txBox="1"/>
+          <p:nvPr/>
+        </p:nvSpPr>
+        <p:spPr>
+          <a:xfrm>
+            <a:off x="869889" y="1191209"/>
+            <a:ext cx="7141435" cy="369332"/>
+          </a:xfrm>
+          <a:prstGeom prst="rect">
+            <a:avLst/>
+          </a:prstGeom>
+          <a:noFill/>
+        </p:spPr>
+        <p:txBody>
+          <a:bodyPr wrap="square" rtlCol="0">
+            <a:spAutoFit/>
+          </a:bodyPr>
+          <a:lstStyle/>
+          <a:p>
+            <a:r>
+              <a:rPr lang="en-US" dirty="0" smtClean="0"/>
+              <a:t>Take Data from 1</a:t>
+            </a:r>
+            <a:r>
+              <a:rPr lang="en-US" baseline="30000" dirty="0" smtClean="0"/>
+              <a:t>st</a:t>
+            </a:r>
+            <a:r>
+              <a:rPr lang="en-US" dirty="0" smtClean="0"/>
+              <a:t> March at the time of Pandemic break out</a:t>
+            </a:r>
+            <a:endParaRPr lang="en-US" dirty="0"/>
+          </a:p>
+        </p:txBody>
+      </p:sp>
+      <p:sp>
+        <p:nvSpPr>
+          <p:cNvPr id="7" name="TextBox 6"/>
+          <p:cNvSpPr txBox="1"/>
+          <p:nvPr/>
+        </p:nvSpPr>
+        <p:spPr>
+          <a:xfrm>
+            <a:off x="805441" y="2590800"/>
+            <a:ext cx="7141434" cy="646331"/>
+          </a:xfrm>
+          <a:prstGeom prst="rect">
+            <a:avLst/>
+          </a:prstGeom>
+          <a:noFill/>
+        </p:spPr>
+        <p:txBody>
+          <a:bodyPr wrap="square" rtlCol="0">
+            <a:spAutoFit/>
+          </a:bodyPr>
+          <a:lstStyle/>
+          <a:p>
+            <a:r>
+              <a:rPr lang="en-US" dirty="0" smtClean="0"/>
+              <a:t>Create an array of Matrix of time series as   features  of RNN input</a:t>
+            </a:r>
+            <a:endParaRPr lang="en-US" dirty="0"/>
+          </a:p>
+        </p:txBody>
+      </p:sp>
+      <p:sp>
+        <p:nvSpPr>
+          <p:cNvPr id="8" name="TextBox 7"/>
+          <p:cNvSpPr txBox="1"/>
+          <p:nvPr/>
+        </p:nvSpPr>
+        <p:spPr>
+          <a:xfrm>
+            <a:off x="868465" y="2208103"/>
+            <a:ext cx="6781800" cy="369332"/>
+          </a:xfrm>
+          <a:prstGeom prst="rect">
+            <a:avLst/>
+          </a:prstGeom>
+          <a:noFill/>
+        </p:spPr>
+        <p:txBody>
+          <a:bodyPr wrap="square" rtlCol="0">
+            <a:spAutoFit/>
+          </a:bodyPr>
+          <a:lstStyle/>
+          <a:p>
+            <a:r>
+              <a:rPr lang="en-US" dirty="0" smtClean="0"/>
+              <a:t>Process the data train and test set</a:t>
+            </a:r>
+            <a:endParaRPr lang="en-US" dirty="0"/>
+          </a:p>
+        </p:txBody>
+      </p:sp>
+      <p:sp>
+        <p:nvSpPr>
+          <p:cNvPr id="9" name="TextBox 8"/>
+          <p:cNvSpPr txBox="1"/>
+          <p:nvPr/>
+        </p:nvSpPr>
+        <p:spPr>
+          <a:xfrm>
+            <a:off x="886981" y="3544616"/>
+            <a:ext cx="6781800" cy="369332"/>
+          </a:xfrm>
+          <a:prstGeom prst="rect">
+            <a:avLst/>
+          </a:prstGeom>
+          <a:noFill/>
+        </p:spPr>
+        <p:txBody>
+          <a:bodyPr wrap="square" rtlCol="0">
+            <a:spAutoFit/>
+          </a:bodyPr>
+          <a:lstStyle/>
+          <a:p>
+            <a:r>
+              <a:rPr lang="en-US" dirty="0" smtClean="0"/>
+              <a:t>Create LTSM stacked layers model </a:t>
+            </a:r>
+            <a:endParaRPr lang="en-US" dirty="0"/>
+          </a:p>
+        </p:txBody>
+      </p:sp>
+      <p:sp>
+        <p:nvSpPr>
+          <p:cNvPr id="10" name="TextBox 9"/>
+          <p:cNvSpPr txBox="1"/>
+          <p:nvPr/>
+        </p:nvSpPr>
+        <p:spPr>
+          <a:xfrm>
+            <a:off x="856358" y="1560541"/>
+            <a:ext cx="8381999" cy="646331"/>
+          </a:xfrm>
+          <a:prstGeom prst="rect">
+            <a:avLst/>
+          </a:prstGeom>
+          <a:noFill/>
+        </p:spPr>
+        <p:txBody>
+          <a:bodyPr wrap="square" rtlCol="0">
+            <a:spAutoFit/>
+          </a:bodyPr>
+          <a:lstStyle/>
+          <a:p>
+            <a:r>
+              <a:rPr lang="en-US" dirty="0" smtClean="0"/>
+              <a:t>Decide of number of days to look back and training your model </a:t>
+            </a:r>
+            <a:r>
+              <a:rPr lang="en-US" dirty="0" err="1" smtClean="0"/>
+              <a:t>timesteps</a:t>
+            </a:r>
+            <a:r>
+              <a:rPr lang="en-US" dirty="0" smtClean="0"/>
+              <a:t>= 30</a:t>
+            </a:r>
+            <a:endParaRPr lang="en-US" dirty="0"/>
+          </a:p>
+        </p:txBody>
+      </p:sp>
+      <p:sp>
+        <p:nvSpPr>
+          <p:cNvPr id="11" name="TextBox 10"/>
+          <p:cNvSpPr txBox="1"/>
+          <p:nvPr/>
+        </p:nvSpPr>
+        <p:spPr>
+          <a:xfrm>
+            <a:off x="869889" y="3153883"/>
+            <a:ext cx="6781800" cy="369332"/>
+          </a:xfrm>
+          <a:prstGeom prst="rect">
+            <a:avLst/>
+          </a:prstGeom>
+          <a:noFill/>
+        </p:spPr>
+        <p:txBody>
+          <a:bodyPr wrap="square" rtlCol="0">
+            <a:spAutoFit/>
+          </a:bodyPr>
+          <a:lstStyle/>
+          <a:p>
+            <a:r>
+              <a:rPr lang="en-US" dirty="0" smtClean="0"/>
+              <a:t>Create this Matrix for </a:t>
+            </a:r>
+            <a:r>
+              <a:rPr lang="en-US" dirty="0" err="1" smtClean="0"/>
+              <a:t>x_train</a:t>
+            </a:r>
+            <a:r>
+              <a:rPr lang="en-US" dirty="0" smtClean="0"/>
+              <a:t> and </a:t>
+            </a:r>
+            <a:r>
+              <a:rPr lang="en-US" dirty="0" err="1" smtClean="0"/>
+              <a:t>y_train</a:t>
+            </a:r>
+            <a:r>
+              <a:rPr lang="en-US" dirty="0" smtClean="0"/>
+              <a:t> </a:t>
+            </a:r>
+            <a:endParaRPr lang="en-US" dirty="0"/>
+          </a:p>
+        </p:txBody>
+      </p:sp>
+      <p:sp>
+        <p:nvSpPr>
+          <p:cNvPr id="12" name="TextBox 11"/>
+          <p:cNvSpPr txBox="1"/>
+          <p:nvPr/>
+        </p:nvSpPr>
+        <p:spPr>
+          <a:xfrm>
+            <a:off x="869889" y="3951522"/>
+            <a:ext cx="6781800" cy="369332"/>
+          </a:xfrm>
+          <a:prstGeom prst="rect">
+            <a:avLst/>
+          </a:prstGeom>
+          <a:noFill/>
+        </p:spPr>
+        <p:txBody>
+          <a:bodyPr wrap="square" rtlCol="0">
+            <a:spAutoFit/>
+          </a:bodyPr>
+          <a:lstStyle/>
+          <a:p>
+            <a:r>
+              <a:rPr lang="en-US" dirty="0" smtClean="0"/>
+              <a:t>Train the Model </a:t>
+            </a:r>
+            <a:endParaRPr lang="en-US" dirty="0"/>
+          </a:p>
+        </p:txBody>
+      </p:sp>
+      <p:sp>
+        <p:nvSpPr>
+          <p:cNvPr id="13" name="TextBox 12"/>
+          <p:cNvSpPr txBox="1"/>
+          <p:nvPr/>
+        </p:nvSpPr>
+        <p:spPr>
+          <a:xfrm>
+            <a:off x="886981" y="4366666"/>
+            <a:ext cx="6781800" cy="369332"/>
+          </a:xfrm>
+          <a:prstGeom prst="rect">
+            <a:avLst/>
+          </a:prstGeom>
+          <a:noFill/>
+        </p:spPr>
+        <p:txBody>
+          <a:bodyPr wrap="square" rtlCol="0">
+            <a:spAutoFit/>
+          </a:bodyPr>
+          <a:lstStyle/>
+          <a:p>
+            <a:r>
+              <a:rPr lang="en-US" dirty="0" smtClean="0"/>
+              <a:t>Predict the future 365 days </a:t>
+            </a:r>
+            <a:endParaRPr lang="en-US" dirty="0"/>
+          </a:p>
+        </p:txBody>
+      </p:sp>
+      <p:sp>
+        <p:nvSpPr>
+          <p:cNvPr id="14" name="TextBox 13"/>
+          <p:cNvSpPr txBox="1"/>
+          <p:nvPr/>
+        </p:nvSpPr>
+        <p:spPr>
+          <a:xfrm>
+            <a:off x="886981" y="4745764"/>
+            <a:ext cx="7345822" cy="369332"/>
+          </a:xfrm>
+          <a:prstGeom prst="rect">
+            <a:avLst/>
+          </a:prstGeom>
+          <a:noFill/>
+        </p:spPr>
+        <p:txBody>
+          <a:bodyPr wrap="square" rtlCol="0">
+            <a:spAutoFit/>
+          </a:bodyPr>
+          <a:lstStyle/>
+          <a:p>
+            <a:r>
+              <a:rPr lang="en-US" dirty="0" smtClean="0"/>
+              <a:t>Create data set from Jan 2020 – June 2021 and save it on file</a:t>
+            </a:r>
+            <a:endParaRPr lang="en-US" dirty="0"/>
+          </a:p>
+        </p:txBody>
+      </p:sp>
+      <p:sp>
+        <p:nvSpPr>
+          <p:cNvPr id="15" name="TextBox 14"/>
+          <p:cNvSpPr txBox="1"/>
+          <p:nvPr/>
+        </p:nvSpPr>
+        <p:spPr>
+          <a:xfrm>
+            <a:off x="886981" y="5207183"/>
+            <a:ext cx="6781800" cy="369332"/>
+          </a:xfrm>
+          <a:prstGeom prst="rect">
+            <a:avLst/>
+          </a:prstGeom>
+          <a:noFill/>
+        </p:spPr>
+        <p:txBody>
+          <a:bodyPr wrap="square" rtlCol="0">
+            <a:spAutoFit/>
+          </a:bodyPr>
+          <a:lstStyle/>
+          <a:p>
+            <a:r>
+              <a:rPr lang="en-US" dirty="0" smtClean="0"/>
+              <a:t>Plot the out of the predicted sales</a:t>
+            </a:r>
+            <a:endParaRPr lang="en-US" dirty="0"/>
+          </a:p>
+        </p:txBody>
+      </p:sp>
+    </p:spTree>
+    <p:extLst>
+      <p:ext uri="{BB962C8B-B14F-4D97-AF65-F5344CB8AC3E}">
+        <p14:creationId xmlns:p14="http://schemas.microsoft.com/office/powerpoint/2010/main" val="1261766653"/>
+      </p:ext>
+    </p:extLst>
+  </p:cSld>
+  <p:clrMapOvr>
+    <a:masterClrMapping/>
+  </p:clrMapOvr>
+</p:sld>
+</file>
+
+<file path=ppt/slides/slide12.xml><?xml version="1.0" encoding="utf-8"?>
+<p:sld xmlns:a="http://schemas.openxmlformats.org/drawingml/2006/main" xmlns:r="http://schemas.openxmlformats.org/officeDocument/2006/relationships" xmlns:p="http://schemas.openxmlformats.org/presentationml/2006/main">
+  <p:cSld>
+    <p:spTree>
+      <p:nvGrpSpPr>
+        <p:cNvPr id="1" name=""/>
+        <p:cNvGrpSpPr/>
+        <p:nvPr/>
+      </p:nvGrpSpPr>
+      <p:grpSpPr>
+        <a:xfrm>
+          <a:off x="0" y="0"/>
+          <a:ext cx="0" cy="0"/>
+          <a:chOff x="0" y="0"/>
+          <a:chExt cx="0" cy="0"/>
+        </a:xfrm>
+      </p:grpSpPr>
       <p:sp>
         <p:nvSpPr>
           <p:cNvPr id="3" name="Content Placeholder 2"/>
@@ -9257,7 +10951,7 @@
         </p:spPr>
         <p:txBody>
           <a:bodyPr>
-            <a:normAutofit fontScale="47500" lnSpcReduction="20000"/>
+            <a:normAutofit fontScale="55000" lnSpcReduction="20000"/>
           </a:bodyPr>
           <a:lstStyle/>
           <a:p>
@@ -9265,7 +10959,6 @@
               <a:rPr lang="en-US" dirty="0" smtClean="0"/>
               <a:t>## Model Consist of 3 hidden layers and one output layer</a:t>
             </a:r>
-            <a:endParaRPr lang="en-US" dirty="0" smtClean="0"/>
           </a:p>
           <a:p>
             <a:r>
@@ -9380,6 +11073,34 @@
             </a:r>
           </a:p>
           <a:p>
+            <a:endParaRPr lang="en-US" dirty="0"/>
+          </a:p>
+        </p:txBody>
+      </p:sp>
+      <p:sp>
+        <p:nvSpPr>
+          <p:cNvPr id="2" name="Title 1"/>
+          <p:cNvSpPr>
+            <a:spLocks noGrp="1"/>
+          </p:cNvSpPr>
+          <p:nvPr>
+            <p:ph type="title"/>
+          </p:nvPr>
+        </p:nvSpPr>
+        <p:spPr>
+          <a:xfrm>
+            <a:off x="457200" y="228600"/>
+            <a:ext cx="7772400" cy="868362"/>
+          </a:xfrm>
+        </p:spPr>
+        <p:txBody>
+          <a:bodyPr/>
+          <a:lstStyle/>
+          <a:p>
+            <a:r>
+              <a:rPr lang="en-US" dirty="0" smtClean="0"/>
+              <a:t>Model Summary</a:t>
+            </a:r>
             <a:endParaRPr lang="en-US" dirty="0"/>
           </a:p>
         </p:txBody>
@@ -9533,7 +11254,7 @@
 </p:sld>
 </file>
 
-<file path=ppt/slides/slide12.xml><?xml version="1.0" encoding="utf-8"?>
+<file path=ppt/slides/slide13.xml><?xml version="1.0" encoding="utf-8"?>
 <p:sld xmlns:a="http://schemas.openxmlformats.org/drawingml/2006/main" xmlns:r="http://schemas.openxmlformats.org/officeDocument/2006/relationships" xmlns:p="http://schemas.openxmlformats.org/presentationml/2006/main">
   <p:cSld>
     <p:spTree>
@@ -9603,7 +11324,7 @@
         </p:blipFill>
         <p:spPr bwMode="auto">
           <a:xfrm>
-            <a:off x="3048000" y="762000"/>
+            <a:off x="3581400" y="685799"/>
             <a:ext cx="5257800" cy="2369169"/>
           </a:xfrm>
           <a:prstGeom prst="rect">
@@ -9643,14 +11364,14 @@
           <p:nvPr>
             <p:extLst>
               <p:ext uri="{D42A27DB-BD31-4B8C-83A1-F6EECF244321}">
-                <p14:modId xmlns:p14="http://schemas.microsoft.com/office/powerpoint/2010/main" val="47146038"/>
+                <p14:modId xmlns:p14="http://schemas.microsoft.com/office/powerpoint/2010/main" val="4007128927"/>
               </p:ext>
             </p:extLst>
           </p:nvPr>
         </p:nvGraphicFramePr>
         <p:xfrm>
-          <a:off x="2590800" y="3352800"/>
-          <a:ext cx="5893750" cy="2819400"/>
+          <a:off x="3657600" y="3054968"/>
+          <a:ext cx="5181600" cy="2667000"/>
         </p:xfrm>
         <a:graphic>
           <a:graphicData uri="http://schemas.openxmlformats.org/drawingml/2006/chart">
@@ -9667,14 +11388,14 @@
           <p:nvPr>
             <p:extLst>
               <p:ext uri="{D42A27DB-BD31-4B8C-83A1-F6EECF244321}">
-                <p14:modId xmlns:p14="http://schemas.microsoft.com/office/powerpoint/2010/main" val="803816721"/>
+                <p14:modId xmlns:p14="http://schemas.microsoft.com/office/powerpoint/2010/main" val="815795329"/>
               </p:ext>
             </p:extLst>
           </p:nvPr>
         </p:nvGraphicFramePr>
         <p:xfrm>
-          <a:off x="381000" y="914400"/>
-          <a:ext cx="1841500" cy="4267208"/>
+          <a:off x="1739900" y="914400"/>
+          <a:ext cx="1841500" cy="4870572"/>
         </p:xfrm>
         <a:graphic>
           <a:graphicData uri="http://schemas.openxmlformats.org/drawingml/2006/table">
@@ -10101,12 +11822,12 @@
                     <a:p>
                       <a:pPr algn="r" fontAlgn="b"/>
                       <a:r>
-                        <a:rPr lang="en-US" sz="1100" u="none" strike="noStrike">
+                        <a:rPr lang="en-US" sz="1100" u="none" strike="noStrike" dirty="0">
                           <a:effectLst/>
                         </a:rPr>
                         <a:t>$16,710,885</a:t>
                       </a:r>
-                      <a:endParaRPr lang="en-US" sz="1100" b="0" i="0" u="none" strike="noStrike">
+                      <a:endParaRPr lang="en-US" sz="1100" b="0" i="0" u="none" strike="noStrike" dirty="0">
                         <a:solidFill>
                           <a:srgbClr val="000000"/>
                         </a:solidFill>
@@ -10749,14 +12470,14 @@
           <p:nvPr>
             <p:extLst>
               <p:ext uri="{D42A27DB-BD31-4B8C-83A1-F6EECF244321}">
-                <p14:modId xmlns:p14="http://schemas.microsoft.com/office/powerpoint/2010/main" val="652673250"/>
+                <p14:modId xmlns:p14="http://schemas.microsoft.com/office/powerpoint/2010/main" val="3863471991"/>
               </p:ext>
             </p:extLst>
           </p:nvPr>
         </p:nvGraphicFramePr>
         <p:xfrm>
-          <a:off x="381000" y="5257800"/>
-          <a:ext cx="1714500" cy="1487805"/>
+          <a:off x="76200" y="994083"/>
+          <a:ext cx="1562100" cy="1752599"/>
         </p:xfrm>
         <a:graphic>
           <a:graphicData uri="http://schemas.openxmlformats.org/drawingml/2006/table">
@@ -10765,10 +12486,10 @@
                 <a:tableStyleId>{5C22544A-7EE6-4342-B048-85BDC9FD1C3A}</a:tableStyleId>
               </a:tblPr>
               <a:tblGrid>
-                <a:gridCol w="1041400"/>
-                <a:gridCol w="673100"/>
+                <a:gridCol w="833120"/>
+                <a:gridCol w="728980"/>
               </a:tblGrid>
-              <a:tr h="190500">
+              <a:tr h="683801">
                 <a:tc>
                   <a:txBody>
                     <a:bodyPr/>
@@ -10821,7 +12542,7 @@
                   <a:tcPr marL="9525" marR="9525" marT="9525" marB="0" anchor="b"/>
                 </a:tc>
               </a:tr>
-              <a:tr h="190500">
+              <a:tr h="178133">
                 <a:tc>
                   <a:txBody>
                     <a:bodyPr/>
@@ -10869,7 +12590,7 @@
                   <a:tcPr marL="9525" marR="9525" marT="9525" marB="0" anchor="b"/>
                 </a:tc>
               </a:tr>
-              <a:tr h="190500">
+              <a:tr h="178133">
                 <a:tc>
                   <a:txBody>
                     <a:bodyPr/>
@@ -10917,7 +12638,7 @@
                   <a:tcPr marL="9525" marR="9525" marT="9525" marB="0" anchor="b"/>
                 </a:tc>
               </a:tr>
-              <a:tr h="190500">
+              <a:tr h="178133">
                 <a:tc>
                   <a:txBody>
                     <a:bodyPr/>
@@ -10965,7 +12686,7 @@
                   <a:tcPr marL="9525" marR="9525" marT="9525" marB="0" anchor="b"/>
                 </a:tc>
               </a:tr>
-              <a:tr h="190500">
+              <a:tr h="178133">
                 <a:tc>
                   <a:txBody>
                     <a:bodyPr/>
@@ -11013,7 +12734,7 @@
                   <a:tcPr marL="9525" marR="9525" marT="9525" marB="0" anchor="b"/>
                 </a:tc>
               </a:tr>
-              <a:tr h="190500">
+              <a:tr h="178133">
                 <a:tc>
                   <a:txBody>
                     <a:bodyPr/>
@@ -11061,7 +12782,7 @@
                   <a:tcPr marL="9525" marR="9525" marT="9525" marB="0" anchor="b"/>
                 </a:tc>
               </a:tr>
-              <a:tr h="190500">
+              <a:tr h="178133">
                 <a:tc>
                   <a:txBody>
                     <a:bodyPr/>
@@ -11126,7 +12847,7 @@
 </p:sld>
 </file>
 
-<file path=ppt/slides/slide13.xml><?xml version="1.0" encoding="utf-8"?>
+<file path=ppt/slides/slide14.xml><?xml version="1.0" encoding="utf-8"?>
 <p:sld xmlns:a="http://schemas.openxmlformats.org/drawingml/2006/main" xmlns:r="http://schemas.openxmlformats.org/officeDocument/2006/relationships" xmlns:p="http://schemas.openxmlformats.org/presentationml/2006/main">
   <p:cSld>
     <p:spTree>
@@ -11206,14 +12927,14 @@
           <p:nvPr>
             <p:extLst>
               <p:ext uri="{D42A27DB-BD31-4B8C-83A1-F6EECF244321}">
-                <p14:modId xmlns:p14="http://schemas.microsoft.com/office/powerpoint/2010/main" val="1203225247"/>
+                <p14:modId xmlns:p14="http://schemas.microsoft.com/office/powerpoint/2010/main" val="193534511"/>
               </p:ext>
             </p:extLst>
           </p:nvPr>
         </p:nvGraphicFramePr>
         <p:xfrm>
-          <a:off x="533400" y="1676400"/>
-          <a:ext cx="1765300" cy="4191000"/>
+          <a:off x="457200" y="1447800"/>
+          <a:ext cx="1765300" cy="4345305"/>
         </p:xfrm>
         <a:graphic>
           <a:graphicData uri="http://schemas.openxmlformats.org/drawingml/2006/table">
@@ -11233,12 +12954,12 @@
                     <a:p>
                       <a:pPr algn="l" fontAlgn="b"/>
                       <a:r>
-                        <a:rPr lang="en-US" sz="1100" u="none" strike="noStrike">
+                        <a:rPr lang="en-US" sz="1100" u="none" strike="noStrike" dirty="0" smtClean="0">
                           <a:effectLst/>
                         </a:rPr>
-                        <a:t>Row Labels</a:t>
+                        <a:t>Year/Month</a:t>
                       </a:r>
-                      <a:endParaRPr lang="en-US" sz="1100" b="1" i="0" u="none" strike="noStrike">
+                      <a:endParaRPr lang="en-US" sz="1100" b="1" i="0" u="none" strike="noStrike" dirty="0">
                         <a:solidFill>
                           <a:srgbClr val="000000"/>
                         </a:solidFill>
@@ -12292,7 +14013,108 @@
 </p:sld>
 </file>
 
-<file path=ppt/slides/slide14.xml><?xml version="1.0" encoding="utf-8"?>
+<file path=ppt/slides/slide15.xml><?xml version="1.0" encoding="utf-8"?>
+<p:sld xmlns:a="http://schemas.openxmlformats.org/drawingml/2006/main" xmlns:r="http://schemas.openxmlformats.org/officeDocument/2006/relationships" xmlns:p="http://schemas.openxmlformats.org/presentationml/2006/main">
+  <p:cSld>
+    <p:spTree>
+      <p:nvGrpSpPr>
+        <p:cNvPr id="1" name=""/>
+        <p:cNvGrpSpPr/>
+        <p:nvPr/>
+      </p:nvGrpSpPr>
+      <p:grpSpPr>
+        <a:xfrm>
+          <a:off x="0" y="0"/>
+          <a:ext cx="0" cy="0"/>
+          <a:chOff x="0" y="0"/>
+          <a:chExt cx="0" cy="0"/>
+        </a:xfrm>
+      </p:grpSpPr>
+      <p:sp>
+        <p:nvSpPr>
+          <p:cNvPr id="3" name="Content Placeholder 2"/>
+          <p:cNvSpPr>
+            <a:spLocks noGrp="1"/>
+          </p:cNvSpPr>
+          <p:nvPr>
+            <p:ph idx="1"/>
+          </p:nvPr>
+        </p:nvSpPr>
+        <p:spPr>
+          <a:xfrm>
+            <a:off x="381000" y="1828800"/>
+            <a:ext cx="8229600" cy="1828800"/>
+          </a:xfrm>
+        </p:spPr>
+        <p:txBody>
+          <a:bodyPr/>
+          <a:lstStyle/>
+          <a:p>
+            <a:r>
+              <a:rPr lang="en-US" dirty="0" smtClean="0"/>
+              <a:t>In Case of Continues Restrictions Taken</a:t>
+            </a:r>
+          </a:p>
+          <a:p>
+            <a:pPr marL="0" indent="0">
+              <a:buNone/>
+            </a:pPr>
+            <a:r>
+              <a:rPr lang="en-US" dirty="0" smtClean="0"/>
+              <a:t>Sales will be reduced in monthly basis by %75 up %97</a:t>
+            </a:r>
+          </a:p>
+          <a:p>
+            <a:pPr marL="0" indent="0">
+              <a:buNone/>
+            </a:pPr>
+            <a:endParaRPr lang="en-US" dirty="0" smtClean="0"/>
+          </a:p>
+          <a:p>
+            <a:pPr marL="0" indent="0">
+              <a:buNone/>
+            </a:pPr>
+            <a:endParaRPr lang="en-US" dirty="0"/>
+          </a:p>
+        </p:txBody>
+      </p:sp>
+      <p:sp>
+        <p:nvSpPr>
+          <p:cNvPr id="2" name="Title 1"/>
+          <p:cNvSpPr>
+            <a:spLocks noGrp="1"/>
+          </p:cNvSpPr>
+          <p:nvPr>
+            <p:ph type="title"/>
+          </p:nvPr>
+        </p:nvSpPr>
+        <p:spPr/>
+        <p:txBody>
+          <a:bodyPr/>
+          <a:lstStyle/>
+          <a:p>
+            <a:r>
+              <a:rPr lang="en-US" dirty="0" smtClean="0"/>
+              <a:t>Overall Taxi Industry Impact</a:t>
+            </a:r>
+            <a:endParaRPr lang="en-US" dirty="0"/>
+          </a:p>
+        </p:txBody>
+      </p:sp>
+    </p:spTree>
+    <p:extLst>
+      <p:ext uri="{BB962C8B-B14F-4D97-AF65-F5344CB8AC3E}">
+        <p14:creationId xmlns:p14="http://schemas.microsoft.com/office/powerpoint/2010/main" val="1121143777"/>
+      </p:ext>
+    </p:extLst>
+  </p:cSld>
+  <p:clrMapOvr>
+    <a:masterClrMapping/>
+  </p:clrMapOvr>
+</p:sld>
+</file>
+
+<file path=ppt/slides/slide16.xml><?xml version="1.0" encoding="utf-8"?>
 <p:sld xmlns:a="http://schemas.openxmlformats.org/drawingml/2006/main" xmlns:r="http://schemas.openxmlformats.org/officeDocument/2006/relationships" xmlns:p="http://schemas.openxmlformats.org/presentationml/2006/main">
   <p:cSld>
     <p:spTree>
@@ -12326,133 +14148,8 @@
           <a:p>
             <a:r>
               <a:rPr lang="en-US" dirty="0" smtClean="0"/>
-              <a:t>Overall Taxi Industry Impact</a:t>
-            </a:r>
-            <a:endParaRPr lang="en-US" dirty="0"/>
-          </a:p>
-        </p:txBody>
-      </p:sp>
-      <p:sp>
-        <p:nvSpPr>
-          <p:cNvPr id="3" name="Content Placeholder 2"/>
-          <p:cNvSpPr>
-            <a:spLocks noGrp="1"/>
-          </p:cNvSpPr>
-          <p:nvPr>
-            <p:ph idx="1"/>
-          </p:nvPr>
-        </p:nvSpPr>
-        <p:spPr>
-          <a:xfrm>
-            <a:off x="381000" y="1828800"/>
-            <a:ext cx="8229600" cy="1828800"/>
-          </a:xfrm>
-        </p:spPr>
-        <p:txBody>
-          <a:bodyPr/>
-          <a:lstStyle/>
-          <a:p>
-            <a:r>
-              <a:rPr lang="en-US" dirty="0" smtClean="0"/>
-              <a:t>In Case of Continues Restrictions Taken</a:t>
-            </a:r>
-          </a:p>
-          <a:p>
-            <a:pPr marL="0" indent="0">
-              <a:buNone/>
-            </a:pPr>
-            <a:r>
-              <a:rPr lang="en-US" dirty="0" smtClean="0"/>
-              <a:t>Sales will be reduced in monthly basis by %75 up %97</a:t>
-            </a:r>
-          </a:p>
-          <a:p>
-            <a:pPr marL="0" indent="0">
-              <a:buNone/>
-            </a:pPr>
-            <a:endParaRPr lang="en-US" dirty="0" smtClean="0"/>
-          </a:p>
-          <a:p>
-            <a:pPr marL="0" indent="0">
-              <a:buNone/>
-            </a:pPr>
-            <a:endParaRPr lang="en-US" dirty="0"/>
-          </a:p>
-        </p:txBody>
-      </p:sp>
-    </p:spTree>
-    <p:extLst>
-      <p:ext uri="{BB962C8B-B14F-4D97-AF65-F5344CB8AC3E}">
-        <p14:creationId xmlns:p14="http://schemas.microsoft.com/office/powerpoint/2010/main" val="1121143777"/>
-      </p:ext>
-    </p:extLst>
-  </p:cSld>
-  <p:clrMapOvr>
-    <a:masterClrMapping/>
-  </p:clrMapOvr>
-</p:sld>
-</file>
-
-<file path=ppt/slides/slide15.xml><?xml version="1.0" encoding="utf-8"?>
-<p:sld xmlns:a="http://schemas.openxmlformats.org/drawingml/2006/main" xmlns:r="http://schemas.openxmlformats.org/officeDocument/2006/relationships" xmlns:p="http://schemas.openxmlformats.org/presentationml/2006/main">
-  <p:cSld>
-    <p:spTree>
-      <p:nvGrpSpPr>
-        <p:cNvPr id="1" name=""/>
-        <p:cNvGrpSpPr/>
-        <p:nvPr/>
-      </p:nvGrpSpPr>
-      <p:grpSpPr>
-        <a:xfrm>
-          <a:off x="0" y="0"/>
-          <a:ext cx="0" cy="0"/>
-          <a:chOff x="0" y="0"/>
-          <a:chExt cx="0" cy="0"/>
-        </a:xfrm>
-      </p:grpSpPr>
-      <p:sp>
-        <p:nvSpPr>
-          <p:cNvPr id="2" name="Title 1"/>
-          <p:cNvSpPr>
-            <a:spLocks noGrp="1"/>
-          </p:cNvSpPr>
-          <p:nvPr>
-            <p:ph type="title"/>
-          </p:nvPr>
-        </p:nvSpPr>
-        <p:spPr/>
-        <p:txBody>
-          <a:bodyPr/>
-          <a:lstStyle/>
-          <a:p>
-            <a:r>
-              <a:rPr lang="en-US" dirty="0" smtClean="0"/>
               <a:t>Thank You</a:t>
             </a:r>
-            <a:endParaRPr lang="en-US" dirty="0"/>
-          </a:p>
-        </p:txBody>
-      </p:sp>
-      <p:sp>
-        <p:nvSpPr>
-          <p:cNvPr id="3" name="Content Placeholder 2"/>
-          <p:cNvSpPr>
-            <a:spLocks noGrp="1"/>
-          </p:cNvSpPr>
-          <p:nvPr>
-            <p:ph idx="1"/>
-          </p:nvPr>
-        </p:nvSpPr>
-        <p:spPr>
-          <a:xfrm>
-            <a:off x="609600" y="3048000"/>
-            <a:ext cx="8229600" cy="2620963"/>
-          </a:xfrm>
-        </p:spPr>
-        <p:txBody>
-          <a:bodyPr/>
-          <a:lstStyle/>
-          <a:p>
             <a:endParaRPr lang="en-US" dirty="0"/>
           </a:p>
         </p:txBody>
@@ -12539,8 +14236,8 @@
         </p:blipFill>
         <p:spPr bwMode="auto">
           <a:xfrm>
-            <a:off x="685800" y="2705456"/>
-            <a:ext cx="4876800" cy="3652965"/>
+            <a:off x="609600" y="2667000"/>
+            <a:ext cx="5334000" cy="3767120"/>
           </a:xfrm>
           <a:prstGeom prst="rect">
             <a:avLst/>
@@ -12589,29 +14286,6 @@
       </p:grpSpPr>
       <p:sp>
         <p:nvSpPr>
-          <p:cNvPr id="2" name="Title 1"/>
-          <p:cNvSpPr>
-            <a:spLocks noGrp="1"/>
-          </p:cNvSpPr>
-          <p:nvPr>
-            <p:ph type="title"/>
-          </p:nvPr>
-        </p:nvSpPr>
-        <p:spPr/>
-        <p:txBody>
-          <a:bodyPr/>
-          <a:lstStyle/>
-          <a:p>
-            <a:r>
-              <a:rPr lang="en-US" dirty="0" smtClean="0"/>
-              <a:t>Assumptions</a:t>
-            </a:r>
-            <a:endParaRPr lang="en-US" dirty="0"/>
-          </a:p>
-        </p:txBody>
-      </p:sp>
-      <p:sp>
-        <p:nvSpPr>
           <p:cNvPr id="3" name="Content Placeholder 2"/>
           <p:cNvSpPr>
             <a:spLocks noGrp="1"/>
@@ -12628,13 +14302,36 @@
         </p:spPr>
         <p:txBody>
           <a:bodyPr>
-            <a:normAutofit lnSpcReduction="10000"/>
+            <a:normAutofit/>
           </a:bodyPr>
           <a:lstStyle/>
           <a:p>
             <a:r>
               <a:rPr lang="en-US" dirty="0" smtClean="0"/>
               <a:t>Task will be carried out on Yellow Taxi Cap as one of the companies impacted by COVID-19</a:t>
+            </a:r>
+            <a:endParaRPr lang="en-US" dirty="0"/>
+          </a:p>
+        </p:txBody>
+      </p:sp>
+      <p:sp>
+        <p:nvSpPr>
+          <p:cNvPr id="2" name="Title 1"/>
+          <p:cNvSpPr>
+            <a:spLocks noGrp="1"/>
+          </p:cNvSpPr>
+          <p:nvPr>
+            <p:ph type="title"/>
+          </p:nvPr>
+        </p:nvSpPr>
+        <p:spPr/>
+        <p:txBody>
+          <a:bodyPr/>
+          <a:lstStyle/>
+          <a:p>
+            <a:r>
+              <a:rPr lang="en-US" dirty="0" smtClean="0"/>
+              <a:t>Assumptions</a:t>
             </a:r>
             <a:endParaRPr lang="en-US" dirty="0"/>
           </a:p>
@@ -12839,6 +14536,63 @@
       </p:grpSpPr>
       <p:sp>
         <p:nvSpPr>
+          <p:cNvPr id="3" name="Content Placeholder 2"/>
+          <p:cNvSpPr>
+            <a:spLocks noGrp="1"/>
+          </p:cNvSpPr>
+          <p:nvPr>
+            <p:ph idx="1"/>
+          </p:nvPr>
+        </p:nvSpPr>
+        <p:spPr>
+          <a:xfrm>
+            <a:off x="457200" y="1600201"/>
+            <a:ext cx="8229600" cy="4038600"/>
+          </a:xfrm>
+        </p:spPr>
+        <p:txBody>
+          <a:bodyPr/>
+          <a:lstStyle/>
+          <a:p>
+            <a:r>
+              <a:rPr lang="en-US" dirty="0" smtClean="0"/>
+              <a:t>Collect the data</a:t>
+            </a:r>
+          </a:p>
+          <a:p>
+            <a:r>
+              <a:rPr lang="en-US" dirty="0" smtClean="0"/>
+              <a:t>Data profiling and cleaning</a:t>
+            </a:r>
+          </a:p>
+          <a:p>
+            <a:r>
+              <a:rPr lang="en-US" dirty="0" smtClean="0"/>
+              <a:t>Merge the data into one data Model (OLAP)</a:t>
+            </a:r>
+          </a:p>
+          <a:p>
+            <a:r>
+              <a:rPr lang="en-US" dirty="0" smtClean="0"/>
+              <a:t>Conduct BI Analytics </a:t>
+            </a:r>
+          </a:p>
+          <a:p>
+            <a:r>
+              <a:rPr lang="en-US" dirty="0" smtClean="0"/>
+              <a:t>Develop a machine learning code to predict the future</a:t>
+            </a:r>
+          </a:p>
+          <a:p>
+            <a:pPr marL="0" indent="0">
+              <a:buNone/>
+            </a:pPr>
+            <a:endParaRPr lang="en-US" dirty="0"/>
+          </a:p>
+        </p:txBody>
+      </p:sp>
+      <p:sp>
+        <p:nvSpPr>
           <p:cNvPr id="2" name="Title 1"/>
           <p:cNvSpPr>
             <a:spLocks noGrp="1"/>
@@ -12854,12 +14608,42 @@
           <a:p>
             <a:r>
               <a:rPr lang="en-US" dirty="0" smtClean="0"/>
-              <a:t>Data Preparation</a:t>
+              <a:t>Scope of Work</a:t>
             </a:r>
             <a:endParaRPr lang="en-US" dirty="0"/>
           </a:p>
         </p:txBody>
       </p:sp>
+    </p:spTree>
+    <p:extLst>
+      <p:ext uri="{BB962C8B-B14F-4D97-AF65-F5344CB8AC3E}">
+        <p14:creationId xmlns:p14="http://schemas.microsoft.com/office/powerpoint/2010/main" val="1897929923"/>
+      </p:ext>
+    </p:extLst>
+  </p:cSld>
+  <p:clrMapOvr>
+    <a:masterClrMapping/>
+  </p:clrMapOvr>
+</p:sld>
+</file>
+
+<file path=ppt/slides/slide4.xml><?xml version="1.0" encoding="utf-8"?>
+<p:sld xmlns:a="http://schemas.openxmlformats.org/drawingml/2006/main" xmlns:r="http://schemas.openxmlformats.org/officeDocument/2006/relationships" xmlns:p="http://schemas.openxmlformats.org/presentationml/2006/main">
+  <p:cSld>
+    <p:spTree>
+      <p:nvGrpSpPr>
+        <p:cNvPr id="1" name=""/>
+        <p:cNvGrpSpPr/>
+        <p:nvPr/>
+      </p:nvGrpSpPr>
+      <p:grpSpPr>
+        <a:xfrm>
+          <a:off x="0" y="0"/>
+          <a:ext cx="0" cy="0"/>
+          <a:chOff x="0" y="0"/>
+          <a:chExt cx="0" cy="0"/>
+        </a:xfrm>
+      </p:grpSpPr>
       <p:sp>
         <p:nvSpPr>
           <p:cNvPr id="3" name="Content Placeholder 2"/>
@@ -12878,7 +14662,7 @@
         </p:spPr>
         <p:txBody>
           <a:bodyPr>
-            <a:normAutofit fontScale="92500" lnSpcReduction="20000"/>
+            <a:normAutofit lnSpcReduction="10000"/>
           </a:bodyPr>
           <a:lstStyle/>
           <a:p>
@@ -12903,6 +14687,29 @@
             <a:pPr marL="0" indent="0">
               <a:buNone/>
             </a:pPr>
+            <a:endParaRPr lang="en-US" dirty="0"/>
+          </a:p>
+        </p:txBody>
+      </p:sp>
+      <p:sp>
+        <p:nvSpPr>
+          <p:cNvPr id="2" name="Title 1"/>
+          <p:cNvSpPr>
+            <a:spLocks noGrp="1"/>
+          </p:cNvSpPr>
+          <p:nvPr>
+            <p:ph type="title"/>
+          </p:nvPr>
+        </p:nvSpPr>
+        <p:spPr/>
+        <p:txBody>
+          <a:bodyPr/>
+          <a:lstStyle/>
+          <a:p>
+            <a:r>
+              <a:rPr lang="en-US" dirty="0" smtClean="0"/>
+              <a:t>Data Preparation</a:t>
+            </a:r>
             <a:endParaRPr lang="en-US" dirty="0"/>
           </a:p>
         </p:txBody>
@@ -13274,7 +15081,7 @@
 </p:sld>
 </file>
 
-<file path=ppt/slides/slide4.xml><?xml version="1.0" encoding="utf-8"?>
+<file path=ppt/slides/slide5.xml><?xml version="1.0" encoding="utf-8"?>
 <p:sld xmlns:a="http://schemas.openxmlformats.org/drawingml/2006/main" xmlns:r="http://schemas.openxmlformats.org/officeDocument/2006/relationships" xmlns:p="http://schemas.openxmlformats.org/presentationml/2006/main">
   <p:cSld>
     <p:spTree>
@@ -13291,83 +15098,6 @@
           <a:chExt cx="0" cy="0"/>
         </a:xfrm>
       </p:grpSpPr>
-      <p:sp>
-        <p:nvSpPr>
-          <p:cNvPr id="2" name="Title 1"/>
-          <p:cNvSpPr>
-            <a:spLocks noGrp="1"/>
-          </p:cNvSpPr>
-          <p:nvPr>
-            <p:ph type="title"/>
-          </p:nvPr>
-        </p:nvSpPr>
-        <p:spPr/>
-        <p:txBody>
-          <a:bodyPr/>
-          <a:lstStyle/>
-          <a:p>
-            <a:r>
-              <a:rPr lang="en-US" dirty="0" smtClean="0"/>
-              <a:t>Data Model</a:t>
-            </a:r>
-            <a:endParaRPr lang="en-US" dirty="0"/>
-          </a:p>
-        </p:txBody>
-      </p:sp>
-      <p:pic>
-        <p:nvPicPr>
-          <p:cNvPr id="6146" name="Picture 2"/>
-          <p:cNvPicPr>
-            <a:picLocks noChangeAspect="1" noChangeArrowheads="1"/>
-          </p:cNvPicPr>
-          <p:nvPr/>
-        </p:nvPicPr>
-        <p:blipFill>
-          <a:blip r:embed="rId2">
-            <a:extLst>
-              <a:ext uri="{28A0092B-C50C-407E-A947-70E740481C1C}">
-                <a14:useLocalDpi xmlns:a14="http://schemas.microsoft.com/office/drawing/2010/main" val="0"/>
-              </a:ext>
-            </a:extLst>
-          </a:blip>
-          <a:srcRect/>
-          <a:stretch>
-            <a:fillRect/>
-          </a:stretch>
-        </p:blipFill>
-        <p:spPr bwMode="auto">
-          <a:xfrm>
-            <a:off x="2438400" y="2438400"/>
-            <a:ext cx="1247775" cy="2047875"/>
-          </a:xfrm>
-          <a:prstGeom prst="rect">
-            <a:avLst/>
-          </a:prstGeom>
-          <a:noFill/>
-          <a:ln>
-            <a:noFill/>
-          </a:ln>
-          <a:extLst>
-            <a:ext uri="{909E8E84-426E-40DD-AFC4-6F175D3DCCD1}">
-              <a14:hiddenFill xmlns:a14="http://schemas.microsoft.com/office/drawing/2010/main">
-                <a:solidFill>
-                  <a:schemeClr val="accent1"/>
-                </a:solidFill>
-              </a14:hiddenFill>
-            </a:ext>
-            <a:ext uri="{91240B29-F687-4F45-9708-019B960494DF}">
-              <a14:hiddenLine xmlns:a14="http://schemas.microsoft.com/office/drawing/2010/main" w="9525">
-                <a:solidFill>
-                  <a:schemeClr val="tx1"/>
-                </a:solidFill>
-                <a:miter lim="800000"/>
-                <a:headEnd/>
-                <a:tailEnd/>
-              </a14:hiddenLine>
-            </a:ext>
-          </a:extLst>
-        </p:spPr>
-      </p:pic>
       <p:graphicFrame>
         <p:nvGraphicFramePr>
           <p:cNvPr id="6" name="Content Placeholder 5"/>
@@ -14917,6 +16647,83 @@
       </p:graphicFrame>
       <p:sp>
         <p:nvSpPr>
+          <p:cNvPr id="2" name="Title 1"/>
+          <p:cNvSpPr>
+            <a:spLocks noGrp="1"/>
+          </p:cNvSpPr>
+          <p:nvPr>
+            <p:ph type="title"/>
+          </p:nvPr>
+        </p:nvSpPr>
+        <p:spPr/>
+        <p:txBody>
+          <a:bodyPr/>
+          <a:lstStyle/>
+          <a:p>
+            <a:r>
+              <a:rPr lang="en-US" dirty="0" smtClean="0"/>
+              <a:t>Data Model</a:t>
+            </a:r>
+            <a:endParaRPr lang="en-US" dirty="0"/>
+          </a:p>
+        </p:txBody>
+      </p:sp>
+      <p:pic>
+        <p:nvPicPr>
+          <p:cNvPr id="6146" name="Picture 2"/>
+          <p:cNvPicPr>
+            <a:picLocks noChangeAspect="1" noChangeArrowheads="1"/>
+          </p:cNvPicPr>
+          <p:nvPr/>
+        </p:nvPicPr>
+        <p:blipFill>
+          <a:blip r:embed="rId2">
+            <a:extLst>
+              <a:ext uri="{28A0092B-C50C-407E-A947-70E740481C1C}">
+                <a14:useLocalDpi xmlns:a14="http://schemas.microsoft.com/office/drawing/2010/main" val="0"/>
+              </a:ext>
+            </a:extLst>
+          </a:blip>
+          <a:srcRect/>
+          <a:stretch>
+            <a:fillRect/>
+          </a:stretch>
+        </p:blipFill>
+        <p:spPr bwMode="auto">
+          <a:xfrm>
+            <a:off x="2438400" y="2438400"/>
+            <a:ext cx="1247775" cy="2047875"/>
+          </a:xfrm>
+          <a:prstGeom prst="rect">
+            <a:avLst/>
+          </a:prstGeom>
+          <a:noFill/>
+          <a:ln>
+            <a:noFill/>
+          </a:ln>
+          <a:extLst>
+            <a:ext uri="{909E8E84-426E-40DD-AFC4-6F175D3DCCD1}">
+              <a14:hiddenFill xmlns:a14="http://schemas.microsoft.com/office/drawing/2010/main">
+                <a:solidFill>
+                  <a:schemeClr val="accent1"/>
+                </a:solidFill>
+              </a14:hiddenFill>
+            </a:ext>
+            <a:ext uri="{91240B29-F687-4F45-9708-019B960494DF}">
+              <a14:hiddenLine xmlns:a14="http://schemas.microsoft.com/office/drawing/2010/main" w="9525">
+                <a:solidFill>
+                  <a:schemeClr val="tx1"/>
+                </a:solidFill>
+                <a:miter lim="800000"/>
+                <a:headEnd/>
+                <a:tailEnd/>
+              </a14:hiddenLine>
+            </a:ext>
+          </a:extLst>
+        </p:spPr>
+      </p:pic>
+      <p:sp>
+        <p:nvSpPr>
           <p:cNvPr id="8" name="Content Placeholder 2"/>
           <p:cNvSpPr txBox="1">
             <a:spLocks/>
@@ -15130,7 +16937,7 @@
         </p:nvSpPr>
         <p:spPr>
           <a:xfrm>
-            <a:off x="685800" y="5638800"/>
+            <a:off x="707877" y="5523131"/>
             <a:ext cx="7467600" cy="646331"/>
           </a:xfrm>
           <a:prstGeom prst="rect">
@@ -15168,7 +16975,7 @@
 </p:sld>
 </file>
 
-<file path=ppt/slides/slide5.xml><?xml version="1.0" encoding="utf-8"?>
+<file path=ppt/slides/slide6.xml><?xml version="1.0" encoding="utf-8"?>
 <p:sld xmlns:a="http://schemas.openxmlformats.org/drawingml/2006/main" xmlns:r="http://schemas.openxmlformats.org/officeDocument/2006/relationships" xmlns:p="http://schemas.openxmlformats.org/presentationml/2006/main">
   <p:cSld>
     <p:spTree>
@@ -15877,7 +17684,7 @@
 </p:sld>
 </file>
 
-<file path=ppt/slides/slide6.xml><?xml version="1.0" encoding="utf-8"?>
+<file path=ppt/slides/slide7.xml><?xml version="1.0" encoding="utf-8"?>
 <p:sld xmlns:a="http://schemas.openxmlformats.org/drawingml/2006/main" xmlns:r="http://schemas.openxmlformats.org/officeDocument/2006/relationships" xmlns:p="http://schemas.openxmlformats.org/presentationml/2006/main">
   <p:cSld>
     <p:spTree>
@@ -15954,7 +17761,7 @@
 </p:sld>
 </file>
 
-<file path=ppt/slides/slide7.xml><?xml version="1.0" encoding="utf-8"?>
+<file path=ppt/slides/slide8.xml><?xml version="1.0" encoding="utf-8"?>
 <p:sld xmlns:a="http://schemas.openxmlformats.org/drawingml/2006/main" xmlns:r="http://schemas.openxmlformats.org/officeDocument/2006/relationships" xmlns:p="http://schemas.openxmlformats.org/presentationml/2006/main">
   <p:cSld>
     <p:spTree>
@@ -16105,7 +17912,7 @@
 </p:sld>
 </file>
 
-<file path=ppt/slides/slide8.xml><?xml version="1.0" encoding="utf-8"?>
+<file path=ppt/slides/slide9.xml><?xml version="1.0" encoding="utf-8"?>
 <p:sld xmlns:a="http://schemas.openxmlformats.org/drawingml/2006/main" xmlns:r="http://schemas.openxmlformats.org/officeDocument/2006/relationships" xmlns:p="http://schemas.openxmlformats.org/presentationml/2006/main">
   <p:cSld>
     <p:spTree>
@@ -16159,236 +17966,10 @@
 </p:sld>
 </file>
 
-<file path=ppt/slides/slide9.xml><?xml version="1.0" encoding="utf-8"?>
-<p:sld xmlns:a="http://schemas.openxmlformats.org/drawingml/2006/main" xmlns:r="http://schemas.openxmlformats.org/officeDocument/2006/relationships" xmlns:p="http://schemas.openxmlformats.org/presentationml/2006/main">
-  <p:cSld>
-    <p:spTree>
-      <p:nvGrpSpPr>
-        <p:cNvPr id="1" name=""/>
-        <p:cNvGrpSpPr/>
-        <p:nvPr/>
-      </p:nvGrpSpPr>
-      <p:grpSpPr>
-        <a:xfrm>
-          <a:off x="0" y="0"/>
-          <a:ext cx="0" cy="0"/>
-          <a:chOff x="0" y="0"/>
-          <a:chExt cx="0" cy="0"/>
-        </a:xfrm>
-      </p:grpSpPr>
-      <p:sp>
-        <p:nvSpPr>
-          <p:cNvPr id="2" name="Title 1"/>
-          <p:cNvSpPr>
-            <a:spLocks noGrp="1"/>
-          </p:cNvSpPr>
-          <p:nvPr>
-            <p:ph type="title"/>
-          </p:nvPr>
-        </p:nvSpPr>
-        <p:spPr>
-          <a:xfrm>
-            <a:off x="444737" y="152400"/>
-            <a:ext cx="8229600" cy="1143000"/>
-          </a:xfrm>
-        </p:spPr>
-        <p:txBody>
-          <a:bodyPr>
-            <a:normAutofit fontScale="90000"/>
-          </a:bodyPr>
-          <a:lstStyle/>
-          <a:p>
-            <a:r>
-              <a:rPr lang="en-US" dirty="0" smtClean="0"/>
-              <a:t>Predicting The future Sales </a:t>
-            </a:r>
-            <a:br>
-              <a:rPr lang="en-US" dirty="0" smtClean="0"/>
-            </a:br>
-            <a:r>
-              <a:rPr lang="en-US" dirty="0" smtClean="0"/>
-              <a:t>Under COVID-19 restrictions</a:t>
-            </a:r>
-            <a:endParaRPr lang="en-US" dirty="0"/>
-          </a:p>
-        </p:txBody>
-      </p:sp>
-      <p:sp>
-        <p:nvSpPr>
-          <p:cNvPr id="5" name="TextBox 4"/>
-          <p:cNvSpPr txBox="1"/>
-          <p:nvPr/>
-        </p:nvSpPr>
-        <p:spPr>
-          <a:xfrm>
-            <a:off x="1476642" y="1447800"/>
-            <a:ext cx="6172200" cy="1200329"/>
-          </a:xfrm>
-          <a:prstGeom prst="rect">
-            <a:avLst/>
-          </a:prstGeom>
-          <a:noFill/>
-        </p:spPr>
-        <p:txBody>
-          <a:bodyPr wrap="square" rtlCol="0">
-            <a:spAutoFit/>
-          </a:bodyPr>
-          <a:lstStyle/>
-          <a:p>
-            <a:r>
-              <a:rPr lang="en-US" dirty="0" smtClean="0"/>
-              <a:t> </a:t>
-            </a:r>
-            <a:r>
-              <a:rPr lang="en-US" dirty="0"/>
-              <a:t>The Long Short-Term Memory network or LSTM network is a type of recurrent neural network used in deep learning because very large </a:t>
-            </a:r>
-            <a:r>
-              <a:rPr lang="en-US" dirty="0" smtClean="0"/>
-              <a:t>to learn from long sequence of observation and predict future sequence</a:t>
-            </a:r>
-            <a:endParaRPr lang="en-US" dirty="0"/>
-          </a:p>
-        </p:txBody>
-      </p:sp>
-      <p:pic>
-        <p:nvPicPr>
-          <p:cNvPr id="7171" name="Picture 3"/>
-          <p:cNvPicPr>
-            <a:picLocks noChangeAspect="1" noChangeArrowheads="1"/>
-          </p:cNvPicPr>
-          <p:nvPr/>
-        </p:nvPicPr>
-        <p:blipFill>
-          <a:blip r:embed="rId2">
-            <a:extLst>
-              <a:ext uri="{28A0092B-C50C-407E-A947-70E740481C1C}">
-                <a14:useLocalDpi xmlns:a14="http://schemas.microsoft.com/office/drawing/2010/main" val="0"/>
-              </a:ext>
-            </a:extLst>
-          </a:blip>
-          <a:srcRect/>
-          <a:stretch>
-            <a:fillRect/>
-          </a:stretch>
-        </p:blipFill>
-        <p:spPr bwMode="auto">
-          <a:xfrm>
-            <a:off x="1600199" y="2648129"/>
-            <a:ext cx="5410201" cy="2827732"/>
-          </a:xfrm>
-          <a:prstGeom prst="rect">
-            <a:avLst/>
-          </a:prstGeom>
-          <a:noFill/>
-          <a:ln>
-            <a:noFill/>
-          </a:ln>
-          <a:extLst>
-            <a:ext uri="{909E8E84-426E-40DD-AFC4-6F175D3DCCD1}">
-              <a14:hiddenFill xmlns:a14="http://schemas.microsoft.com/office/drawing/2010/main">
-                <a:solidFill>
-                  <a:schemeClr val="accent1"/>
-                </a:solidFill>
-              </a14:hiddenFill>
-            </a:ext>
-            <a:ext uri="{91240B29-F687-4F45-9708-019B960494DF}">
-              <a14:hiddenLine xmlns:a14="http://schemas.microsoft.com/office/drawing/2010/main" w="9525">
-                <a:solidFill>
-                  <a:schemeClr val="tx1"/>
-                </a:solidFill>
-                <a:miter lim="800000"/>
-                <a:headEnd/>
-                <a:tailEnd/>
-              </a14:hiddenLine>
-            </a:ext>
-          </a:extLst>
-        </p:spPr>
-      </p:pic>
-      <p:sp>
-        <p:nvSpPr>
-          <p:cNvPr id="3" name="TextBox 2"/>
-          <p:cNvSpPr txBox="1"/>
-          <p:nvPr/>
-        </p:nvSpPr>
-        <p:spPr>
-          <a:xfrm>
-            <a:off x="762000" y="6043291"/>
-            <a:ext cx="7620000" cy="646331"/>
-          </a:xfrm>
-          <a:prstGeom prst="rect">
-            <a:avLst/>
-          </a:prstGeom>
-          <a:noFill/>
-        </p:spPr>
-        <p:txBody>
-          <a:bodyPr wrap="square" rtlCol="0">
-            <a:spAutoFit/>
-          </a:bodyPr>
-          <a:lstStyle/>
-          <a:p>
-            <a:r>
-              <a:rPr lang="en-US" dirty="0"/>
-              <a:t>https://www.superdatascience.com/blogs/the-ultimate-guide-to-artificial-neural-networks-ann</a:t>
-            </a:r>
-          </a:p>
-        </p:txBody>
-      </p:sp>
-      <p:sp>
-        <p:nvSpPr>
-          <p:cNvPr id="6" name="TextBox 5"/>
-          <p:cNvSpPr txBox="1"/>
-          <p:nvPr/>
-        </p:nvSpPr>
-        <p:spPr>
-          <a:xfrm>
-            <a:off x="828942" y="5636045"/>
-            <a:ext cx="7467600" cy="369332"/>
-          </a:xfrm>
-          <a:prstGeom prst="rect">
-            <a:avLst/>
-          </a:prstGeom>
-          <a:noFill/>
-        </p:spPr>
-        <p:txBody>
-          <a:bodyPr wrap="square" rtlCol="0">
-            <a:spAutoFit/>
-          </a:bodyPr>
-          <a:lstStyle/>
-          <a:p>
-            <a:r>
-              <a:rPr lang="en-US" dirty="0"/>
-              <a:t>If you want to add more value to </a:t>
-            </a:r>
-            <a:r>
-              <a:rPr lang="en-US" dirty="0" smtClean="0"/>
-              <a:t>RNN,  </a:t>
-            </a:r>
-            <a:r>
-              <a:rPr lang="en-US" dirty="0"/>
-              <a:t>recommend checking out:</a:t>
-            </a:r>
-            <a:endParaRPr lang="en-US" dirty="0"/>
-          </a:p>
-        </p:txBody>
-      </p:sp>
-    </p:spTree>
-    <p:extLst>
-      <p:ext uri="{BB962C8B-B14F-4D97-AF65-F5344CB8AC3E}">
-        <p14:creationId xmlns:p14="http://schemas.microsoft.com/office/powerpoint/2010/main" val="919023008"/>
-      </p:ext>
-    </p:extLst>
-  </p:cSld>
-  <p:clrMapOvr>
-    <a:masterClrMapping/>
-  </p:clrMapOvr>
-</p:sld>
-</file>
-
 <file path=ppt/theme/theme1.xml><?xml version="1.0" encoding="utf-8"?>
-<a:theme xmlns:a="http://schemas.openxmlformats.org/drawingml/2006/main" name="Office Theme">
+<a:theme xmlns:a="http://schemas.openxmlformats.org/drawingml/2006/main" name="Concourse">
   <a:themeElements>
-    <a:clrScheme name="Office">
+    <a:clrScheme name="Concourse">
       <a:dk1>
         <a:sysClr val="windowText" lastClr="000000"/>
       </a:dk1>
@@ -16396,80 +17977,45 @@
         <a:sysClr val="window" lastClr="FFFFFF"/>
       </a:lt1>
       <a:dk2>
-        <a:srgbClr val="1F497D"/>
+        <a:srgbClr val="464646"/>
       </a:dk2>
       <a:lt2>
-        <a:srgbClr val="EEECE1"/>
+        <a:srgbClr val="DEF5FA"/>
       </a:lt2>
       <a:accent1>
-        <a:srgbClr val="4F81BD"/>
+        <a:srgbClr val="2DA2BF"/>
       </a:accent1>
       <a:accent2>
-        <a:srgbClr val="C0504D"/>
+        <a:srgbClr val="DA1F28"/>
       </a:accent2>
       <a:accent3>
-        <a:srgbClr val="9BBB59"/>
+        <a:srgbClr val="EB641B"/>
       </a:accent3>
       <a:accent4>
-        <a:srgbClr val="8064A2"/>
+        <a:srgbClr val="39639D"/>
       </a:accent4>
       <a:accent5>
-        <a:srgbClr val="4BACC6"/>
+        <a:srgbClr val="474B78"/>
       </a:accent5>
       <a:accent6>
-        <a:srgbClr val="F79646"/>
+        <a:srgbClr val="7D3C4A"/>
       </a:accent6>
       <a:hlink>
-        <a:srgbClr val="0000FF"/>
+        <a:srgbClr val="FF8119"/>
       </a:hlink>
       <a:folHlink>
-        <a:srgbClr val="800080"/>
+        <a:srgbClr val="44B9E8"/>
       </a:folHlink>
     </a:clrScheme>
-    <a:fontScheme name="Office">
+    <a:fontScheme name="Concourse">
       <a:majorFont>
-        <a:latin typeface="Calibri"/>
+        <a:latin typeface="Lucida Sans Unicode"/>
         <a:ea typeface=""/>
         <a:cs typeface=""/>
         <a:font script="Jpan" typeface="ＭＳ Ｐゴシック"/>
         <a:font script="Hang" typeface="맑은 고딕"/>
-        <a:font script="Hans" typeface="宋体"/>
-        <a:font script="Hant" typeface="新細明體"/>
-        <a:font script="Arab" typeface="Times New Roman"/>
-        <a:font script="Hebr" typeface="Times New Roman"/>
-        <a:font script="Thai" typeface="Angsana New"/>
-        <a:font script="Ethi" typeface="Nyala"/>
-        <a:font script="Beng" typeface="Vrinda"/>
-        <a:font script="Gujr" typeface="Shruti"/>
-        <a:font script="Khmr" typeface="MoolBoran"/>
-        <a:font script="Knda" typeface="Tunga"/>
-        <a:font script="Guru" typeface="Raavi"/>
-        <a:font script="Cans" typeface="Euphemia"/>
-        <a:font script="Cher" typeface="Plantagenet Cherokee"/>
-        <a:font script="Yiii" typeface="Microsoft Yi Baiti"/>
-        <a:font script="Tibt" typeface="Microsoft Himalaya"/>
-        <a:font script="Thaa" typeface="MV Boli"/>
-        <a:font script="Deva" typeface="Mangal"/>
-        <a:font script="Telu" typeface="Gautami"/>
-        <a:font script="Taml" typeface="Latha"/>
-        <a:font script="Syrc" typeface="Estrangelo Edessa"/>
-        <a:font script="Orya" typeface="Kalinga"/>
-        <a:font script="Mlym" typeface="Kartika"/>
-        <a:font script="Laoo" typeface="DokChampa"/>
-        <a:font script="Sinh" typeface="Iskoola Pota"/>
-        <a:font script="Mong" typeface="Mongolian Baiti"/>
-        <a:font script="Viet" typeface="Times New Roman"/>
-        <a:font script="Uigh" typeface="Microsoft Uighur"/>
-        <a:font script="Geor" typeface="Sylfaen"/>
-      </a:majorFont>
-      <a:minorFont>
-        <a:latin typeface="Calibri"/>
-        <a:ea typeface=""/>
-        <a:cs typeface=""/>
-        <a:font script="Jpan" typeface="ＭＳ Ｐゴシック"/>
-        <a:font script="Hang" typeface="맑은 고딕"/>
-        <a:font script="Hans" typeface="宋体"/>
-        <a:font script="Hant" typeface="新細明體"/>
+        <a:font script="Hans" typeface="黑体"/>
+        <a:font script="Hant" typeface="微軟正黑體"/>
         <a:font script="Arab" typeface="Arial"/>
         <a:font script="Hebr" typeface="Arial"/>
         <a:font script="Thai" typeface="Cordia New"/>
@@ -16493,12 +18039,45 @@
         <a:font script="Laoo" typeface="DokChampa"/>
         <a:font script="Sinh" typeface="Iskoola Pota"/>
         <a:font script="Mong" typeface="Mongolian Baiti"/>
-        <a:font script="Viet" typeface="Arial"/>
+        <a:font script="Uigh" typeface="Microsoft Uighur"/>
+        <a:font script="Geor" typeface="Sylfaen"/>
+      </a:majorFont>
+      <a:minorFont>
+        <a:latin typeface="Lucida Sans Unicode"/>
+        <a:ea typeface=""/>
+        <a:cs typeface=""/>
+        <a:font script="Jpan" typeface="ＭＳ Ｐゴシック"/>
+        <a:font script="Hang" typeface="맑은 고딕"/>
+        <a:font script="Hans" typeface="黑体"/>
+        <a:font script="Hant" typeface="微軟正黑體"/>
+        <a:font script="Arab" typeface="Arial"/>
+        <a:font script="Hebr" typeface="Arial"/>
+        <a:font script="Thai" typeface="Cordia New"/>
+        <a:font script="Ethi" typeface="Nyala"/>
+        <a:font script="Beng" typeface="Vrinda"/>
+        <a:font script="Gujr" typeface="Shruti"/>
+        <a:font script="Khmr" typeface="DaunPenh"/>
+        <a:font script="Knda" typeface="Tunga"/>
+        <a:font script="Guru" typeface="Raavi"/>
+        <a:font script="Cans" typeface="Euphemia"/>
+        <a:font script="Cher" typeface="Plantagenet Cherokee"/>
+        <a:font script="Yiii" typeface="Microsoft Yi Baiti"/>
+        <a:font script="Tibt" typeface="Microsoft Himalaya"/>
+        <a:font script="Thaa" typeface="MV Boli"/>
+        <a:font script="Deva" typeface="Mangal"/>
+        <a:font script="Telu" typeface="Gautami"/>
+        <a:font script="Taml" typeface="Latha"/>
+        <a:font script="Syrc" typeface="Estrangelo Edessa"/>
+        <a:font script="Orya" typeface="Kalinga"/>
+        <a:font script="Mlym" typeface="Kartika"/>
+        <a:font script="Laoo" typeface="DokChampa"/>
+        <a:font script="Sinh" typeface="Iskoola Pota"/>
+        <a:font script="Mong" typeface="Mongolian Baiti"/>
         <a:font script="Uigh" typeface="Microsoft Uighur"/>
         <a:font script="Geor" typeface="Sylfaen"/>
       </a:minorFont>
     </a:fontScheme>
-    <a:fmtScheme name="Office">
+    <a:fmtScheme name="Concourse">
       <a:fillStyleLst>
         <a:solidFill>
           <a:schemeClr val="phClr"/>
@@ -16507,43 +18086,51 @@
           <a:gsLst>
             <a:gs pos="0">
               <a:schemeClr val="phClr">
-                <a:tint val="50000"/>
-                <a:satMod val="300000"/>
+                <a:tint val="62000"/>
+                <a:satMod val="180000"/>
               </a:schemeClr>
             </a:gs>
-            <a:gs pos="35000">
+            <a:gs pos="65000">
               <a:schemeClr val="phClr">
-                <a:tint val="37000"/>
-                <a:satMod val="300000"/>
+                <a:tint val="32000"/>
+                <a:satMod val="250000"/>
               </a:schemeClr>
             </a:gs>
             <a:gs pos="100000">
               <a:schemeClr val="phClr">
-                <a:tint val="15000"/>
-                <a:satMod val="350000"/>
+                <a:tint val="23000"/>
+                <a:satMod val="300000"/>
               </a:schemeClr>
             </a:gs>
           </a:gsLst>
-          <a:lin ang="16200000" scaled="1"/>
+          <a:lin ang="16200000" scaled="0"/>
         </a:gradFill>
         <a:gradFill rotWithShape="1">
           <a:gsLst>
             <a:gs pos="0">
               <a:schemeClr val="phClr">
-                <a:shade val="51000"/>
-                <a:satMod val="130000"/>
+                <a:shade val="15000"/>
+                <a:satMod val="180000"/>
               </a:schemeClr>
             </a:gs>
-            <a:gs pos="80000">
+            <a:gs pos="50000">
               <a:schemeClr val="phClr">
-                <a:shade val="93000"/>
-                <a:satMod val="130000"/>
+                <a:shade val="45000"/>
+                <a:satMod val="170000"/>
+              </a:schemeClr>
+            </a:gs>
+            <a:gs pos="70000">
+              <a:schemeClr val="phClr">
+                <a:tint val="99000"/>
+                <a:shade val="65000"/>
+                <a:satMod val="155000"/>
               </a:schemeClr>
             </a:gs>
             <a:gs pos="100000">
               <a:schemeClr val="phClr">
-                <a:shade val="94000"/>
-                <a:satMod val="135000"/>
+                <a:tint val="95500"/>
+                <a:shade val="100000"/>
+                <a:satMod val="155000"/>
               </a:schemeClr>
             </a:gs>
           </a:gsLst>
@@ -16553,20 +18140,17 @@
       <a:lnStyleLst>
         <a:ln w="9525" cap="flat" cmpd="sng" algn="ctr">
           <a:solidFill>
-            <a:schemeClr val="phClr">
-              <a:shade val="95000"/>
-              <a:satMod val="105000"/>
-            </a:schemeClr>
+            <a:schemeClr val="phClr"/>
           </a:solidFill>
           <a:prstDash val="solid"/>
         </a:ln>
-        <a:ln w="25400" cap="flat" cmpd="sng" algn="ctr">
+        <a:ln w="55000" cap="flat" cmpd="thickThin" algn="ctr">
           <a:solidFill>
             <a:schemeClr val="phClr"/>
           </a:solidFill>
           <a:prstDash val="solid"/>
         </a:ln>
-        <a:ln w="38100" cap="flat" cmpd="sng" algn="ctr">
+        <a:ln w="63500" cap="flat" cmpd="thickThin" algn="ctr">
           <a:solidFill>
             <a:schemeClr val="phClr"/>
           </a:solidFill>
@@ -16576,16 +18160,7 @@
       <a:effectStyleLst>
         <a:effectStyle>
           <a:effectLst>
-            <a:outerShdw blurRad="40000" dist="20000" dir="5400000" rotWithShape="0">
-              <a:srgbClr val="000000">
-                <a:alpha val="38000"/>
-              </a:srgbClr>
-            </a:outerShdw>
-          </a:effectLst>
-        </a:effectStyle>
-        <a:effectStyle>
-          <a:effectLst>
-            <a:outerShdw blurRad="40000" dist="23000" dir="5400000" rotWithShape="0">
+            <a:outerShdw blurRad="50800" dist="38100" dir="5400000" rotWithShape="0">
               <a:srgbClr val="000000">
                 <a:alpha val="35000"/>
               </a:srgbClr>
@@ -16594,22 +18169,36 @@
         </a:effectStyle>
         <a:effectStyle>
           <a:effectLst>
-            <a:outerShdw blurRad="40000" dist="23000" dir="5400000" rotWithShape="0">
+            <a:outerShdw blurRad="50800" dist="38100" dir="5400000" rotWithShape="0">
               <a:srgbClr val="000000">
                 <a:alpha val="35000"/>
               </a:srgbClr>
             </a:outerShdw>
           </a:effectLst>
+        </a:effectStyle>
+        <a:effectStyle>
+          <a:effectLst>
+            <a:outerShdw blurRad="63500" dist="38100" dir="5400000" rotWithShape="0">
+              <a:srgbClr val="000000">
+                <a:alpha val="45000"/>
+              </a:srgbClr>
+            </a:outerShdw>
+          </a:effectLst>
           <a:scene3d>
-            <a:camera prst="orthographicFront">
+            <a:camera prst="orthographicFront" fov="0">
               <a:rot lat="0" lon="0" rev="0"/>
             </a:camera>
-            <a:lightRig rig="threePt" dir="t">
-              <a:rot lat="0" lon="0" rev="1200000"/>
+            <a:lightRig rig="glow" dir="t">
+              <a:rot lat="0" lon="0" rev="6360000"/>
             </a:lightRig>
           </a:scene3d>
-          <a:sp3d>
-            <a:bevelT w="63500" h="25400"/>
+          <a:sp3d contourW="1000" prstMaterial="flat">
+            <a:bevelT w="95250" h="101600"/>
+            <a:contourClr>
+              <a:schemeClr val="phClr">
+                <a:satMod val="300000"/>
+              </a:schemeClr>
+            </a:contourClr>
           </a:sp3d>
         </a:effectStyle>
       </a:effectStyleLst>
@@ -16621,47 +18210,41 @@
           <a:gsLst>
             <a:gs pos="0">
               <a:schemeClr val="phClr">
-                <a:tint val="40000"/>
-                <a:satMod val="350000"/>
+                <a:tint val="55000"/>
+                <a:satMod val="300000"/>
               </a:schemeClr>
             </a:gs>
             <a:gs pos="40000">
               <a:schemeClr val="phClr">
-                <a:tint val="45000"/>
-                <a:shade val="99000"/>
-                <a:satMod val="350000"/>
-              </a:schemeClr>
-            </a:gs>
-            <a:gs pos="100000">
-              <a:schemeClr val="phClr">
-                <a:shade val="20000"/>
-                <a:satMod val="255000"/>
-              </a:schemeClr>
-            </a:gs>
-          </a:gsLst>
-          <a:path path="circle">
-            <a:fillToRect l="50000" t="-80000" r="50000" b="180000"/>
-          </a:path>
-        </a:gradFill>
-        <a:gradFill rotWithShape="1">
-          <a:gsLst>
-            <a:gs pos="0">
-              <a:schemeClr val="phClr">
-                <a:tint val="80000"/>
+                <a:tint val="65000"/>
                 <a:satMod val="300000"/>
               </a:schemeClr>
             </a:gs>
             <a:gs pos="100000">
               <a:schemeClr val="phClr">
-                <a:shade val="30000"/>
-                <a:satMod val="200000"/>
+                <a:shade val="65000"/>
+                <a:satMod val="300000"/>
               </a:schemeClr>
             </a:gs>
           </a:gsLst>
           <a:path path="circle">
-            <a:fillToRect l="50000" t="50000" r="50000" b="50000"/>
+            <a:fillToRect l="65000" b="98000"/>
           </a:path>
         </a:gradFill>
+        <a:blipFill>
+          <a:blip xmlns:r="http://schemas.openxmlformats.org/officeDocument/2006/relationships" r:embed="rId1">
+            <a:duotone>
+              <a:schemeClr val="phClr">
+                <a:shade val="60000"/>
+                <a:satMod val="110000"/>
+              </a:schemeClr>
+              <a:schemeClr val="phClr">
+                <a:tint val="95000"/>
+              </a:schemeClr>
+            </a:duotone>
+          </a:blip>
+          <a:tile tx="0" ty="0" sx="50000" sy="50000" flip="none" algn="tl"/>
+        </a:blipFill>
       </a:bgFillStyleLst>
     </a:fmtScheme>
   </a:themeElements>

--- a/Impact of COVID-10 on NYC Taxi Industries.pptx
+++ b/Impact of COVID-10 on NYC Taxi Industries.pptx
@@ -2358,8 +2358,8 @@
     </mc:Fallback>
   </mc:AlternateContent>
   <c:pivotSource>
-    <c:name>[YelloCabDataModel.xlsx]YelloCabDataModel!PivotTable20</c:name>
-    <c:fmtId val="3"/>
+    <c:name>[YelloCabDataAnalysis.xlsx]YelloCabDataModel!PivotTable20</c:name>
+    <c:fmtId val="6"/>
   </c:pivotSource>
   <c:chart>
     <c:autoTitleDeleted val="0"/>
@@ -2523,23 +2523,17 @@
               <c:numCache>
                 <c:formatCode>0</c:formatCode>
                 <c:ptCount val="6"/>
-                <c:pt idx="0">
-                  <c:v>0</c:v>
-                </c:pt>
-                <c:pt idx="1">
-                  <c:v>0</c:v>
-                </c:pt>
                 <c:pt idx="2">
-                  <c:v>590466</c:v>
+                  <c:v>464981</c:v>
                 </c:pt>
                 <c:pt idx="3">
-                  <c:v>7939509</c:v>
+                  <c:v>6328973</c:v>
                 </c:pt>
                 <c:pt idx="4">
-                  <c:v>14024460</c:v>
+                  <c:v>10850463</c:v>
                 </c:pt>
                 <c:pt idx="5">
-                  <c:v>14766772</c:v>
+                  <c:v>11656829</c:v>
                 </c:pt>
               </c:numCache>
             </c:numRef>
@@ -2554,11 +2548,11 @@
           <c:showBubbleSize val="0"/>
         </c:dLbls>
         <c:gapWidth val="150"/>
-        <c:axId val="101770368"/>
-        <c:axId val="101771904"/>
+        <c:axId val="90463232"/>
+        <c:axId val="125412096"/>
       </c:barChart>
       <c:catAx>
-        <c:axId val="101770368"/>
+        <c:axId val="90463232"/>
         <c:scaling>
           <c:orientation val="minMax"/>
         </c:scaling>
@@ -2567,7 +2561,7 @@
         <c:majorTickMark val="out"/>
         <c:minorTickMark val="none"/>
         <c:tickLblPos val="nextTo"/>
-        <c:crossAx val="101771904"/>
+        <c:crossAx val="125412096"/>
         <c:crosses val="autoZero"/>
         <c:auto val="1"/>
         <c:lblAlgn val="ctr"/>
@@ -2575,7 +2569,7 @@
         <c:noMultiLvlLbl val="0"/>
       </c:catAx>
       <c:valAx>
-        <c:axId val="101771904"/>
+        <c:axId val="125412096"/>
         <c:scaling>
           <c:orientation val="minMax"/>
         </c:scaling>
@@ -2586,7 +2580,7 @@
         <c:majorTickMark val="out"/>
         <c:minorTickMark val="none"/>
         <c:tickLblPos val="nextTo"/>
-        <c:crossAx val="101770368"/>
+        <c:crossAx val="90463232"/>
         <c:crosses val="autoZero"/>
         <c:crossBetween val="between"/>
       </c:valAx>
@@ -10383,11 +10377,15 @@
             </a:r>
             <a:r>
               <a:rPr lang="en-US" dirty="0"/>
-              <a:t>The Long Short-Term Memory network or LSTM network is a type of recurrent neural network used in deep learning because very large </a:t>
+              <a:t>The Long Short-Term Memory network or LSTM network is a type of recurrent neural network used in deep learning because </a:t>
             </a:r>
             <a:r>
               <a:rPr lang="en-US" dirty="0" smtClean="0"/>
-              <a:t>to learn from long sequence of observation and predict future sequence</a:t>
+              <a:t>to learn </a:t>
+            </a:r>
+            <a:r>
+              <a:rPr lang="en-US" dirty="0" smtClean="0"/>
+              <a:t>from long sequence of observation and predict future sequence</a:t>
             </a:r>
             <a:endParaRPr lang="en-US" dirty="0"/>
           </a:p>
@@ -10416,7 +10414,7 @@
         </p:blipFill>
         <p:spPr bwMode="auto">
           <a:xfrm>
-            <a:off x="1600199" y="2648129"/>
+            <a:off x="1752600" y="2590800"/>
             <a:ext cx="5410201" cy="2827732"/>
           </a:xfrm>
           <a:prstGeom prst="rect">
@@ -10455,7 +10453,7 @@
         </p:nvSpPr>
         <p:spPr>
           <a:xfrm>
-            <a:off x="762000" y="6043291"/>
+            <a:off x="856716" y="5334000"/>
             <a:ext cx="7620000" cy="646331"/>
           </a:xfrm>
           <a:prstGeom prst="rect">
@@ -10472,43 +10470,6 @@
             <a:r>
               <a:rPr lang="en-US" dirty="0"/>
               <a:t>https://www.superdatascience.com/blogs/the-ultimate-guide-to-artificial-neural-networks-ann</a:t>
-            </a:r>
-          </a:p>
-        </p:txBody>
-      </p:sp>
-      <p:sp>
-        <p:nvSpPr>
-          <p:cNvPr id="6" name="TextBox 5"/>
-          <p:cNvSpPr txBox="1"/>
-          <p:nvPr/>
-        </p:nvSpPr>
-        <p:spPr>
-          <a:xfrm>
-            <a:off x="828942" y="5636045"/>
-            <a:ext cx="7467600" cy="369332"/>
-          </a:xfrm>
-          <a:prstGeom prst="rect">
-            <a:avLst/>
-          </a:prstGeom>
-          <a:noFill/>
-        </p:spPr>
-        <p:txBody>
-          <a:bodyPr wrap="square" rtlCol="0">
-            <a:spAutoFit/>
-          </a:bodyPr>
-          <a:lstStyle/>
-          <a:p>
-            <a:r>
-              <a:rPr lang="en-US" dirty="0"/>
-              <a:t>If you want to add more value to </a:t>
-            </a:r>
-            <a:r>
-              <a:rPr lang="en-US" dirty="0" smtClean="0"/>
-              <a:t>RNN,  </a:t>
-            </a:r>
-            <a:r>
-              <a:rPr lang="en-US" dirty="0"/>
-              <a:t>recommend checking out:</a:t>
             </a:r>
           </a:p>
         </p:txBody>
@@ -16691,7 +16652,7 @@
         </p:blipFill>
         <p:spPr bwMode="auto">
           <a:xfrm>
-            <a:off x="2438400" y="2438400"/>
+            <a:off x="2457628" y="2590800"/>
             <a:ext cx="1247775" cy="2047875"/>
           </a:xfrm>
           <a:prstGeom prst="rect">
@@ -16732,8 +16693,8 @@
         </p:nvSpPr>
         <p:spPr>
           <a:xfrm>
-            <a:off x="595312" y="1295400"/>
-            <a:ext cx="8229600" cy="1295400"/>
+            <a:off x="457200" y="1219200"/>
+            <a:ext cx="8229600" cy="1143000"/>
           </a:xfrm>
           <a:prstGeom prst="rect">
             <a:avLst/>
@@ -17048,21 +17009,21 @@
       </p:graphicFrame>
       <p:graphicFrame>
         <p:nvGraphicFramePr>
-          <p:cNvPr id="16" name="Table 15"/>
+          <p:cNvPr id="3" name="Table 2"/>
           <p:cNvGraphicFramePr>
             <a:graphicFrameLocks noGrp="1"/>
           </p:cNvGraphicFramePr>
           <p:nvPr>
             <p:extLst>
               <p:ext uri="{D42A27DB-BD31-4B8C-83A1-F6EECF244321}">
-                <p14:modId xmlns:p14="http://schemas.microsoft.com/office/powerpoint/2010/main" val="1225507163"/>
+                <p14:modId xmlns:p14="http://schemas.microsoft.com/office/powerpoint/2010/main" val="1573138035"/>
               </p:ext>
             </p:extLst>
           </p:nvPr>
         </p:nvGraphicFramePr>
         <p:xfrm>
-          <a:off x="381000" y="4114800"/>
-          <a:ext cx="2819399" cy="1905000"/>
+          <a:off x="609600" y="3886200"/>
+          <a:ext cx="2552699" cy="2141220"/>
         </p:xfrm>
         <a:graphic>
           <a:graphicData uri="http://schemas.openxmlformats.org/drawingml/2006/table">
@@ -17071,11 +17032,11 @@
                 <a:tableStyleId>{5C22544A-7EE6-4342-B048-85BDC9FD1C3A}</a:tableStyleId>
               </a:tblPr>
               <a:tblGrid>
-                <a:gridCol w="966651"/>
-                <a:gridCol w="1022689"/>
-                <a:gridCol w="830059"/>
+                <a:gridCol w="838200"/>
+                <a:gridCol w="962959"/>
+                <a:gridCol w="751540"/>
               </a:tblGrid>
-              <a:tr h="238125">
+              <a:tr h="190500">
                 <a:tc>
                   <a:txBody>
                     <a:bodyPr/>
@@ -17086,7 +17047,7 @@
                         <a:rPr lang="en-US" sz="1100" u="none" strike="noStrike">
                           <a:effectLst/>
                         </a:rPr>
-                        <a:t>Row Labels</a:t>
+                        <a:t>Year Month</a:t>
                       </a:r>
                       <a:endParaRPr lang="en-US" sz="1100" b="1" i="0" u="none" strike="noStrike">
                         <a:solidFill>
@@ -17146,7 +17107,7 @@
                   <a:tcPr marL="9525" marR="9525" marT="9525" marB="0" anchor="b"/>
                 </a:tc>
               </a:tr>
-              <a:tr h="238125">
+              <a:tr h="190500">
                 <a:tc>
                   <a:txBody>
                     <a:bodyPr/>
@@ -17198,13 +17159,7 @@
                     <a:bodyPr/>
                     <a:lstStyle/>
                     <a:p>
-                      <a:pPr algn="r" fontAlgn="b"/>
-                      <a:r>
-                        <a:rPr lang="en-US" sz="1100" u="none" strike="noStrike">
-                          <a:effectLst/>
-                        </a:rPr>
-                        <a:t>0</a:t>
-                      </a:r>
+                      <a:pPr algn="l" fontAlgn="b"/>
                       <a:endParaRPr lang="en-US" sz="1100" b="1" i="0" u="none" strike="noStrike">
                         <a:solidFill>
                           <a:srgbClr val="000000"/>
@@ -17217,7 +17172,7 @@
                   <a:tcPr marL="9525" marR="9525" marT="9525" marB="0" anchor="b"/>
                 </a:tc>
               </a:tr>
-              <a:tr h="238125">
+              <a:tr h="190500">
                 <a:tc>
                   <a:txBody>
                     <a:bodyPr/>
@@ -17269,13 +17224,7 @@
                     <a:bodyPr/>
                     <a:lstStyle/>
                     <a:p>
-                      <a:pPr algn="r" fontAlgn="b"/>
-                      <a:r>
-                        <a:rPr lang="en-US" sz="1100" u="none" strike="noStrike">
-                          <a:effectLst/>
-                        </a:rPr>
-                        <a:t>0</a:t>
-                      </a:r>
+                      <a:pPr algn="l" fontAlgn="b"/>
                       <a:endParaRPr lang="en-US" sz="1100" b="1" i="0" u="none" strike="noStrike">
                         <a:solidFill>
                           <a:srgbClr val="000000"/>
@@ -17288,7 +17237,7 @@
                   <a:tcPr marL="9525" marR="9525" marT="9525" marB="0" anchor="b"/>
                 </a:tc>
               </a:tr>
-              <a:tr h="238125">
+              <a:tr h="190500">
                 <a:tc>
                   <a:txBody>
                     <a:bodyPr/>
@@ -17345,7 +17294,7 @@
                         <a:rPr lang="en-US" sz="1100" u="none" strike="noStrike">
                           <a:effectLst/>
                         </a:rPr>
-                        <a:t>590466</a:t>
+                        <a:t>464981</a:t>
                       </a:r>
                       <a:endParaRPr lang="en-US" sz="1100" b="1" i="0" u="none" strike="noStrike">
                         <a:solidFill>
@@ -17359,7 +17308,7 @@
                   <a:tcPr marL="9525" marR="9525" marT="9525" marB="0" anchor="b"/>
                 </a:tc>
               </a:tr>
-              <a:tr h="238125">
+              <a:tr h="190500">
                 <a:tc>
                   <a:txBody>
                     <a:bodyPr/>
@@ -17416,7 +17365,7 @@
                         <a:rPr lang="en-US" sz="1100" u="none" strike="noStrike">
                           <a:effectLst/>
                         </a:rPr>
-                        <a:t>7939509</a:t>
+                        <a:t>6328973</a:t>
                       </a:r>
                       <a:endParaRPr lang="en-US" sz="1100" b="1" i="0" u="none" strike="noStrike">
                         <a:solidFill>
@@ -17430,7 +17379,7 @@
                   <a:tcPr marL="9525" marR="9525" marT="9525" marB="0" anchor="b"/>
                 </a:tc>
               </a:tr>
-              <a:tr h="238125">
+              <a:tr h="190500">
                 <a:tc>
                   <a:txBody>
                     <a:bodyPr/>
@@ -17487,7 +17436,7 @@
                         <a:rPr lang="en-US" sz="1100" u="none" strike="noStrike">
                           <a:effectLst/>
                         </a:rPr>
-                        <a:t>14024460</a:t>
+                        <a:t>10850463</a:t>
                       </a:r>
                       <a:endParaRPr lang="en-US" sz="1100" b="1" i="0" u="none" strike="noStrike">
                         <a:solidFill>
@@ -17501,7 +17450,7 @@
                   <a:tcPr marL="9525" marR="9525" marT="9525" marB="0" anchor="b"/>
                 </a:tc>
               </a:tr>
-              <a:tr h="238125">
+              <a:tr h="190500">
                 <a:tc>
                   <a:txBody>
                     <a:bodyPr/>
@@ -17558,7 +17507,7 @@
                         <a:rPr lang="en-US" sz="1100" u="none" strike="noStrike">
                           <a:effectLst/>
                         </a:rPr>
-                        <a:t>14766772</a:t>
+                        <a:t>11656829</a:t>
                       </a:r>
                       <a:endParaRPr lang="en-US" sz="1100" b="1" i="0" u="none" strike="noStrike">
                         <a:solidFill>
@@ -17572,7 +17521,7 @@
                   <a:tcPr marL="9525" marR="9525" marT="9525" marB="0" anchor="b"/>
                 </a:tc>
               </a:tr>
-              <a:tr h="238125">
+              <a:tr h="190500">
                 <a:tc>
                   <a:txBody>
                     <a:bodyPr/>
@@ -17629,7 +17578,7 @@
                         <a:rPr lang="en-US" sz="1100" u="none" strike="noStrike" dirty="0">
                           <a:effectLst/>
                         </a:rPr>
-                        <a:t>37321207</a:t>
+                        <a:t>29301246</a:t>
                       </a:r>
                       <a:endParaRPr lang="en-US" sz="1100" b="1" i="0" u="none" strike="noStrike" dirty="0">
                         <a:solidFill>
@@ -17649,21 +17598,21 @@
       </p:graphicFrame>
       <p:graphicFrame>
         <p:nvGraphicFramePr>
-          <p:cNvPr id="17" name="Chart 16"/>
+          <p:cNvPr id="7" name="Chart 6"/>
           <p:cNvGraphicFramePr>
             <a:graphicFrameLocks/>
           </p:cNvGraphicFramePr>
           <p:nvPr>
             <p:extLst>
               <p:ext uri="{D42A27DB-BD31-4B8C-83A1-F6EECF244321}">
-                <p14:modId xmlns:p14="http://schemas.microsoft.com/office/powerpoint/2010/main" val="3236472401"/>
+                <p14:modId xmlns:p14="http://schemas.microsoft.com/office/powerpoint/2010/main" val="1923593685"/>
               </p:ext>
             </p:extLst>
           </p:nvPr>
         </p:nvGraphicFramePr>
         <p:xfrm>
-          <a:off x="3505200" y="3962400"/>
-          <a:ext cx="5181600" cy="2481263"/>
+          <a:off x="3581400" y="3886200"/>
+          <a:ext cx="5197223" cy="2405063"/>
         </p:xfrm>
         <a:graphic>
           <a:graphicData uri="http://schemas.openxmlformats.org/drawingml/2006/chart">

--- a/Impact of COVID-10 on NYC Taxi Industries.pptx
+++ b/Impact of COVID-10 on NYC Taxi Industries.pptx
@@ -17016,7 +17016,7 @@
           <p:nvPr>
             <p:extLst>
               <p:ext uri="{D42A27DB-BD31-4B8C-83A1-F6EECF244321}">
-                <p14:modId xmlns:p14="http://schemas.microsoft.com/office/powerpoint/2010/main" val="1573138035"/>
+                <p14:modId xmlns:p14="http://schemas.microsoft.com/office/powerpoint/2010/main" val="849004650"/>
               </p:ext>
             </p:extLst>
           </p:nvPr>
@@ -17044,12 +17044,12 @@
                     <a:p>
                       <a:pPr algn="l" fontAlgn="b"/>
                       <a:r>
-                        <a:rPr lang="en-US" sz="1100" u="none" strike="noStrike">
+                        <a:rPr lang="en-US" sz="1100" u="none" strike="noStrike" dirty="0">
                           <a:effectLst/>
                         </a:rPr>
                         <a:t>Year Month</a:t>
                       </a:r>
-                      <a:endParaRPr lang="en-US" sz="1100" b="1" i="0" u="none" strike="noStrike">
+                      <a:endParaRPr lang="en-US" sz="1100" b="1" i="0" u="none" strike="noStrike" dirty="0">
                         <a:solidFill>
                           <a:srgbClr val="000000"/>
                         </a:solidFill>
@@ -17067,12 +17067,12 @@
                     <a:p>
                       <a:pPr algn="l" fontAlgn="b"/>
                       <a:r>
-                        <a:rPr lang="en-US" sz="1100" u="none" strike="noStrike">
+                        <a:rPr lang="en-US" sz="1100" u="none" strike="noStrike" smtClean="0">
                           <a:effectLst/>
                         </a:rPr>
-                        <a:t>SalesAmount_</a:t>
+                        <a:t>SalesAmount</a:t>
                       </a:r>
-                      <a:endParaRPr lang="en-US" sz="1100" b="1" i="0" u="none" strike="noStrike">
+                      <a:endParaRPr lang="en-US" sz="1100" b="1" i="0" u="none" strike="noStrike" dirty="0">
                         <a:solidFill>
                           <a:srgbClr val="000000"/>
                         </a:solidFill>
@@ -17115,12 +17115,12 @@
                     <a:p>
                       <a:pPr algn="l" fontAlgn="b"/>
                       <a:r>
-                        <a:rPr lang="en-US" sz="1100" u="none" strike="noStrike">
+                        <a:rPr lang="en-US" sz="1100" u="none" strike="noStrike" dirty="0">
                           <a:effectLst/>
                         </a:rPr>
                         <a:t>Jan</a:t>
                       </a:r>
-                      <a:endParaRPr lang="en-US" sz="1100" b="1" i="0" u="none" strike="noStrike">
+                      <a:endParaRPr lang="en-US" sz="1100" b="1" i="0" u="none" strike="noStrike" dirty="0">
                         <a:solidFill>
                           <a:srgbClr val="000000"/>
                         </a:solidFill>
@@ -17138,12 +17138,12 @@
                     <a:p>
                       <a:pPr algn="r" fontAlgn="b"/>
                       <a:r>
-                        <a:rPr lang="en-US" sz="1100" u="none" strike="noStrike">
+                        <a:rPr lang="en-US" sz="1100" u="none" strike="noStrike" dirty="0">
                           <a:effectLst/>
                         </a:rPr>
                         <a:t>$119,538,722</a:t>
                       </a:r>
-                      <a:endParaRPr lang="en-US" sz="1100" b="1" i="0" u="none" strike="noStrike">
+                      <a:endParaRPr lang="en-US" sz="1100" b="1" i="0" u="none" strike="noStrike" dirty="0">
                         <a:solidFill>
                           <a:srgbClr val="000000"/>
                         </a:solidFill>
